--- a/pre/2024-12-21.pptx
+++ b/pre/2024-12-21.pptx
@@ -15183,195 +15183,210 @@
       </p:sp>
       <p:grpSp>
         <p:nvGrpSpPr>
-          <p:cNvPr id="11" name="组合 10"/>
+          <p:cNvPr id="13" name="组合 12"/>
           <p:cNvGrpSpPr/>
           <p:nvPr/>
         </p:nvGrpSpPr>
         <p:grpSpPr>
           <a:xfrm>
-            <a:off x="941371" y="2193925"/>
-            <a:ext cx="10751185" cy="2494280"/>
-            <a:chOff x="1432" y="4164"/>
-            <a:chExt cx="16931" cy="3928"/>
+            <a:off x="941070" y="2193925"/>
+            <a:ext cx="10750550" cy="2908300"/>
+            <a:chOff x="1482" y="3455"/>
+            <a:chExt cx="16930" cy="4580"/>
           </a:xfrm>
         </p:grpSpPr>
-        <p:pic>
-          <p:nvPicPr>
-            <p:cNvPr id="4" name="图片 3" descr="epoch_40"/>
-            <p:cNvPicPr>
-              <a:picLocks noChangeAspect="1"/>
-            </p:cNvPicPr>
+        <p:grpSp>
+          <p:nvGrpSpPr>
+            <p:cNvPr id="11" name="组合 10"/>
+            <p:cNvGrpSpPr/>
             <p:nvPr/>
-          </p:nvPicPr>
-          <p:blipFill>
-            <a:blip r:embed="rId1"/>
-            <a:stretch>
-              <a:fillRect/>
-            </a:stretch>
-          </p:blipFill>
-          <p:spPr>
+          </p:nvGrpSpPr>
+          <p:grpSpPr>
             <a:xfrm>
-              <a:off x="7212" y="4164"/>
-              <a:ext cx="5345" cy="3928"/>
+              <a:off x="1482" y="3455"/>
+              <a:ext cx="16931" cy="3928"/>
+              <a:chOff x="1432" y="4164"/>
+              <a:chExt cx="16931" cy="3928"/>
             </a:xfrm>
-            <a:prstGeom prst="rect">
-              <a:avLst/>
-            </a:prstGeom>
-          </p:spPr>
-        </p:pic>
-        <p:pic>
-          <p:nvPicPr>
-            <p:cNvPr id="7" name="图片 6" descr="epoch_2"/>
-            <p:cNvPicPr>
-              <a:picLocks noChangeAspect="1"/>
-            </p:cNvPicPr>
+          </p:grpSpPr>
+          <p:pic>
+            <p:nvPicPr>
+              <p:cNvPr id="4" name="图片 3" descr="epoch_40"/>
+              <p:cNvPicPr>
+                <a:picLocks noChangeAspect="1"/>
+              </p:cNvPicPr>
+              <p:nvPr/>
+            </p:nvPicPr>
+            <p:blipFill>
+              <a:blip r:embed="rId1"/>
+              <a:stretch>
+                <a:fillRect/>
+              </a:stretch>
+            </p:blipFill>
+            <p:spPr>
+              <a:xfrm>
+                <a:off x="7212" y="4164"/>
+                <a:ext cx="5345" cy="3928"/>
+              </a:xfrm>
+              <a:prstGeom prst="rect">
+                <a:avLst/>
+              </a:prstGeom>
+            </p:spPr>
+          </p:pic>
+          <p:pic>
+            <p:nvPicPr>
+              <p:cNvPr id="7" name="图片 6" descr="epoch_2"/>
+              <p:cNvPicPr>
+                <a:picLocks noChangeAspect="1"/>
+              </p:cNvPicPr>
+              <p:nvPr/>
+            </p:nvPicPr>
+            <p:blipFill>
+              <a:blip r:embed="rId2"/>
+              <a:stretch>
+                <a:fillRect/>
+              </a:stretch>
+            </p:blipFill>
+            <p:spPr>
+              <a:xfrm>
+                <a:off x="1432" y="4164"/>
+                <a:ext cx="5237" cy="3904"/>
+              </a:xfrm>
+              <a:prstGeom prst="rect">
+                <a:avLst/>
+              </a:prstGeom>
+            </p:spPr>
+          </p:pic>
+          <p:pic>
+            <p:nvPicPr>
+              <p:cNvPr id="2" name="图片 1" descr="epoch_40"/>
+              <p:cNvPicPr>
+                <a:picLocks noChangeAspect="1"/>
+              </p:cNvPicPr>
+              <p:nvPr/>
+            </p:nvPicPr>
+            <p:blipFill>
+              <a:blip r:embed="rId3"/>
+              <a:stretch>
+                <a:fillRect/>
+              </a:stretch>
+            </p:blipFill>
+            <p:spPr>
+              <a:xfrm>
+                <a:off x="13283" y="4304"/>
+                <a:ext cx="5081" cy="3788"/>
+              </a:xfrm>
+              <a:prstGeom prst="rect">
+                <a:avLst/>
+              </a:prstGeom>
+            </p:spPr>
+          </p:pic>
+        </p:grpSp>
+        <p:grpSp>
+          <p:nvGrpSpPr>
+            <p:cNvPr id="12" name="组合 11"/>
+            <p:cNvGrpSpPr/>
             <p:nvPr/>
-          </p:nvPicPr>
-          <p:blipFill>
-            <a:blip r:embed="rId2"/>
-            <a:stretch>
-              <a:fillRect/>
-            </a:stretch>
-          </p:blipFill>
-          <p:spPr>
+          </p:nvGrpSpPr>
+          <p:grpSpPr>
             <a:xfrm>
-              <a:off x="1432" y="4164"/>
-              <a:ext cx="5237" cy="3904"/>
+              <a:off x="3356" y="7453"/>
+              <a:ext cx="13508" cy="582"/>
+              <a:chOff x="3584" y="8491"/>
+              <a:chExt cx="13508" cy="582"/>
             </a:xfrm>
-            <a:prstGeom prst="rect">
-              <a:avLst/>
-            </a:prstGeom>
-          </p:spPr>
-        </p:pic>
-        <p:pic>
-          <p:nvPicPr>
-            <p:cNvPr id="2" name="图片 1" descr="epoch_40"/>
-            <p:cNvPicPr>
-              <a:picLocks noChangeAspect="1"/>
-            </p:cNvPicPr>
-            <p:nvPr/>
-          </p:nvPicPr>
-          <p:blipFill>
-            <a:blip r:embed="rId3"/>
-            <a:stretch>
-              <a:fillRect/>
-            </a:stretch>
-          </p:blipFill>
-          <p:spPr>
-            <a:xfrm>
-              <a:off x="13283" y="4304"/>
-              <a:ext cx="5081" cy="3788"/>
-            </a:xfrm>
-            <a:prstGeom prst="rect">
-              <a:avLst/>
-            </a:prstGeom>
-          </p:spPr>
-        </p:pic>
-      </p:grpSp>
-      <p:grpSp>
-        <p:nvGrpSpPr>
-          <p:cNvPr id="12" name="组合 11"/>
-          <p:cNvGrpSpPr/>
-          <p:nvPr/>
-        </p:nvGrpSpPr>
-        <p:grpSpPr>
-          <a:xfrm>
-            <a:off x="2131060" y="4732655"/>
-            <a:ext cx="9203690" cy="369570"/>
-            <a:chOff x="3584" y="8491"/>
-            <a:chExt cx="14494" cy="582"/>
-          </a:xfrm>
-        </p:grpSpPr>
-        <p:sp>
-          <p:nvSpPr>
-            <p:cNvPr id="3" name="文本框 2"/>
-            <p:cNvSpPr txBox="1"/>
-            <p:nvPr/>
-          </p:nvSpPr>
-          <p:spPr>
-            <a:xfrm>
-              <a:off x="3584" y="8493"/>
-              <a:ext cx="1008" cy="580"/>
-            </a:xfrm>
-            <a:prstGeom prst="rect">
-              <a:avLst/>
-            </a:prstGeom>
-            <a:noFill/>
-          </p:spPr>
-          <p:txBody>
-            <a:bodyPr wrap="none" rtlCol="0">
-              <a:spAutoFit/>
-            </a:bodyPr>
-            <a:lstStyle/>
-            <a:p>
-              <a:r>
-                <a:rPr lang="zh-CN" altLang="en-US" dirty="0"/>
-                <a:t>原始</a:t>
-              </a:r>
-              <a:endParaRPr lang="zh-CN" altLang="en-US" dirty="0"/>
-            </a:p>
-          </p:txBody>
-        </p:sp>
-        <p:sp>
-          <p:nvSpPr>
-            <p:cNvPr id="8" name="文本框 7"/>
-            <p:cNvSpPr txBox="1"/>
-            <p:nvPr/>
-          </p:nvSpPr>
-          <p:spPr>
-            <a:xfrm>
-              <a:off x="8765" y="8491"/>
-              <a:ext cx="2566" cy="582"/>
-            </a:xfrm>
-            <a:prstGeom prst="rect">
-              <a:avLst/>
-            </a:prstGeom>
-            <a:noFill/>
-          </p:spPr>
-          <p:txBody>
-            <a:bodyPr wrap="square" rtlCol="0">
-              <a:spAutoFit/>
-            </a:bodyPr>
-            <a:lstStyle/>
-            <a:p>
-              <a:r>
-                <a:rPr lang="en-US" altLang="zh-CN" dirty="0" err="1"/>
-                <a:t>CenterLoss</a:t>
-              </a:r>
-              <a:endParaRPr lang="en-US" altLang="zh-CN" dirty="0"/>
-            </a:p>
-          </p:txBody>
-        </p:sp>
-        <p:sp>
-          <p:nvSpPr>
-            <p:cNvPr id="9" name="文本框 8"/>
-            <p:cNvSpPr txBox="1"/>
-            <p:nvPr/>
-          </p:nvSpPr>
-          <p:spPr>
-            <a:xfrm>
-              <a:off x="14490" y="8493"/>
-              <a:ext cx="3588" cy="580"/>
-            </a:xfrm>
-            <a:prstGeom prst="rect">
-              <a:avLst/>
-            </a:prstGeom>
-            <a:noFill/>
-          </p:spPr>
-          <p:txBody>
-            <a:bodyPr wrap="none" rtlCol="0">
-              <a:spAutoFit/>
-            </a:bodyPr>
-            <a:lstStyle/>
-            <a:p>
-              <a:r>
-                <a:rPr lang="en-US" altLang="zh-CN" dirty="0" err="1"/>
-                <a:t>ContrastiveCenterLoss</a:t>
-              </a:r>
-              <a:endParaRPr lang="en-US" altLang="zh-CN" dirty="0"/>
-            </a:p>
-          </p:txBody>
-        </p:sp>
+          </p:grpSpPr>
+          <p:sp>
+            <p:nvSpPr>
+              <p:cNvPr id="3" name="文本框 2"/>
+              <p:cNvSpPr txBox="1"/>
+              <p:nvPr/>
+            </p:nvSpPr>
+            <p:spPr>
+              <a:xfrm>
+                <a:off x="3584" y="8493"/>
+                <a:ext cx="1008" cy="580"/>
+              </a:xfrm>
+              <a:prstGeom prst="rect">
+                <a:avLst/>
+              </a:prstGeom>
+              <a:noFill/>
+            </p:spPr>
+            <p:txBody>
+              <a:bodyPr wrap="none" rtlCol="0">
+                <a:spAutoFit/>
+              </a:bodyPr>
+              <a:lstStyle/>
+              <a:p>
+                <a:r>
+                  <a:rPr lang="zh-CN" altLang="en-US" dirty="0"/>
+                  <a:t>原始</a:t>
+                </a:r>
+                <a:endParaRPr lang="zh-CN" altLang="en-US" dirty="0"/>
+              </a:p>
+            </p:txBody>
+          </p:sp>
+          <p:sp>
+            <p:nvSpPr>
+              <p:cNvPr id="8" name="文本框 7"/>
+              <p:cNvSpPr txBox="1"/>
+              <p:nvPr/>
+            </p:nvSpPr>
+            <p:spPr>
+              <a:xfrm>
+                <a:off x="8765" y="8491"/>
+                <a:ext cx="2566" cy="582"/>
+              </a:xfrm>
+              <a:prstGeom prst="rect">
+                <a:avLst/>
+              </a:prstGeom>
+              <a:noFill/>
+            </p:spPr>
+            <p:txBody>
+              <a:bodyPr wrap="square" rtlCol="0">
+                <a:spAutoFit/>
+              </a:bodyPr>
+              <a:lstStyle/>
+              <a:p>
+                <a:r>
+                  <a:rPr lang="en-US" altLang="zh-CN" dirty="0" err="1"/>
+                  <a:t>CenterLoss</a:t>
+                </a:r>
+                <a:endParaRPr lang="en-US" altLang="zh-CN" dirty="0"/>
+              </a:p>
+            </p:txBody>
+          </p:sp>
+          <p:sp>
+            <p:nvSpPr>
+              <p:cNvPr id="9" name="文本框 8"/>
+              <p:cNvSpPr txBox="1"/>
+              <p:nvPr/>
+            </p:nvSpPr>
+            <p:spPr>
+              <a:xfrm>
+                <a:off x="15504" y="8493"/>
+                <a:ext cx="1588" cy="580"/>
+              </a:xfrm>
+              <a:prstGeom prst="rect">
+                <a:avLst/>
+              </a:prstGeom>
+              <a:noFill/>
+            </p:spPr>
+            <p:txBody>
+              <a:bodyPr wrap="none" rtlCol="0">
+                <a:spAutoFit/>
+              </a:bodyPr>
+              <a:lstStyle/>
+              <a:p>
+                <a:r>
+                  <a:rPr lang="en-US" altLang="zh-CN" dirty="0"/>
+                  <a:t>AuxLoss</a:t>
+                </a:r>
+                <a:endParaRPr lang="en-US" altLang="zh-CN" dirty="0"/>
+              </a:p>
+            </p:txBody>
+          </p:sp>
+        </p:grpSp>
       </p:grpSp>
       <p:sp>
         <p:nvSpPr>

--- a/pre/2024-12-21.pptx
+++ b/pre/2024-12-21.pptx
@@ -8,7 +8,7 @@
     <p:notesMasterId r:id="rId4"/>
   </p:notesMasterIdLst>
   <p:handoutMasterIdLst>
-    <p:handoutMasterId r:id="rId49"/>
+    <p:handoutMasterId r:id="rId52"/>
   </p:handoutMasterIdLst>
   <p:sldIdLst>
     <p:sldId id="256" r:id="rId3"/>
@@ -55,7 +55,10 @@
     <p:sldId id="2100" r:id="rId45"/>
     <p:sldId id="2101" r:id="rId46"/>
     <p:sldId id="2102" r:id="rId47"/>
-    <p:sldId id="1828" r:id="rId48"/>
+    <p:sldId id="2185" r:id="rId48"/>
+    <p:sldId id="2188" r:id="rId49"/>
+    <p:sldId id="2187" r:id="rId50"/>
+    <p:sldId id="1828" r:id="rId51"/>
   </p:sldIdLst>
   <p:sldSz cx="12192000" cy="6858000"/>
   <p:notesSz cx="6858000" cy="9144000"/>
@@ -17872,6 +17875,5345 @@
 </file>
 
 <file path=ppt/slides/slide45.xml><?xml version="1.0" encoding="utf-8"?>
+<p:sld xmlns:a="http://schemas.openxmlformats.org/drawingml/2006/main" xmlns:r="http://schemas.openxmlformats.org/officeDocument/2006/relationships" xmlns:p="http://schemas.openxmlformats.org/presentationml/2006/main">
+  <p:cSld>
+    <p:spTree>
+      <p:nvGrpSpPr>
+        <p:cNvPr id="1" name=""/>
+        <p:cNvGrpSpPr/>
+        <p:nvPr/>
+      </p:nvGrpSpPr>
+      <p:grpSpPr>
+        <a:xfrm>
+          <a:off x="0" y="0"/>
+          <a:ext cx="0" cy="0"/>
+          <a:chOff x="0" y="0"/>
+          <a:chExt cx="0" cy="0"/>
+        </a:xfrm>
+      </p:grpSpPr>
+      <p:sp>
+        <p:nvSpPr>
+          <p:cNvPr id="6" name="矩形 5"/>
+          <p:cNvSpPr/>
+          <p:nvPr/>
+        </p:nvSpPr>
+        <p:spPr>
+          <a:xfrm>
+            <a:off x="304543" y="486560"/>
+            <a:ext cx="897890" cy="521970"/>
+          </a:xfrm>
+          <a:prstGeom prst="rect">
+            <a:avLst/>
+          </a:prstGeom>
+        </p:spPr>
+        <p:txBody>
+          <a:bodyPr wrap="none">
+            <a:spAutoFit/>
+          </a:bodyPr>
+          <a:lstStyle/>
+          <a:p>
+            <a:pPr marL="0" indent="0" algn="l">
+              <a:buFont typeface="Wingdings" panose="05000000000000000000" charset="0"/>
+              <a:buNone/>
+            </a:pPr>
+            <a:r>
+              <a:rPr lang="zh-CN" altLang="en-US" sz="2800" b="1" dirty="0">
+                <a:solidFill>
+                  <a:schemeClr val="tx1"/>
+                </a:solidFill>
+                <a:latin typeface="微软雅黑" charset="-122"/>
+                <a:ea typeface="微软雅黑" charset="-122"/>
+                <a:cs typeface="微软雅黑" charset="-122"/>
+                <a:sym typeface="+mn-ea"/>
+              </a:rPr>
+              <a:t>展望</a:t>
+            </a:r>
+            <a:endParaRPr lang="zh-CN" altLang="en-US" sz="2800" b="1" dirty="0">
+              <a:solidFill>
+                <a:schemeClr val="tx1"/>
+              </a:solidFill>
+              <a:latin typeface="微软雅黑" charset="-122"/>
+              <a:ea typeface="微软雅黑" charset="-122"/>
+              <a:cs typeface="微软雅黑" charset="-122"/>
+              <a:sym typeface="+mn-ea"/>
+            </a:endParaRPr>
+          </a:p>
+        </p:txBody>
+      </p:sp>
+      <p:grpSp>
+        <p:nvGrpSpPr>
+          <p:cNvPr id="213" name="组合 212"/>
+          <p:cNvGrpSpPr/>
+          <p:nvPr/>
+        </p:nvGrpSpPr>
+        <p:grpSpPr>
+          <a:xfrm>
+            <a:off x="2547620" y="1471295"/>
+            <a:ext cx="6578600" cy="3234690"/>
+            <a:chOff x="4012" y="2317"/>
+            <a:chExt cx="10360" cy="5094"/>
+          </a:xfrm>
+        </p:grpSpPr>
+        <p:grpSp>
+          <p:nvGrpSpPr>
+            <p:cNvPr id="205" name="组合 204"/>
+            <p:cNvGrpSpPr/>
+            <p:nvPr/>
+          </p:nvGrpSpPr>
+          <p:grpSpPr>
+            <a:xfrm>
+              <a:off x="4012" y="3953"/>
+              <a:ext cx="10360" cy="3458"/>
+              <a:chOff x="4057" y="5018"/>
+              <a:chExt cx="10360" cy="3458"/>
+            </a:xfrm>
+          </p:grpSpPr>
+          <p:grpSp>
+            <p:nvGrpSpPr>
+              <p:cNvPr id="204" name="组合 203"/>
+              <p:cNvGrpSpPr/>
+              <p:nvPr/>
+            </p:nvGrpSpPr>
+            <p:grpSpPr>
+              <a:xfrm rot="0">
+                <a:off x="6018" y="5018"/>
+                <a:ext cx="8399" cy="2513"/>
+                <a:chOff x="5043" y="6170"/>
+                <a:chExt cx="8266" cy="2468"/>
+              </a:xfrm>
+            </p:grpSpPr>
+            <p:grpSp>
+              <p:nvGrpSpPr>
+                <p:cNvPr id="123" name="组合 122"/>
+                <p:cNvGrpSpPr/>
+                <p:nvPr/>
+              </p:nvGrpSpPr>
+              <p:grpSpPr>
+                <a:xfrm>
+                  <a:off x="5043" y="6170"/>
+                  <a:ext cx="8266" cy="2468"/>
+                  <a:chOff x="5101" y="1697"/>
+                  <a:chExt cx="8266" cy="2468"/>
+                </a:xfrm>
+              </p:grpSpPr>
+              <p:grpSp>
+                <p:nvGrpSpPr>
+                  <p:cNvPr id="124" name="组合 123"/>
+                  <p:cNvGrpSpPr/>
+                  <p:nvPr/>
+                </p:nvGrpSpPr>
+                <p:grpSpPr>
+                  <a:xfrm>
+                    <a:off x="5101" y="1697"/>
+                    <a:ext cx="5775" cy="2468"/>
+                    <a:chOff x="4647" y="2246"/>
+                    <a:chExt cx="7578" cy="4402"/>
+                  </a:xfrm>
+                </p:grpSpPr>
+                <p:sp>
+                  <p:nvSpPr>
+                    <p:cNvPr id="125" name="流程图: 手动操作 124"/>
+                    <p:cNvSpPr/>
+                    <p:nvPr/>
+                  </p:nvSpPr>
+                  <p:spPr>
+                    <a:xfrm rot="16200000">
+                      <a:off x="4677" y="3075"/>
+                      <a:ext cx="3610" cy="2440"/>
+                    </a:xfrm>
+                    <a:prstGeom prst="flowChartManualOperation">
+                      <a:avLst/>
+                    </a:prstGeom>
+                    <a:solidFill>
+                      <a:schemeClr val="accent1"/>
+                    </a:solidFill>
+                    <a:ln>
+                      <a:solidFill>
+                        <a:schemeClr val="accent1">
+                          <a:lumMod val="60000"/>
+                          <a:lumOff val="40000"/>
+                        </a:schemeClr>
+                      </a:solidFill>
+                    </a:ln>
+                  </p:spPr>
+                  <p:style>
+                    <a:lnRef idx="2">
+                      <a:schemeClr val="dk1"/>
+                    </a:lnRef>
+                    <a:fillRef idx="1">
+                      <a:schemeClr val="lt1"/>
+                    </a:fillRef>
+                    <a:effectRef idx="0">
+                      <a:schemeClr val="dk1"/>
+                    </a:effectRef>
+                    <a:fontRef idx="minor">
+                      <a:schemeClr val="dk1"/>
+                    </a:fontRef>
+                  </p:style>
+                  <p:txBody>
+                    <a:bodyPr wrap="square">
+                      <a:spAutoFit/>
+                    </a:bodyPr>
+                    <a:p>
+                      <a:endParaRPr lang="en-US" altLang="zh-CN" sz="2400" dirty="0"/>
+                    </a:p>
+                  </p:txBody>
+                </p:sp>
+                <p:grpSp>
+                  <p:nvGrpSpPr>
+                    <p:cNvPr id="126" name="组合 125"/>
+                    <p:cNvGrpSpPr/>
+                    <p:nvPr/>
+                  </p:nvGrpSpPr>
+                  <p:grpSpPr>
+                    <a:xfrm>
+                      <a:off x="4647" y="2246"/>
+                      <a:ext cx="7578" cy="4402"/>
+                      <a:chOff x="4647" y="2246"/>
+                      <a:chExt cx="7578" cy="4402"/>
+                    </a:xfrm>
+                  </p:grpSpPr>
+                  <p:grpSp>
+                    <p:nvGrpSpPr>
+                      <p:cNvPr id="127" name="组合 126"/>
+                      <p:cNvGrpSpPr/>
+                      <p:nvPr/>
+                    </p:nvGrpSpPr>
+                    <p:grpSpPr>
+                      <a:xfrm rot="0">
+                        <a:off x="4647" y="2246"/>
+                        <a:ext cx="7578" cy="4402"/>
+                        <a:chOff x="4026" y="2737"/>
+                        <a:chExt cx="7578" cy="4402"/>
+                      </a:xfrm>
+                    </p:grpSpPr>
+                    <p:grpSp>
+                      <p:nvGrpSpPr>
+                        <p:cNvPr id="128" name="组合 127"/>
+                        <p:cNvGrpSpPr/>
+                        <p:nvPr/>
+                      </p:nvGrpSpPr>
+                      <p:grpSpPr>
+                        <a:xfrm>
+                          <a:off x="4026" y="2737"/>
+                          <a:ext cx="7578" cy="4402"/>
+                          <a:chOff x="3982" y="2387"/>
+                          <a:chExt cx="7578" cy="4402"/>
+                        </a:xfrm>
+                      </p:grpSpPr>
+                      <p:grpSp>
+                        <p:nvGrpSpPr>
+                          <p:cNvPr id="129" name="组合 128"/>
+                          <p:cNvGrpSpPr/>
+                          <p:nvPr/>
+                        </p:nvGrpSpPr>
+                        <p:grpSpPr>
+                          <a:xfrm>
+                            <a:off x="10258" y="2387"/>
+                            <a:ext cx="1301" cy="4402"/>
+                            <a:chOff x="9751" y="4713"/>
+                            <a:chExt cx="1287" cy="4253"/>
+                          </a:xfrm>
+                        </p:grpSpPr>
+                        <p:sp>
+                          <p:nvSpPr>
+                            <p:cNvPr id="131" name="矩形 130"/>
+                            <p:cNvSpPr/>
+                            <p:nvPr/>
+                          </p:nvSpPr>
+                          <p:spPr>
+                            <a:xfrm>
+                              <a:off x="9751" y="8149"/>
+                              <a:ext cx="1276" cy="817"/>
+                            </a:xfrm>
+                            <a:prstGeom prst="rect">
+                              <a:avLst/>
+                            </a:prstGeom>
+                            <a:solidFill>
+                              <a:schemeClr val="accent1"/>
+                            </a:solidFill>
+                          </p:spPr>
+                          <p:txBody>
+                            <a:bodyPr wrap="square">
+                              <a:spAutoFit/>
+                            </a:bodyPr>
+                            <a:p>
+                              <a:pPr algn="ctr"/>
+                              <a:r>
+                                <a:rPr lang="en-US" altLang="zh-CN" sz="1400" dirty="0"/>
+                                <a:t>  FC</a:t>
+                              </a:r>
+                              <a:endParaRPr lang="en-US" altLang="zh-CN" sz="1400" dirty="0"/>
+                            </a:p>
+                          </p:txBody>
+                        </p:sp>
+                        <p:sp>
+                          <p:nvSpPr>
+                            <p:cNvPr id="133" name="文本框 132"/>
+                            <p:cNvSpPr txBox="1"/>
+                            <p:nvPr/>
+                          </p:nvSpPr>
+                          <p:spPr>
+                            <a:xfrm>
+                              <a:off x="9762" y="4713"/>
+                              <a:ext cx="1276" cy="873"/>
+                            </a:xfrm>
+                            <a:prstGeom prst="rect">
+                              <a:avLst/>
+                            </a:prstGeom>
+                            <a:solidFill>
+                              <a:schemeClr val="accent1"/>
+                            </a:solidFill>
+                          </p:spPr>
+                          <p:txBody>
+                            <a:bodyPr wrap="square" rtlCol="0">
+                              <a:spAutoFit/>
+                            </a:bodyPr>
+                            <a:p>
+                              <a:pPr algn="ctr">
+                                <a:lnSpc>
+                                  <a:spcPct val="110000"/>
+                                </a:lnSpc>
+                              </a:pPr>
+                              <a:r>
+                                <a:rPr lang="en-US" altLang="zh-CN" sz="1400"/>
+                                <a:t>GMM</a:t>
+                              </a:r>
+                              <a:endParaRPr lang="en-US" altLang="zh-CN" sz="1400"/>
+                            </a:p>
+                          </p:txBody>
+                        </p:sp>
+                      </p:grpSp>
+                      <p:cxnSp>
+                        <p:nvCxnSpPr>
+                          <p:cNvPr id="135" name="直接连接符 134"/>
+                          <p:cNvCxnSpPr/>
+                          <p:nvPr/>
+                        </p:nvCxnSpPr>
+                        <p:spPr>
+                          <a:xfrm flipH="1" flipV="1">
+                            <a:off x="3982" y="4353"/>
+                            <a:ext cx="552" cy="14"/>
+                          </a:xfrm>
+                          <a:prstGeom prst="line">
+                            <a:avLst/>
+                          </a:prstGeom>
+                          <a:ln w="25400">
+                            <a:solidFill>
+                              <a:schemeClr val="tx1"/>
+                            </a:solidFill>
+                            <a:headEnd type="stealth" w="lg" len="med"/>
+                            <a:tailEnd type="none" w="lg" len="med"/>
+                          </a:ln>
+                        </p:spPr>
+                        <p:style>
+                          <a:lnRef idx="1">
+                            <a:schemeClr val="accent2"/>
+                          </a:lnRef>
+                          <a:fillRef idx="0">
+                            <a:schemeClr val="accent2"/>
+                          </a:fillRef>
+                          <a:effectRef idx="0">
+                            <a:schemeClr val="accent2"/>
+                          </a:effectRef>
+                          <a:fontRef idx="minor">
+                            <a:schemeClr val="tx1"/>
+                          </a:fontRef>
+                        </p:style>
+                      </p:cxnSp>
+                    </p:grpSp>
+                    <p:cxnSp>
+                      <p:nvCxnSpPr>
+                        <p:cNvPr id="136" name="直接连接符 135"/>
+                        <p:cNvCxnSpPr/>
+                        <p:nvPr/>
+                      </p:nvCxnSpPr>
+                      <p:spPr>
+                        <a:xfrm flipH="1">
+                          <a:off x="8320" y="3166"/>
+                          <a:ext cx="1901" cy="1596"/>
+                        </a:xfrm>
+                        <a:prstGeom prst="line">
+                          <a:avLst/>
+                        </a:prstGeom>
+                        <a:ln w="25400">
+                          <a:solidFill>
+                            <a:schemeClr val="tx1"/>
+                          </a:solidFill>
+                          <a:headEnd type="stealth" w="lg" len="med"/>
+                          <a:tailEnd type="none" w="lg" len="med"/>
+                        </a:ln>
+                      </p:spPr>
+                      <p:style>
+                        <a:lnRef idx="1">
+                          <a:schemeClr val="accent2"/>
+                        </a:lnRef>
+                        <a:fillRef idx="0">
+                          <a:schemeClr val="accent2"/>
+                        </a:fillRef>
+                        <a:effectRef idx="0">
+                          <a:schemeClr val="accent2"/>
+                        </a:effectRef>
+                        <a:fontRef idx="minor">
+                          <a:schemeClr val="tx1"/>
+                        </a:fontRef>
+                      </p:style>
+                    </p:cxnSp>
+                  </p:grpSp>
+                  <p:cxnSp>
+                    <p:nvCxnSpPr>
+                      <p:cNvPr id="137" name="直接连接符 136"/>
+                      <p:cNvCxnSpPr/>
+                      <p:nvPr/>
+                    </p:nvCxnSpPr>
+                    <p:spPr>
+                      <a:xfrm rot="20880000" flipH="1" flipV="1">
+                        <a:off x="7701" y="4234"/>
+                        <a:ext cx="600" cy="179"/>
+                      </a:xfrm>
+                      <a:prstGeom prst="line">
+                        <a:avLst/>
+                      </a:prstGeom>
+                      <a:ln w="25400">
+                        <a:solidFill>
+                          <a:srgbClr val="303030"/>
+                        </a:solidFill>
+                        <a:headEnd type="stealth" w="lg" len="med"/>
+                        <a:tailEnd type="none" w="lg" len="med"/>
+                      </a:ln>
+                    </p:spPr>
+                    <p:style>
+                      <a:lnRef idx="1">
+                        <a:schemeClr val="accent2"/>
+                      </a:lnRef>
+                      <a:fillRef idx="0">
+                        <a:schemeClr val="accent2"/>
+                      </a:fillRef>
+                      <a:effectRef idx="0">
+                        <a:schemeClr val="accent2"/>
+                      </a:effectRef>
+                      <a:fontRef idx="minor">
+                        <a:schemeClr val="tx1"/>
+                      </a:fontRef>
+                    </p:style>
+                  </p:cxnSp>
+                </p:grpSp>
+                <p:sp>
+                  <p:nvSpPr>
+                    <p:cNvPr id="138" name="矩形 137"/>
+                    <p:cNvSpPr/>
+                    <p:nvPr/>
+                  </p:nvSpPr>
+                  <p:spPr>
+                    <a:xfrm>
+                      <a:off x="8329" y="2954"/>
+                      <a:ext cx="521" cy="708"/>
+                    </a:xfrm>
+                    <a:prstGeom prst="rect">
+                      <a:avLst/>
+                    </a:prstGeom>
+                    <a:solidFill>
+                      <a:schemeClr val="tx1">
+                        <a:lumMod val="85000"/>
+                        <a:lumOff val="15000"/>
+                      </a:schemeClr>
+                    </a:solidFill>
+                    <a:ln>
+                      <a:solidFill>
+                        <a:schemeClr val="bg1"/>
+                      </a:solidFill>
+                    </a:ln>
+                  </p:spPr>
+                  <p:txBody>
+                    <a:bodyPr wrap="square">
+                      <a:spAutoFit/>
+                    </a:bodyPr>
+                    <a:p>
+                      <a:endParaRPr lang="zh-CN" altLang="en-US" sz="2400" dirty="0"/>
+                    </a:p>
+                  </p:txBody>
+                </p:sp>
+              </p:grpSp>
+              <p:cxnSp>
+                <p:nvCxnSpPr>
+                  <p:cNvPr id="139" name="直接连接符 138"/>
+                  <p:cNvCxnSpPr/>
+                  <p:nvPr/>
+                </p:nvCxnSpPr>
+                <p:spPr>
+                  <a:xfrm flipH="1">
+                    <a:off x="10900" y="3926"/>
+                    <a:ext cx="709" cy="1"/>
+                  </a:xfrm>
+                  <a:prstGeom prst="line">
+                    <a:avLst/>
+                  </a:prstGeom>
+                  <a:ln w="25400">
+                    <a:solidFill>
+                      <a:srgbClr val="303030"/>
+                    </a:solidFill>
+                    <a:headEnd type="stealth" w="lg" len="med"/>
+                    <a:tailEnd type="none" w="lg" len="med"/>
+                  </a:ln>
+                </p:spPr>
+                <p:style>
+                  <a:lnRef idx="1">
+                    <a:schemeClr val="accent2"/>
+                  </a:lnRef>
+                  <a:fillRef idx="0">
+                    <a:schemeClr val="accent2"/>
+                  </a:fillRef>
+                  <a:effectRef idx="0">
+                    <a:schemeClr val="accent2"/>
+                  </a:effectRef>
+                  <a:fontRef idx="minor">
+                    <a:schemeClr val="tx1"/>
+                  </a:fontRef>
+                </p:style>
+              </p:cxnSp>
+              <p:sp>
+                <p:nvSpPr>
+                  <p:cNvPr id="140" name="矩形 139"/>
+                  <p:cNvSpPr/>
+                  <p:nvPr/>
+                </p:nvSpPr>
+                <p:spPr>
+                  <a:xfrm>
+                    <a:off x="11613" y="3689"/>
+                    <a:ext cx="1754" cy="474"/>
+                  </a:xfrm>
+                  <a:prstGeom prst="rect">
+                    <a:avLst/>
+                  </a:prstGeom>
+                  <a:solidFill>
+                    <a:schemeClr val="accent2"/>
+                  </a:solidFill>
+                </p:spPr>
+                <p:txBody>
+                  <a:bodyPr wrap="square">
+                    <a:spAutoFit/>
+                  </a:bodyPr>
+                  <a:p>
+                    <a:pPr algn="ctr"/>
+                    <a:r>
+                      <a:rPr lang="en-US" altLang="zh-CN" sz="1400" dirty="0"/>
+                      <a:t>Probability</a:t>
+                    </a:r>
+                    <a:endParaRPr lang="en-US" altLang="zh-CN" sz="1400" dirty="0"/>
+                  </a:p>
+                </p:txBody>
+              </p:sp>
+              <p:sp>
+                <p:nvSpPr>
+                  <p:cNvPr id="141" name="矩形 140"/>
+                  <p:cNvSpPr/>
+                  <p:nvPr/>
+                </p:nvSpPr>
+                <p:spPr>
+                  <a:xfrm>
+                    <a:off x="7907" y="2499"/>
+                    <a:ext cx="397" cy="397"/>
+                  </a:xfrm>
+                  <a:prstGeom prst="rect">
+                    <a:avLst/>
+                  </a:prstGeom>
+                  <a:solidFill>
+                    <a:schemeClr val="bg2">
+                      <a:lumMod val="90000"/>
+                    </a:schemeClr>
+                  </a:solidFill>
+                  <a:ln w="12700" cmpd="sng">
+                    <a:solidFill>
+                      <a:schemeClr val="bg1"/>
+                    </a:solidFill>
+                    <a:prstDash val="solid"/>
+                  </a:ln>
+                </p:spPr>
+                <p:txBody>
+                  <a:bodyPr wrap="square">
+                    <a:spAutoFit/>
+                  </a:bodyPr>
+                  <a:p>
+                    <a:endParaRPr lang="zh-CN" altLang="en-US" sz="2400" dirty="0"/>
+                  </a:p>
+                </p:txBody>
+              </p:sp>
+              <p:sp>
+                <p:nvSpPr>
+                  <p:cNvPr id="142" name="矩形 141"/>
+                  <p:cNvSpPr/>
+                  <p:nvPr/>
+                </p:nvSpPr>
+                <p:spPr>
+                  <a:xfrm>
+                    <a:off x="7907" y="2896"/>
+                    <a:ext cx="397" cy="397"/>
+                  </a:xfrm>
+                  <a:prstGeom prst="rect">
+                    <a:avLst/>
+                  </a:prstGeom>
+                  <a:solidFill>
+                    <a:schemeClr val="bg1">
+                      <a:lumMod val="95000"/>
+                    </a:schemeClr>
+                  </a:solidFill>
+                  <a:ln>
+                    <a:solidFill>
+                      <a:schemeClr val="bg1"/>
+                    </a:solidFill>
+                  </a:ln>
+                </p:spPr>
+                <p:txBody>
+                  <a:bodyPr wrap="square">
+                    <a:spAutoFit/>
+                  </a:bodyPr>
+                  <a:p>
+                    <a:endParaRPr lang="zh-CN" altLang="en-US" sz="2400" dirty="0"/>
+                  </a:p>
+                </p:txBody>
+              </p:sp>
+              <p:sp>
+                <p:nvSpPr>
+                  <p:cNvPr id="143" name="矩形 142"/>
+                  <p:cNvSpPr/>
+                  <p:nvPr/>
+                </p:nvSpPr>
+                <p:spPr>
+                  <a:xfrm>
+                    <a:off x="7905" y="3293"/>
+                    <a:ext cx="397" cy="397"/>
+                  </a:xfrm>
+                  <a:prstGeom prst="rect">
+                    <a:avLst/>
+                  </a:prstGeom>
+                  <a:solidFill>
+                    <a:schemeClr val="bg1">
+                      <a:lumMod val="50000"/>
+                    </a:schemeClr>
+                  </a:solidFill>
+                  <a:ln>
+                    <a:solidFill>
+                      <a:schemeClr val="bg1"/>
+                    </a:solidFill>
+                  </a:ln>
+                </p:spPr>
+                <p:txBody>
+                  <a:bodyPr wrap="square">
+                    <a:spAutoFit/>
+                  </a:bodyPr>
+                  <a:p>
+                    <a:endParaRPr lang="zh-CN" altLang="en-US" sz="2400" dirty="0"/>
+                  </a:p>
+                </p:txBody>
+              </p:sp>
+              <p:sp>
+                <p:nvSpPr>
+                  <p:cNvPr id="144" name="矩形 143"/>
+                  <p:cNvSpPr/>
+                  <p:nvPr/>
+                </p:nvSpPr>
+                <p:spPr>
+                  <a:xfrm>
+                    <a:off x="7907" y="1697"/>
+                    <a:ext cx="397" cy="397"/>
+                  </a:xfrm>
+                  <a:prstGeom prst="rect">
+                    <a:avLst/>
+                  </a:prstGeom>
+                  <a:solidFill>
+                    <a:schemeClr val="bg2">
+                      <a:lumMod val="90000"/>
+                    </a:schemeClr>
+                  </a:solidFill>
+                  <a:ln>
+                    <a:solidFill>
+                      <a:schemeClr val="bg1"/>
+                    </a:solidFill>
+                  </a:ln>
+                </p:spPr>
+                <p:txBody>
+                  <a:bodyPr wrap="square">
+                    <a:spAutoFit/>
+                  </a:bodyPr>
+                  <a:p>
+                    <a:endParaRPr lang="zh-CN" altLang="en-US" sz="2400" dirty="0"/>
+                  </a:p>
+                </p:txBody>
+              </p:sp>
+              <p:sp>
+                <p:nvSpPr>
+                  <p:cNvPr id="145" name="矩形 144"/>
+                  <p:cNvSpPr/>
+                  <p:nvPr/>
+                </p:nvSpPr>
+                <p:spPr>
+                  <a:xfrm>
+                    <a:off x="7907" y="3643"/>
+                    <a:ext cx="397" cy="397"/>
+                  </a:xfrm>
+                  <a:prstGeom prst="rect">
+                    <a:avLst/>
+                  </a:prstGeom>
+                  <a:solidFill>
+                    <a:schemeClr val="bg2">
+                      <a:lumMod val="90000"/>
+                    </a:schemeClr>
+                  </a:solidFill>
+                  <a:ln>
+                    <a:solidFill>
+                      <a:schemeClr val="bg1"/>
+                    </a:solidFill>
+                  </a:ln>
+                </p:spPr>
+                <p:txBody>
+                  <a:bodyPr wrap="square">
+                    <a:spAutoFit/>
+                  </a:bodyPr>
+                  <a:p>
+                    <a:endParaRPr lang="zh-CN" altLang="en-US" sz="2400" dirty="0"/>
+                  </a:p>
+                </p:txBody>
+              </p:sp>
+            </p:grpSp>
+            <p:sp>
+              <p:nvSpPr>
+                <p:cNvPr id="146" name="矩形 145"/>
+                <p:cNvSpPr/>
+                <p:nvPr/>
+              </p:nvSpPr>
+              <p:spPr>
+                <a:xfrm>
+                  <a:off x="11517" y="6170"/>
+                  <a:ext cx="1767" cy="474"/>
+                </a:xfrm>
+                <a:prstGeom prst="rect">
+                  <a:avLst/>
+                </a:prstGeom>
+                <a:solidFill>
+                  <a:schemeClr val="accent2"/>
+                </a:solidFill>
+              </p:spPr>
+              <p:txBody>
+                <a:bodyPr wrap="square">
+                  <a:spAutoFit/>
+                </a:bodyPr>
+                <a:p>
+                  <a:pPr algn="ctr"/>
+                  <a:r>
+                    <a:rPr lang="en-US" altLang="zh-CN" sz="1400" dirty="0"/>
+                    <a:t>Uncertainty</a:t>
+                  </a:r>
+                  <a:endParaRPr lang="en-US" altLang="zh-CN" sz="1400" dirty="0"/>
+                </a:p>
+              </p:txBody>
+            </p:sp>
+            <p:cxnSp>
+              <p:nvCxnSpPr>
+                <p:cNvPr id="147" name="直接连接符 146"/>
+                <p:cNvCxnSpPr/>
+                <p:nvPr/>
+              </p:nvCxnSpPr>
+              <p:spPr>
+                <a:xfrm flipH="1" flipV="1">
+                  <a:off x="10830" y="6417"/>
+                  <a:ext cx="614" cy="15"/>
+                </a:xfrm>
+                <a:prstGeom prst="line">
+                  <a:avLst/>
+                </a:prstGeom>
+                <a:ln w="25400">
+                  <a:solidFill>
+                    <a:srgbClr val="303030"/>
+                  </a:solidFill>
+                  <a:headEnd type="stealth" w="lg" len="med"/>
+                  <a:tailEnd type="none" w="lg" len="med"/>
+                </a:ln>
+              </p:spPr>
+              <p:style>
+                <a:lnRef idx="1">
+                  <a:schemeClr val="accent2"/>
+                </a:lnRef>
+                <a:fillRef idx="0">
+                  <a:schemeClr val="accent2"/>
+                </a:fillRef>
+                <a:effectRef idx="0">
+                  <a:schemeClr val="accent2"/>
+                </a:effectRef>
+                <a:fontRef idx="minor">
+                  <a:schemeClr val="tx1"/>
+                </a:fontRef>
+              </p:style>
+            </p:cxnSp>
+          </p:grpSp>
+          <p:grpSp>
+            <p:nvGrpSpPr>
+              <p:cNvPr id="203" name="组合 202"/>
+              <p:cNvGrpSpPr/>
+              <p:nvPr/>
+            </p:nvGrpSpPr>
+            <p:grpSpPr>
+              <a:xfrm>
+                <a:off x="4057" y="5256"/>
+                <a:ext cx="10179" cy="3220"/>
+                <a:chOff x="4057" y="5256"/>
+                <a:chExt cx="10179" cy="3220"/>
+              </a:xfrm>
+            </p:grpSpPr>
+            <p:pic>
+              <p:nvPicPr>
+                <p:cNvPr id="207" name="图片 206" descr="dog"/>
+                <p:cNvPicPr>
+                  <a:picLocks noChangeAspect="1"/>
+                </p:cNvPicPr>
+                <p:nvPr/>
+              </p:nvPicPr>
+              <p:blipFill>
+                <a:blip r:embed="rId1"/>
+                <a:stretch>
+                  <a:fillRect/>
+                </a:stretch>
+              </p:blipFill>
+              <p:spPr>
+                <a:xfrm>
+                  <a:off x="4057" y="5256"/>
+                  <a:ext cx="1951" cy="1955"/>
+                </a:xfrm>
+                <a:prstGeom prst="rect">
+                  <a:avLst/>
+                </a:prstGeom>
+              </p:spPr>
+            </p:pic>
+            <p:sp>
+              <p:nvSpPr>
+                <p:cNvPr id="5" name="文本框 4"/>
+                <p:cNvSpPr txBox="1"/>
+                <p:nvPr/>
+              </p:nvSpPr>
+              <p:spPr>
+                <a:xfrm>
+                  <a:off x="4531" y="7106"/>
+                  <a:ext cx="468" cy="580"/>
+                </a:xfrm>
+                <a:prstGeom prst="rect">
+                  <a:avLst/>
+                </a:prstGeom>
+                <a:noFill/>
+              </p:spPr>
+              <p:txBody>
+                <a:bodyPr wrap="none" rtlCol="0">
+                  <a:spAutoFit/>
+                </a:bodyPr>
+                <a:p>
+                  <a:r>
+                    <a:rPr lang="en-US" altLang="zh-CN" i="1"/>
+                    <a:t>x</a:t>
+                  </a:r>
+                  <a:endParaRPr lang="en-US" altLang="zh-CN" i="1"/>
+                </a:p>
+              </p:txBody>
+            </p:sp>
+            <mc:AlternateContent xmlns:mc="http://schemas.openxmlformats.org/markup-compatibility/2006">
+              <mc:Choice xmlns:a14="http://schemas.microsoft.com/office/drawing/2010/main" Requires="a14">
+                <p:sp>
+                  <p:nvSpPr>
+                    <p:cNvPr id="9" name="文本框 8"/>
+                    <p:cNvSpPr txBox="1"/>
+                    <p:nvPr/>
+                  </p:nvSpPr>
+                  <p:spPr>
+                    <a:xfrm>
+                      <a:off x="6877" y="7086"/>
+                      <a:ext cx="543" cy="580"/>
+                    </a:xfrm>
+                    <a:prstGeom prst="rect">
+                      <a:avLst/>
+                    </a:prstGeom>
+                    <a:noFill/>
+                  </p:spPr>
+                  <p:txBody>
+                    <a:bodyPr wrap="square" rtlCol="0">
+                      <a:spAutoFit/>
+                    </a:bodyPr>
+                    <a:p>
+                      <a14:m>
+                        <m:oMathPara xmlns:m="http://schemas.openxmlformats.org/officeDocument/2006/math">
+                          <m:oMathParaPr>
+                            <m:jc m:val="centerGroup"/>
+                          </m:oMathParaPr>
+                          <m:oMath xmlns:m="http://schemas.openxmlformats.org/officeDocument/2006/math">
+                            <m:sSub>
+                              <m:sSubPr>
+                                <m:ctrlPr>
+                                  <a:rPr lang="en-US" altLang="zh-CN" i="1">
+                                    <a:latin typeface="DejaVu Math TeX Gyre" panose="02000503000000000000" charset="0"/>
+                                    <a:cs typeface="DejaVu Math TeX Gyre" panose="02000503000000000000" charset="0"/>
+                                  </a:rPr>
+                                </m:ctrlPr>
+                              </m:sSubPr>
+                              <m:e>
+                                <m:r>
+                                  <a:rPr lang="en-US" altLang="zh-CN" i="1">
+                                    <a:latin typeface="DejaVu Math TeX Gyre" panose="02000503000000000000" charset="0"/>
+                                    <a:cs typeface="DejaVu Math TeX Gyre" panose="02000503000000000000" charset="0"/>
+                                  </a:rPr>
+                                  <m:t>𝑓</m:t>
+                                </m:r>
+                              </m:e>
+                              <m:sub>
+                                <m:r>
+                                  <a:rPr lang="en-US" altLang="zh-CN" i="1">
+                                    <a:latin typeface="DejaVu Math TeX Gyre" panose="02000503000000000000" charset="0"/>
+                                    <a:ea typeface="MS Mincho" charset="0"/>
+                                    <a:cs typeface="DejaVu Math TeX Gyre" panose="02000503000000000000" charset="0"/>
+                                  </a:rPr>
+                                  <m:t>𝜃</m:t>
+                                </m:r>
+                              </m:sub>
+                            </m:sSub>
+                          </m:oMath>
+                        </m:oMathPara>
+                      </a14:m>
+                      <a:endParaRPr lang="en-US" altLang="zh-CN">
+                        <a:latin typeface="+mn-lt"/>
+                        <a:cs typeface="+mn-lt"/>
+                      </a:endParaRPr>
+                    </a:p>
+                  </p:txBody>
+                </p:sp>
+              </mc:Choice>
+              <mc:Fallback>
+                <p:sp>
+                  <p:nvSpPr>
+                    <p:cNvPr id="9" name="文本框 8"/>
+                    <p:cNvSpPr txBox="1">
+                      <a:spLocks noRot="1" noChangeAspect="1" noMove="1" noResize="1" noEditPoints="1" noAdjustHandles="1" noChangeArrowheads="1" noChangeShapeType="1" noTextEdit="1"/>
+                    </p:cNvSpPr>
+                    <p:nvPr/>
+                  </p:nvSpPr>
+                  <p:spPr>
+                    <a:xfrm>
+                      <a:off x="6877" y="7086"/>
+                      <a:ext cx="543" cy="580"/>
+                    </a:xfrm>
+                    <a:prstGeom prst="rect">
+                      <a:avLst/>
+                    </a:prstGeom>
+                    <a:blipFill rotWithShape="1">
+                      <a:blip r:embed="rId2"/>
+                    </a:blipFill>
+                  </p:spPr>
+                  <p:txBody>
+                    <a:bodyPr/>
+                    <a:lstStyle/>
+                    <a:p>
+                      <a:r>
+                        <a:rPr lang="zh-CN" altLang="en-US">
+                          <a:noFill/>
+                        </a:rPr>
+                        <a:t> </a:t>
+                      </a:r>
+                    </a:p>
+                  </p:txBody>
+                </p:sp>
+              </mc:Fallback>
+            </mc:AlternateContent>
+            <p:sp>
+              <p:nvSpPr>
+                <p:cNvPr id="10" name="文本框 9"/>
+                <p:cNvSpPr txBox="1"/>
+                <p:nvPr/>
+              </p:nvSpPr>
+              <p:spPr>
+                <a:xfrm>
+                  <a:off x="6544" y="5627"/>
+                  <a:ext cx="1568" cy="1016"/>
+                </a:xfrm>
+                <a:prstGeom prst="rect">
+                  <a:avLst/>
+                </a:prstGeom>
+                <a:noFill/>
+              </p:spPr>
+              <p:txBody>
+                <a:bodyPr wrap="none" rtlCol="0">
+                  <a:spAutoFit/>
+                </a:bodyPr>
+                <a:p>
+                  <a:pPr algn="ctr"/>
+                  <a:r>
+                    <a:rPr lang="en-US" altLang="zh-CN"/>
+                    <a:t>feature</a:t>
+                  </a:r>
+                  <a:endParaRPr lang="en-US" altLang="zh-CN"/>
+                </a:p>
+                <a:p>
+                  <a:pPr algn="ctr"/>
+                  <a:r>
+                    <a:rPr lang="en-US" altLang="zh-CN"/>
+                    <a:t>extractor</a:t>
+                  </a:r>
+                  <a:endParaRPr lang="en-US" altLang="zh-CN"/>
+                </a:p>
+              </p:txBody>
+            </p:sp>
+            <p:cxnSp>
+              <p:nvCxnSpPr>
+                <p:cNvPr id="24" name="直接连接符 23"/>
+                <p:cNvCxnSpPr/>
+                <p:nvPr/>
+              </p:nvCxnSpPr>
+              <p:spPr>
+                <a:xfrm flipH="1" flipV="1">
+                  <a:off x="9345" y="6232"/>
+                  <a:ext cx="1485" cy="1125"/>
+                </a:xfrm>
+                <a:prstGeom prst="line">
+                  <a:avLst/>
+                </a:prstGeom>
+                <a:ln w="25400">
+                  <a:solidFill>
+                    <a:schemeClr val="tx1"/>
+                  </a:solidFill>
+                  <a:headEnd type="stealth" w="lg" len="med"/>
+                  <a:tailEnd type="none" w="lg" len="med"/>
+                </a:ln>
+              </p:spPr>
+              <p:style>
+                <a:lnRef idx="1">
+                  <a:schemeClr val="accent2"/>
+                </a:lnRef>
+                <a:fillRef idx="0">
+                  <a:schemeClr val="accent2"/>
+                </a:fillRef>
+                <a:effectRef idx="0">
+                  <a:schemeClr val="accent2"/>
+                </a:effectRef>
+                <a:fontRef idx="minor">
+                  <a:schemeClr val="tx1"/>
+                </a:fontRef>
+              </p:style>
+            </p:cxnSp>
+            <mc:AlternateContent xmlns:mc="http://schemas.openxmlformats.org/markup-compatibility/2006">
+              <mc:Choice xmlns:a14="http://schemas.microsoft.com/office/drawing/2010/main" Requires="a14">
+                <p:sp>
+                  <p:nvSpPr>
+                    <p:cNvPr id="35" name="文本框 34"/>
+                    <p:cNvSpPr txBox="1"/>
+                    <p:nvPr/>
+                  </p:nvSpPr>
+                  <p:spPr>
+                    <a:xfrm>
+                      <a:off x="8709" y="7460"/>
+                      <a:ext cx="724" cy="1016"/>
+                    </a:xfrm>
+                    <a:prstGeom prst="rect">
+                      <a:avLst/>
+                    </a:prstGeom>
+                    <a:noFill/>
+                  </p:spPr>
+                  <p:txBody>
+                    <a:bodyPr wrap="square" rtlCol="0">
+                      <a:spAutoFit/>
+                    </a:bodyPr>
+                    <a:p>
+                      <a:pPr algn="l">
+                        <a:buClrTx/>
+                        <a:buSzTx/>
+                        <a:buFontTx/>
+                      </a:pPr>
+                      <a14:m>
+                        <m:oMathPara xmlns:m="http://schemas.openxmlformats.org/officeDocument/2006/math">
+                          <m:oMathParaPr>
+                            <m:jc m:val="centerGroup"/>
+                          </m:oMathParaPr>
+                          <m:oMath xmlns:m="http://schemas.openxmlformats.org/officeDocument/2006/math">
+                            <m:r>
+                              <a:rPr lang="en-US" altLang="zh-CN" sz="1800" i="1">
+                                <a:latin typeface="DejaVu Math TeX Gyre" panose="02000503000000000000" charset="0"/>
+                              </a:rPr>
+                              <m:t>𝑧</m:t>
+                            </m:r>
+                          </m:oMath>
+                        </m:oMathPara>
+                      </a14:m>
+                      <a:endParaRPr lang="zh-CN" altLang="en-US" sz="1800"/>
+                    </a:p>
+                    <a:p>
+                      <a:pPr algn="l">
+                        <a:buClrTx/>
+                        <a:buSzTx/>
+                        <a:buFontTx/>
+                      </a:pPr>
+                      <a:endParaRPr lang="en-US" altLang="zh-CN" sz="1800" i="1"/>
+                    </a:p>
+                  </p:txBody>
+                </p:sp>
+              </mc:Choice>
+              <mc:Fallback>
+                <p:sp>
+                  <p:nvSpPr>
+                    <p:cNvPr id="35" name="文本框 34"/>
+                    <p:cNvSpPr txBox="1">
+                      <a:spLocks noRot="1" noChangeAspect="1" noMove="1" noResize="1" noEditPoints="1" noAdjustHandles="1" noChangeArrowheads="1" noChangeShapeType="1" noTextEdit="1"/>
+                    </p:cNvSpPr>
+                    <p:nvPr/>
+                  </p:nvSpPr>
+                  <p:spPr>
+                    <a:xfrm>
+                      <a:off x="8709" y="7460"/>
+                      <a:ext cx="724" cy="1016"/>
+                    </a:xfrm>
+                    <a:prstGeom prst="rect">
+                      <a:avLst/>
+                    </a:prstGeom>
+                    <a:blipFill rotWithShape="1">
+                      <a:blip r:embed="rId3"/>
+                    </a:blipFill>
+                  </p:spPr>
+                  <p:txBody>
+                    <a:bodyPr/>
+                    <a:lstStyle/>
+                    <a:p>
+                      <a:r>
+                        <a:rPr lang="zh-CN" altLang="en-US">
+                          <a:noFill/>
+                        </a:rPr>
+                        <a:t> </a:t>
+                      </a:r>
+                    </a:p>
+                  </p:txBody>
+                </p:sp>
+              </mc:Fallback>
+            </mc:AlternateContent>
+            <mc:AlternateContent xmlns:mc="http://schemas.openxmlformats.org/markup-compatibility/2006">
+              <mc:Choice xmlns:a14="http://schemas.microsoft.com/office/drawing/2010/main" Requires="a14">
+                <p:sp>
+                  <p:nvSpPr>
+                    <p:cNvPr id="200" name="文本框 199"/>
+                    <p:cNvSpPr txBox="1"/>
+                    <p:nvPr/>
+                  </p:nvSpPr>
+                  <p:spPr>
+                    <a:xfrm>
+                      <a:off x="10886" y="5594"/>
+                      <a:ext cx="1107" cy="580"/>
+                    </a:xfrm>
+                    <a:prstGeom prst="rect">
+                      <a:avLst/>
+                    </a:prstGeom>
+                    <a:noFill/>
+                  </p:spPr>
+                  <p:txBody>
+                    <a:bodyPr wrap="square" rtlCol="0">
+                      <a:spAutoFit/>
+                    </a:bodyPr>
+                    <a:p>
+                      <a:pPr algn="l">
+                        <a:buClrTx/>
+                        <a:buSzTx/>
+                        <a:buFontTx/>
+                      </a:pPr>
+                      <a:r>
+                        <a:rPr lang="en-US" altLang="zh-CN" sz="1800" i="1"/>
+                        <a:t>q(</a:t>
+                      </a:r>
+                      <a14:m>
+                        <m:oMath xmlns:m="http://schemas.openxmlformats.org/officeDocument/2006/math">
+                          <m:r>
+                            <a:rPr lang="en-US" altLang="zh-CN" sz="1800" i="1">
+                              <a:latin typeface="DejaVu Math TeX Gyre" panose="02000503000000000000" charset="0"/>
+                            </a:rPr>
+                            <m:t>𝑧</m:t>
+                          </m:r>
+                        </m:oMath>
+                      </a14:m>
+                      <a:r>
+                        <a:rPr lang="en-US" altLang="zh-CN" sz="1800" i="1"/>
+                        <a:t>)</a:t>
+                      </a:r>
+                      <a:endParaRPr lang="en-US" altLang="zh-CN" sz="1800" i="1"/>
+                    </a:p>
+                  </p:txBody>
+                </p:sp>
+              </mc:Choice>
+              <mc:Fallback>
+                <p:sp>
+                  <p:nvSpPr>
+                    <p:cNvPr id="200" name="文本框 199"/>
+                    <p:cNvSpPr txBox="1">
+                      <a:spLocks noRot="1" noChangeAspect="1" noMove="1" noResize="1" noEditPoints="1" noAdjustHandles="1" noChangeArrowheads="1" noChangeShapeType="1" noTextEdit="1"/>
+                    </p:cNvSpPr>
+                    <p:nvPr/>
+                  </p:nvSpPr>
+                  <p:spPr>
+                    <a:xfrm>
+                      <a:off x="10886" y="5594"/>
+                      <a:ext cx="1107" cy="580"/>
+                    </a:xfrm>
+                    <a:prstGeom prst="rect">
+                      <a:avLst/>
+                    </a:prstGeom>
+                    <a:blipFill rotWithShape="1">
+                      <a:blip r:embed="rId4"/>
+                    </a:blipFill>
+                  </p:spPr>
+                  <p:txBody>
+                    <a:bodyPr/>
+                    <a:lstStyle/>
+                    <a:p>
+                      <a:r>
+                        <a:rPr lang="zh-CN" altLang="en-US">
+                          <a:noFill/>
+                        </a:rPr>
+                        <a:t> </a:t>
+                      </a:r>
+                    </a:p>
+                  </p:txBody>
+                </p:sp>
+              </mc:Fallback>
+            </mc:AlternateContent>
+            <mc:AlternateContent xmlns:mc="http://schemas.openxmlformats.org/markup-compatibility/2006">
+              <mc:Choice xmlns:a14="http://schemas.microsoft.com/office/drawing/2010/main" Requires="a14">
+                <p:sp>
+                  <p:nvSpPr>
+                    <p:cNvPr id="201" name="文本框 200"/>
+                    <p:cNvSpPr txBox="1"/>
+                    <p:nvPr/>
+                  </p:nvSpPr>
+                  <p:spPr>
+                    <a:xfrm>
+                      <a:off x="12816" y="5627"/>
+                      <a:ext cx="1420" cy="580"/>
+                    </a:xfrm>
+                    <a:prstGeom prst="rect">
+                      <a:avLst/>
+                    </a:prstGeom>
+                    <a:noFill/>
+                  </p:spPr>
+                  <p:txBody>
+                    <a:bodyPr wrap="none" rtlCol="0">
+                      <a:spAutoFit/>
+                    </a:bodyPr>
+                    <a:p>
+                      <a:pPr algn="l">
+                        <a:buClrTx/>
+                        <a:buSzTx/>
+                        <a:buFontTx/>
+                      </a:pPr>
+                      <a:r>
+                        <a:rPr lang="en-US" altLang="zh-CN" sz="1800" i="1"/>
+                        <a:t>logq(</a:t>
+                      </a:r>
+                      <a14:m>
+                        <m:oMath xmlns:m="http://schemas.openxmlformats.org/officeDocument/2006/math">
+                          <m:r>
+                            <a:rPr lang="en-US" altLang="zh-CN" sz="1800" i="1">
+                              <a:latin typeface="DejaVu Math TeX Gyre" panose="02000503000000000000" charset="0"/>
+                            </a:rPr>
+                            <m:t>𝑧</m:t>
+                          </m:r>
+                        </m:oMath>
+                      </a14:m>
+                      <a:r>
+                        <a:rPr lang="en-US" altLang="zh-CN" sz="1800" i="1"/>
+                        <a:t>)</a:t>
+                      </a:r>
+                      <a:endParaRPr lang="en-US" altLang="zh-CN" sz="1800" i="1"/>
+                    </a:p>
+                  </p:txBody>
+                </p:sp>
+              </mc:Choice>
+              <mc:Fallback>
+                <p:sp>
+                  <p:nvSpPr>
+                    <p:cNvPr id="201" name="文本框 200"/>
+                    <p:cNvSpPr txBox="1">
+                      <a:spLocks noRot="1" noChangeAspect="1" noMove="1" noResize="1" noEditPoints="1" noAdjustHandles="1" noChangeArrowheads="1" noChangeShapeType="1" noTextEdit="1"/>
+                    </p:cNvSpPr>
+                    <p:nvPr/>
+                  </p:nvSpPr>
+                  <p:spPr>
+                    <a:xfrm>
+                      <a:off x="12816" y="5627"/>
+                      <a:ext cx="1420" cy="580"/>
+                    </a:xfrm>
+                    <a:prstGeom prst="rect">
+                      <a:avLst/>
+                    </a:prstGeom>
+                    <a:blipFill rotWithShape="1">
+                      <a:blip r:embed="rId5"/>
+                    </a:blipFill>
+                  </p:spPr>
+                  <p:txBody>
+                    <a:bodyPr/>
+                    <a:lstStyle/>
+                    <a:p>
+                      <a:r>
+                        <a:rPr lang="zh-CN" altLang="en-US">
+                          <a:noFill/>
+                        </a:rPr>
+                        <a:t> </a:t>
+                      </a:r>
+                    </a:p>
+                  </p:txBody>
+                </p:sp>
+              </mc:Fallback>
+            </mc:AlternateContent>
+            <p:sp>
+              <p:nvSpPr>
+                <p:cNvPr id="202" name="文本框 201"/>
+                <p:cNvSpPr txBox="1"/>
+                <p:nvPr/>
+              </p:nvSpPr>
+              <p:spPr>
+                <a:xfrm>
+                  <a:off x="13031" y="7531"/>
+                  <a:ext cx="868" cy="580"/>
+                </a:xfrm>
+                <a:prstGeom prst="rect">
+                  <a:avLst/>
+                </a:prstGeom>
+                <a:noFill/>
+              </p:spPr>
+              <p:txBody>
+                <a:bodyPr wrap="none" rtlCol="0">
+                  <a:spAutoFit/>
+                </a:bodyPr>
+                <a:p>
+                  <a:pPr algn="l">
+                    <a:buClrTx/>
+                    <a:buSzTx/>
+                    <a:buFontTx/>
+                  </a:pPr>
+                  <a:r>
+                    <a:rPr lang="en-US" altLang="zh-CN" sz="1800" i="1"/>
+                    <a:t>p(x)</a:t>
+                  </a:r>
+                  <a:endParaRPr lang="en-US" altLang="zh-CN" sz="1800" i="1"/>
+                </a:p>
+              </p:txBody>
+            </p:sp>
+          </p:grpSp>
+        </p:grpSp>
+        <p:cxnSp>
+          <p:nvCxnSpPr>
+            <p:cNvPr id="210" name="肘形连接符 209"/>
+            <p:cNvCxnSpPr/>
+            <p:nvPr/>
+          </p:nvCxnSpPr>
+          <p:spPr>
+            <a:xfrm rot="16200000">
+              <a:off x="8569" y="-650"/>
+              <a:ext cx="1409" cy="8272"/>
+            </a:xfrm>
+            <a:prstGeom prst="bentConnector2">
+              <a:avLst/>
+            </a:prstGeom>
+            <a:ln w="25400">
+              <a:solidFill>
+                <a:schemeClr val="tx1"/>
+              </a:solidFill>
+              <a:prstDash val="sysDot"/>
+              <a:headEnd type="triangle" w="lg" len="med"/>
+              <a:tailEnd type="none" w="lg" len="med"/>
+            </a:ln>
+          </p:spPr>
+          <p:style>
+            <a:lnRef idx="1">
+              <a:schemeClr val="accent2"/>
+            </a:lnRef>
+            <a:fillRef idx="0">
+              <a:schemeClr val="accent2"/>
+            </a:fillRef>
+            <a:effectRef idx="0">
+              <a:schemeClr val="accent2"/>
+            </a:effectRef>
+            <a:fontRef idx="minor">
+              <a:schemeClr val="tx1"/>
+            </a:fontRef>
+          </p:style>
+        </p:cxnSp>
+        <p:cxnSp>
+          <p:nvCxnSpPr>
+            <p:cNvPr id="211" name="直接连接符 210"/>
+            <p:cNvCxnSpPr/>
+            <p:nvPr/>
+          </p:nvCxnSpPr>
+          <p:spPr>
+            <a:xfrm flipH="1">
+              <a:off x="13405" y="2782"/>
+              <a:ext cx="5" cy="1110"/>
+            </a:xfrm>
+            <a:prstGeom prst="line">
+              <a:avLst/>
+            </a:prstGeom>
+            <a:ln w="25400">
+              <a:solidFill>
+                <a:srgbClr val="303030"/>
+              </a:solidFill>
+              <a:prstDash val="sysDot"/>
+              <a:headEnd type="none" w="lg" len="med"/>
+              <a:tailEnd type="none" w="lg" len="med"/>
+            </a:ln>
+          </p:spPr>
+          <p:style>
+            <a:lnRef idx="1">
+              <a:schemeClr val="accent2"/>
+            </a:lnRef>
+            <a:fillRef idx="0">
+              <a:schemeClr val="accent2"/>
+            </a:fillRef>
+            <a:effectRef idx="0">
+              <a:schemeClr val="accent2"/>
+            </a:effectRef>
+            <a:fontRef idx="minor">
+              <a:schemeClr val="tx1"/>
+            </a:fontRef>
+          </p:style>
+        </p:cxnSp>
+        <p:sp>
+          <p:nvSpPr>
+            <p:cNvPr id="212" name="文本框 211"/>
+            <p:cNvSpPr txBox="1"/>
+            <p:nvPr/>
+          </p:nvSpPr>
+          <p:spPr>
+            <a:xfrm>
+              <a:off x="8415" y="2317"/>
+              <a:ext cx="1988" cy="580"/>
+            </a:xfrm>
+            <a:prstGeom prst="rect">
+              <a:avLst/>
+            </a:prstGeom>
+            <a:noFill/>
+          </p:spPr>
+          <p:txBody>
+            <a:bodyPr wrap="square" rtlCol="0">
+              <a:spAutoFit/>
+            </a:bodyPr>
+            <a:p>
+              <a:r>
+                <a:rPr lang="en-US" altLang="zh-CN"/>
+                <a:t>Backward</a:t>
+              </a:r>
+              <a:endParaRPr lang="en-US" altLang="zh-CN"/>
+            </a:p>
+          </p:txBody>
+        </p:sp>
+      </p:grpSp>
+    </p:spTree>
+  </p:cSld>
+  <p:clrMapOvr>
+    <a:masterClrMapping/>
+  </p:clrMapOvr>
+  <mc:AlternateContent xmlns:mc="http://schemas.openxmlformats.org/markup-compatibility/2006" xmlns:p159="http://schemas.microsoft.com/office/powerpoint/2015/09/main">
+    <mc:Choice Requires="p159">
+      <p:transition xmlns:p14="http://schemas.microsoft.com/office/powerpoint/2010/main" spd="med">
+        <p159:morph option="byObject"/>
+      </p:transition>
+    </mc:Choice>
+    <mc:Fallback>
+      <p:transition spd="med">
+        <p:fade/>
+      </p:transition>
+    </mc:Fallback>
+  </mc:AlternateContent>
+</p:sld>
+</file>
+
+<file path=ppt/slides/slide46.xml><?xml version="1.0" encoding="utf-8"?>
+<p:sld xmlns:a="http://schemas.openxmlformats.org/drawingml/2006/main" xmlns:r="http://schemas.openxmlformats.org/officeDocument/2006/relationships" xmlns:p="http://schemas.openxmlformats.org/presentationml/2006/main">
+  <p:cSld>
+    <p:spTree>
+      <p:nvGrpSpPr>
+        <p:cNvPr id="1" name=""/>
+        <p:cNvGrpSpPr/>
+        <p:nvPr/>
+      </p:nvGrpSpPr>
+      <p:grpSpPr>
+        <a:xfrm>
+          <a:off x="0" y="0"/>
+          <a:ext cx="0" cy="0"/>
+          <a:chOff x="0" y="0"/>
+          <a:chExt cx="0" cy="0"/>
+        </a:xfrm>
+      </p:grpSpPr>
+      <p:sp>
+        <p:nvSpPr>
+          <p:cNvPr id="6" name="矩形 5"/>
+          <p:cNvSpPr/>
+          <p:nvPr/>
+        </p:nvSpPr>
+        <p:spPr>
+          <a:xfrm>
+            <a:off x="304543" y="486560"/>
+            <a:ext cx="897890" cy="521970"/>
+          </a:xfrm>
+          <a:prstGeom prst="rect">
+            <a:avLst/>
+          </a:prstGeom>
+        </p:spPr>
+        <p:txBody>
+          <a:bodyPr wrap="none">
+            <a:spAutoFit/>
+          </a:bodyPr>
+          <a:lstStyle/>
+          <a:p>
+            <a:pPr marL="0" indent="0" algn="l">
+              <a:buFont typeface="Wingdings" panose="05000000000000000000" charset="0"/>
+              <a:buNone/>
+            </a:pPr>
+            <a:r>
+              <a:rPr lang="zh-CN" altLang="en-US" sz="2800" b="1" dirty="0">
+                <a:solidFill>
+                  <a:schemeClr val="tx1"/>
+                </a:solidFill>
+                <a:latin typeface="微软雅黑" charset="-122"/>
+                <a:ea typeface="微软雅黑" charset="-122"/>
+                <a:cs typeface="微软雅黑" charset="-122"/>
+                <a:sym typeface="+mn-ea"/>
+              </a:rPr>
+              <a:t>展望</a:t>
+            </a:r>
+            <a:endParaRPr lang="zh-CN" altLang="en-US" sz="2800" b="1" dirty="0">
+              <a:solidFill>
+                <a:schemeClr val="tx1"/>
+              </a:solidFill>
+              <a:latin typeface="微软雅黑" charset="-122"/>
+              <a:ea typeface="微软雅黑" charset="-122"/>
+              <a:cs typeface="微软雅黑" charset="-122"/>
+              <a:sym typeface="+mn-ea"/>
+            </a:endParaRPr>
+          </a:p>
+        </p:txBody>
+      </p:sp>
+      <p:grpSp>
+        <p:nvGrpSpPr>
+          <p:cNvPr id="15" name="组合 14"/>
+          <p:cNvGrpSpPr/>
+          <p:nvPr/>
+        </p:nvGrpSpPr>
+        <p:grpSpPr>
+          <a:xfrm rot="0">
+            <a:off x="1687830" y="2953385"/>
+            <a:ext cx="8797290" cy="2259910"/>
+            <a:chOff x="1665" y="2127"/>
+            <a:chExt cx="13854" cy="3559"/>
+          </a:xfrm>
+        </p:grpSpPr>
+        <p:grpSp>
+          <p:nvGrpSpPr>
+            <p:cNvPr id="208" name="组合 207"/>
+            <p:cNvGrpSpPr/>
+            <p:nvPr/>
+          </p:nvGrpSpPr>
+          <p:grpSpPr>
+            <a:xfrm>
+              <a:off x="1665" y="2127"/>
+              <a:ext cx="13854" cy="2974"/>
+              <a:chOff x="1458" y="2128"/>
+              <a:chExt cx="13635" cy="2920"/>
+            </a:xfrm>
+          </p:grpSpPr>
+          <p:sp>
+            <p:nvSpPr>
+              <p:cNvPr id="105" name="矩形 104"/>
+              <p:cNvSpPr/>
+              <p:nvPr/>
+            </p:nvSpPr>
+            <p:spPr>
+              <a:xfrm>
+                <a:off x="3170" y="2128"/>
+                <a:ext cx="11923" cy="2920"/>
+              </a:xfrm>
+              <a:prstGeom prst="rect">
+                <a:avLst/>
+              </a:prstGeom>
+              <a:ln w="12700" cmpd="sng">
+                <a:solidFill>
+                  <a:schemeClr val="accent5">
+                    <a:lumMod val="40000"/>
+                    <a:lumOff val="60000"/>
+                  </a:schemeClr>
+                </a:solidFill>
+                <a:prstDash val="lgDash"/>
+              </a:ln>
+            </p:spPr>
+            <p:txBody>
+              <a:bodyPr wrap="square">
+                <a:spAutoFit/>
+              </a:bodyPr>
+              <a:p>
+                <a:endParaRPr lang="zh-CN" altLang="en-US" sz="2400" dirty="0"/>
+              </a:p>
+            </p:txBody>
+          </p:sp>
+          <p:grpSp>
+            <p:nvGrpSpPr>
+              <p:cNvPr id="204" name="组合 203"/>
+              <p:cNvGrpSpPr/>
+              <p:nvPr/>
+            </p:nvGrpSpPr>
+            <p:grpSpPr>
+              <a:xfrm>
+                <a:off x="1458" y="2243"/>
+                <a:ext cx="12569" cy="2382"/>
+                <a:chOff x="358" y="1718"/>
+                <a:chExt cx="12569" cy="2382"/>
+              </a:xfrm>
+            </p:grpSpPr>
+            <p:sp>
+              <p:nvSpPr>
+                <p:cNvPr id="67" name="立方体 66"/>
+                <p:cNvSpPr/>
+                <p:nvPr/>
+              </p:nvSpPr>
+              <p:spPr>
+                <a:xfrm>
+                  <a:off x="1221" y="3428"/>
+                  <a:ext cx="119" cy="589"/>
+                </a:xfrm>
+                <a:prstGeom prst="cube">
+                  <a:avLst/>
+                </a:prstGeom>
+              </p:spPr>
+              <p:txBody>
+                <a:bodyPr wrap="square">
+                  <a:spAutoFit/>
+                </a:bodyPr>
+                <a:p>
+                  <a:endParaRPr lang="zh-CN" altLang="en-US" sz="2400" dirty="0"/>
+                </a:p>
+              </p:txBody>
+            </p:sp>
+            <p:sp>
+              <p:nvSpPr>
+                <p:cNvPr id="102" name="文本框 101"/>
+                <p:cNvSpPr txBox="1"/>
+                <p:nvPr/>
+              </p:nvSpPr>
+              <p:spPr>
+                <a:xfrm>
+                  <a:off x="358" y="2869"/>
+                  <a:ext cx="1728" cy="570"/>
+                </a:xfrm>
+                <a:prstGeom prst="rect">
+                  <a:avLst/>
+                </a:prstGeom>
+                <a:noFill/>
+              </p:spPr>
+              <p:txBody>
+                <a:bodyPr wrap="square" rtlCol="0">
+                  <a:spAutoFit/>
+                </a:bodyPr>
+                <a:p>
+                  <a:r>
+                    <a:rPr lang="zh-CN" altLang="en-US"/>
+                    <a:t>联合训练</a:t>
+                  </a:r>
+                  <a:endParaRPr lang="zh-CN" altLang="en-US"/>
+                </a:p>
+              </p:txBody>
+            </p:sp>
+            <p:grpSp>
+              <p:nvGrpSpPr>
+                <p:cNvPr id="120" name="组合 119"/>
+                <p:cNvGrpSpPr/>
+                <p:nvPr/>
+              </p:nvGrpSpPr>
+              <p:grpSpPr>
+                <a:xfrm>
+                  <a:off x="5033" y="1718"/>
+                  <a:ext cx="7894" cy="2382"/>
+                  <a:chOff x="5101" y="1705"/>
+                  <a:chExt cx="7894" cy="2382"/>
+                </a:xfrm>
+              </p:grpSpPr>
+              <p:grpSp>
+                <p:nvGrpSpPr>
+                  <p:cNvPr id="74" name="组合 73"/>
+                  <p:cNvGrpSpPr/>
+                  <p:nvPr/>
+                </p:nvGrpSpPr>
+                <p:grpSpPr>
+                  <a:xfrm>
+                    <a:off x="5101" y="1741"/>
+                    <a:ext cx="6014" cy="2207"/>
+                    <a:chOff x="4647" y="2326"/>
+                    <a:chExt cx="7892" cy="3936"/>
+                  </a:xfrm>
+                </p:grpSpPr>
+                <p:sp>
+                  <p:nvSpPr>
+                    <p:cNvPr id="4" name="流程图: 手动操作 3"/>
+                    <p:cNvSpPr/>
+                    <p:nvPr/>
+                  </p:nvSpPr>
+                  <p:spPr>
+                    <a:xfrm rot="16200000">
+                      <a:off x="4528" y="3074"/>
+                      <a:ext cx="3936" cy="2440"/>
+                    </a:xfrm>
+                    <a:prstGeom prst="flowChartManualOperation">
+                      <a:avLst/>
+                    </a:prstGeom>
+                    <a:solidFill>
+                      <a:schemeClr val="accent1"/>
+                    </a:solidFill>
+                    <a:ln>
+                      <a:solidFill>
+                        <a:schemeClr val="accent1">
+                          <a:lumMod val="60000"/>
+                          <a:lumOff val="40000"/>
+                        </a:schemeClr>
+                      </a:solidFill>
+                    </a:ln>
+                  </p:spPr>
+                  <p:style>
+                    <a:lnRef idx="2">
+                      <a:schemeClr val="dk1"/>
+                    </a:lnRef>
+                    <a:fillRef idx="1">
+                      <a:schemeClr val="lt1"/>
+                    </a:fillRef>
+                    <a:effectRef idx="0">
+                      <a:schemeClr val="dk1"/>
+                    </a:effectRef>
+                    <a:fontRef idx="minor">
+                      <a:schemeClr val="dk1"/>
+                    </a:fontRef>
+                  </p:style>
+                  <p:txBody>
+                    <a:bodyPr wrap="square">
+                      <a:spAutoFit/>
+                    </a:bodyPr>
+                    <a:p>
+                      <a:endParaRPr lang="en-US" altLang="zh-CN" sz="2400" dirty="0"/>
+                    </a:p>
+                  </p:txBody>
+                </p:sp>
+                <p:grpSp>
+                  <p:nvGrpSpPr>
+                    <p:cNvPr id="12" name="组合 11"/>
+                    <p:cNvGrpSpPr/>
+                    <p:nvPr/>
+                  </p:nvGrpSpPr>
+                  <p:grpSpPr>
+                    <a:xfrm>
+                      <a:off x="4647" y="3059"/>
+                      <a:ext cx="7892" cy="2641"/>
+                      <a:chOff x="4647" y="3059"/>
+                      <a:chExt cx="7892" cy="2641"/>
+                    </a:xfrm>
+                  </p:grpSpPr>
+                  <p:grpSp>
+                    <p:nvGrpSpPr>
+                      <p:cNvPr id="30" name="组合 29"/>
+                      <p:cNvGrpSpPr/>
+                      <p:nvPr/>
+                    </p:nvGrpSpPr>
+                    <p:grpSpPr>
+                      <a:xfrm rot="0">
+                        <a:off x="4647" y="3059"/>
+                        <a:ext cx="7892" cy="2641"/>
+                        <a:chOff x="4026" y="3550"/>
+                        <a:chExt cx="7892" cy="2641"/>
+                      </a:xfrm>
+                    </p:grpSpPr>
+                    <p:grpSp>
+                      <p:nvGrpSpPr>
+                        <p:cNvPr id="31" name="组合 30"/>
+                        <p:cNvGrpSpPr/>
+                        <p:nvPr/>
+                      </p:nvGrpSpPr>
+                      <p:grpSpPr>
+                        <a:xfrm>
+                          <a:off x="4026" y="3550"/>
+                          <a:ext cx="7892" cy="2641"/>
+                          <a:chOff x="3982" y="3200"/>
+                          <a:chExt cx="7892" cy="2641"/>
+                        </a:xfrm>
+                      </p:grpSpPr>
+                      <p:grpSp>
+                        <p:nvGrpSpPr>
+                          <p:cNvPr id="32" name="组合 31"/>
+                          <p:cNvGrpSpPr/>
+                          <p:nvPr/>
+                        </p:nvGrpSpPr>
+                        <p:grpSpPr>
+                          <a:xfrm>
+                            <a:off x="8032" y="3200"/>
+                            <a:ext cx="3842" cy="2641"/>
+                            <a:chOff x="7549" y="5498"/>
+                            <a:chExt cx="3801" cy="2552"/>
+                          </a:xfrm>
+                        </p:grpSpPr>
+                        <p:grpSp>
+                          <p:nvGrpSpPr>
+                            <p:cNvPr id="33" name="组合 32"/>
+                            <p:cNvGrpSpPr/>
+                            <p:nvPr/>
+                          </p:nvGrpSpPr>
+                          <p:grpSpPr>
+                            <a:xfrm>
+                              <a:off x="7549" y="6674"/>
+                              <a:ext cx="3764" cy="1376"/>
+                              <a:chOff x="7487" y="6596"/>
+                              <a:chExt cx="3764" cy="1376"/>
+                            </a:xfrm>
+                          </p:grpSpPr>
+                          <p:sp>
+                            <p:nvSpPr>
+                              <p:cNvPr id="47" name="矩形 46"/>
+                              <p:cNvSpPr/>
+                              <p:nvPr/>
+                            </p:nvSpPr>
+                            <p:spPr>
+                              <a:xfrm>
+                                <a:off x="9339" y="7155"/>
+                                <a:ext cx="1912" cy="817"/>
+                              </a:xfrm>
+                              <a:prstGeom prst="rect">
+                                <a:avLst/>
+                              </a:prstGeom>
+                              <a:solidFill>
+                                <a:schemeClr val="accent1"/>
+                              </a:solidFill>
+                            </p:spPr>
+                            <p:txBody>
+                              <a:bodyPr wrap="square">
+                                <a:spAutoFit/>
+                              </a:bodyPr>
+                              <a:lstStyle/>
+                              <a:p>
+                                <a:pPr algn="ctr"/>
+                                <a:r>
+                                  <a:rPr lang="en-US" altLang="zh-CN" sz="1400" dirty="0"/>
+                                  <a:t>    FC</a:t>
+                                </a:r>
+                                <a:endParaRPr lang="en-US" altLang="zh-CN" sz="1400" dirty="0"/>
+                              </a:p>
+                            </p:txBody>
+                          </p:sp>
+                          <p:cxnSp>
+                            <p:nvCxnSpPr>
+                              <p:cNvPr id="50" name="直接连接符 49"/>
+                              <p:cNvCxnSpPr/>
+                              <p:nvPr/>
+                            </p:nvCxnSpPr>
+                            <p:spPr>
+                              <a:xfrm rot="60000" flipH="1" flipV="1">
+                                <a:off x="7487" y="6596"/>
+                                <a:ext cx="1827" cy="903"/>
+                              </a:xfrm>
+                              <a:prstGeom prst="line">
+                                <a:avLst/>
+                              </a:prstGeom>
+                              <a:ln w="25400">
+                                <a:solidFill>
+                                  <a:schemeClr val="tx1"/>
+                                </a:solidFill>
+                                <a:headEnd type="stealth" w="lg" len="med"/>
+                                <a:tailEnd type="none" w="lg" len="med"/>
+                              </a:ln>
+                            </p:spPr>
+                            <p:style>
+                              <a:lnRef idx="1">
+                                <a:schemeClr val="accent2"/>
+                              </a:lnRef>
+                              <a:fillRef idx="0">
+                                <a:schemeClr val="accent2"/>
+                              </a:fillRef>
+                              <a:effectRef idx="0">
+                                <a:schemeClr val="accent2"/>
+                              </a:effectRef>
+                              <a:fontRef idx="minor">
+                                <a:schemeClr val="tx1"/>
+                              </a:fontRef>
+                            </p:style>
+                          </p:cxnSp>
+                        </p:grpSp>
+                        <p:sp>
+                          <p:nvSpPr>
+                            <p:cNvPr id="51" name="文本框 50"/>
+                            <p:cNvSpPr txBox="1"/>
+                            <p:nvPr/>
+                          </p:nvSpPr>
+                          <p:spPr>
+                            <a:xfrm>
+                              <a:off x="9387" y="5498"/>
+                              <a:ext cx="1963" cy="872"/>
+                            </a:xfrm>
+                            <a:prstGeom prst="rect">
+                              <a:avLst/>
+                            </a:prstGeom>
+                            <a:solidFill>
+                              <a:schemeClr val="accent2"/>
+                            </a:solidFill>
+                          </p:spPr>
+                          <p:txBody>
+                            <a:bodyPr wrap="square" rtlCol="0">
+                              <a:spAutoFit/>
+                            </a:bodyPr>
+                            <a:lstStyle/>
+                            <a:p>
+                              <a:pPr algn="ctr">
+                                <a:lnSpc>
+                                  <a:spcPct val="110000"/>
+                                </a:lnSpc>
+                              </a:pPr>
+                              <a:r>
+                                <a:rPr lang="en-US" altLang="zh-CN" sz="1400"/>
+                                <a:t>AuxLoss</a:t>
+                              </a:r>
+                              <a:endParaRPr lang="en-US" altLang="zh-CN" sz="1400"/>
+                            </a:p>
+                          </p:txBody>
+                        </p:sp>
+                      </p:grpSp>
+                      <p:cxnSp>
+                        <p:nvCxnSpPr>
+                          <p:cNvPr id="75" name="直接连接符 74"/>
+                          <p:cNvCxnSpPr/>
+                          <p:nvPr/>
+                        </p:nvCxnSpPr>
+                        <p:spPr>
+                          <a:xfrm flipH="1" flipV="1">
+                            <a:off x="3982" y="4353"/>
+                            <a:ext cx="552" cy="14"/>
+                          </a:xfrm>
+                          <a:prstGeom prst="line">
+                            <a:avLst/>
+                          </a:prstGeom>
+                          <a:ln w="25400">
+                            <a:solidFill>
+                              <a:schemeClr val="tx1"/>
+                            </a:solidFill>
+                            <a:headEnd type="stealth" w="lg" len="med"/>
+                            <a:tailEnd type="none" w="lg" len="med"/>
+                          </a:ln>
+                        </p:spPr>
+                        <p:style>
+                          <a:lnRef idx="1">
+                            <a:schemeClr val="accent2"/>
+                          </a:lnRef>
+                          <a:fillRef idx="0">
+                            <a:schemeClr val="accent2"/>
+                          </a:fillRef>
+                          <a:effectRef idx="0">
+                            <a:schemeClr val="accent2"/>
+                          </a:effectRef>
+                          <a:fontRef idx="minor">
+                            <a:schemeClr val="tx1"/>
+                          </a:fontRef>
+                        </p:style>
+                      </p:cxnSp>
+                    </p:grpSp>
+                    <p:cxnSp>
+                      <p:nvCxnSpPr>
+                        <p:cNvPr id="58" name="直接连接符 57"/>
+                        <p:cNvCxnSpPr/>
+                        <p:nvPr/>
+                      </p:nvCxnSpPr>
+                      <p:spPr>
+                        <a:xfrm rot="21420000" flipH="1">
+                          <a:off x="8091" y="3988"/>
+                          <a:ext cx="1831" cy="815"/>
+                        </a:xfrm>
+                        <a:prstGeom prst="line">
+                          <a:avLst/>
+                        </a:prstGeom>
+                        <a:ln w="25400">
+                          <a:solidFill>
+                            <a:schemeClr val="tx1"/>
+                          </a:solidFill>
+                          <a:headEnd type="stealth" w="lg" len="med"/>
+                          <a:tailEnd type="none" w="lg" len="med"/>
+                        </a:ln>
+                      </p:spPr>
+                      <p:style>
+                        <a:lnRef idx="1">
+                          <a:schemeClr val="accent2"/>
+                        </a:lnRef>
+                        <a:fillRef idx="0">
+                          <a:schemeClr val="accent2"/>
+                        </a:fillRef>
+                        <a:effectRef idx="0">
+                          <a:schemeClr val="accent2"/>
+                        </a:effectRef>
+                        <a:fontRef idx="minor">
+                          <a:schemeClr val="tx1"/>
+                        </a:fontRef>
+                      </p:style>
+                    </p:cxnSp>
+                  </p:grpSp>
+                  <p:cxnSp>
+                    <p:nvCxnSpPr>
+                      <p:cNvPr id="11" name="直接连接符 10"/>
+                      <p:cNvCxnSpPr/>
+                      <p:nvPr/>
+                    </p:nvCxnSpPr>
+                    <p:spPr>
+                      <a:xfrm flipH="1">
+                        <a:off x="7753" y="4274"/>
+                        <a:ext cx="558" cy="39"/>
+                      </a:xfrm>
+                      <a:prstGeom prst="line">
+                        <a:avLst/>
+                      </a:prstGeom>
+                      <a:ln w="25400">
+                        <a:solidFill>
+                          <a:srgbClr val="303030"/>
+                        </a:solidFill>
+                        <a:headEnd type="stealth" w="lg" len="med"/>
+                        <a:tailEnd type="none" w="lg" len="med"/>
+                      </a:ln>
+                    </p:spPr>
+                    <p:style>
+                      <a:lnRef idx="1">
+                        <a:schemeClr val="accent2"/>
+                      </a:lnRef>
+                      <a:fillRef idx="0">
+                        <a:schemeClr val="accent2"/>
+                      </a:fillRef>
+                      <a:effectRef idx="0">
+                        <a:schemeClr val="accent2"/>
+                      </a:effectRef>
+                      <a:fontRef idx="minor">
+                        <a:schemeClr val="tx1"/>
+                      </a:fontRef>
+                    </p:style>
+                  </p:cxnSp>
+                </p:grpSp>
+                <p:sp>
+                  <p:nvSpPr>
+                    <p:cNvPr id="68" name="矩形 67"/>
+                    <p:cNvSpPr/>
+                    <p:nvPr/>
+                  </p:nvSpPr>
+                  <p:spPr>
+                    <a:xfrm>
+                      <a:off x="8339" y="2970"/>
+                      <a:ext cx="521" cy="708"/>
+                    </a:xfrm>
+                    <a:prstGeom prst="rect">
+                      <a:avLst/>
+                    </a:prstGeom>
+                    <a:solidFill>
+                      <a:schemeClr val="tx1">
+                        <a:lumMod val="85000"/>
+                        <a:lumOff val="15000"/>
+                      </a:schemeClr>
+                    </a:solidFill>
+                    <a:ln>
+                      <a:solidFill>
+                        <a:schemeClr val="bg1"/>
+                      </a:solidFill>
+                    </a:ln>
+                  </p:spPr>
+                  <p:txBody>
+                    <a:bodyPr wrap="square">
+                      <a:spAutoFit/>
+                    </a:bodyPr>
+                    <a:p>
+                      <a:endParaRPr lang="zh-CN" altLang="en-US" sz="2400" dirty="0"/>
+                    </a:p>
+                  </p:txBody>
+                </p:sp>
+              </p:grpSp>
+              <p:cxnSp>
+                <p:nvCxnSpPr>
+                  <p:cNvPr id="109" name="直接连接符 108"/>
+                  <p:cNvCxnSpPr/>
+                  <p:nvPr/>
+                </p:nvCxnSpPr>
+                <p:spPr>
+                  <a:xfrm flipH="1">
+                    <a:off x="11115" y="3436"/>
+                    <a:ext cx="383" cy="1"/>
+                  </a:xfrm>
+                  <a:prstGeom prst="line">
+                    <a:avLst/>
+                  </a:prstGeom>
+                  <a:ln w="25400">
+                    <a:solidFill>
+                      <a:srgbClr val="303030"/>
+                    </a:solidFill>
+                    <a:headEnd type="stealth" w="lg" len="med"/>
+                    <a:tailEnd type="none" w="lg" len="med"/>
+                  </a:ln>
+                </p:spPr>
+                <p:style>
+                  <a:lnRef idx="1">
+                    <a:schemeClr val="accent2"/>
+                  </a:lnRef>
+                  <a:fillRef idx="0">
+                    <a:schemeClr val="accent2"/>
+                  </a:fillRef>
+                  <a:effectRef idx="0">
+                    <a:schemeClr val="accent2"/>
+                  </a:effectRef>
+                  <a:fontRef idx="minor">
+                    <a:schemeClr val="tx1"/>
+                  </a:fontRef>
+                </p:style>
+              </p:cxnSp>
+              <p:sp>
+                <p:nvSpPr>
+                  <p:cNvPr id="111" name="矩形 110"/>
+                  <p:cNvSpPr/>
+                  <p:nvPr/>
+                </p:nvSpPr>
+                <p:spPr>
+                  <a:xfrm>
+                    <a:off x="11522" y="3160"/>
+                    <a:ext cx="1473" cy="474"/>
+                  </a:xfrm>
+                  <a:prstGeom prst="rect">
+                    <a:avLst/>
+                  </a:prstGeom>
+                  <a:solidFill>
+                    <a:schemeClr val="accent2"/>
+                  </a:solidFill>
+                </p:spPr>
+                <p:txBody>
+                  <a:bodyPr wrap="square">
+                    <a:spAutoFit/>
+                  </a:bodyPr>
+                  <a:p>
+                    <a:pPr algn="ctr"/>
+                    <a:r>
+                      <a:rPr lang="en-US" altLang="zh-CN" sz="1400" dirty="0"/>
+                      <a:t>CELoss</a:t>
+                    </a:r>
+                    <a:endParaRPr lang="en-US" altLang="zh-CN" sz="1400" dirty="0"/>
+                  </a:p>
+                </p:txBody>
+              </p:sp>
+              <p:sp>
+                <p:nvSpPr>
+                  <p:cNvPr id="115" name="矩形 114"/>
+                  <p:cNvSpPr/>
+                  <p:nvPr/>
+                </p:nvSpPr>
+                <p:spPr>
+                  <a:xfrm>
+                    <a:off x="7907" y="2499"/>
+                    <a:ext cx="397" cy="397"/>
+                  </a:xfrm>
+                  <a:prstGeom prst="rect">
+                    <a:avLst/>
+                  </a:prstGeom>
+                  <a:solidFill>
+                    <a:schemeClr val="bg2">
+                      <a:lumMod val="90000"/>
+                    </a:schemeClr>
+                  </a:solidFill>
+                  <a:ln w="12700" cmpd="sng">
+                    <a:solidFill>
+                      <a:schemeClr val="bg1"/>
+                    </a:solidFill>
+                    <a:prstDash val="solid"/>
+                  </a:ln>
+                </p:spPr>
+                <p:txBody>
+                  <a:bodyPr wrap="square">
+                    <a:spAutoFit/>
+                  </a:bodyPr>
+                  <a:p>
+                    <a:endParaRPr lang="zh-CN" altLang="en-US" sz="2400" dirty="0"/>
+                  </a:p>
+                </p:txBody>
+              </p:sp>
+              <p:sp>
+                <p:nvSpPr>
+                  <p:cNvPr id="116" name="矩形 115"/>
+                  <p:cNvSpPr/>
+                  <p:nvPr/>
+                </p:nvSpPr>
+                <p:spPr>
+                  <a:xfrm>
+                    <a:off x="7907" y="2896"/>
+                    <a:ext cx="397" cy="397"/>
+                  </a:xfrm>
+                  <a:prstGeom prst="rect">
+                    <a:avLst/>
+                  </a:prstGeom>
+                  <a:solidFill>
+                    <a:schemeClr val="bg1">
+                      <a:lumMod val="95000"/>
+                    </a:schemeClr>
+                  </a:solidFill>
+                  <a:ln>
+                    <a:solidFill>
+                      <a:schemeClr val="bg1"/>
+                    </a:solidFill>
+                  </a:ln>
+                </p:spPr>
+                <p:txBody>
+                  <a:bodyPr wrap="square">
+                    <a:spAutoFit/>
+                  </a:bodyPr>
+                  <a:p>
+                    <a:endParaRPr lang="zh-CN" altLang="en-US" sz="2400" dirty="0"/>
+                  </a:p>
+                </p:txBody>
+              </p:sp>
+              <p:sp>
+                <p:nvSpPr>
+                  <p:cNvPr id="117" name="矩形 116"/>
+                  <p:cNvSpPr/>
+                  <p:nvPr/>
+                </p:nvSpPr>
+                <p:spPr>
+                  <a:xfrm>
+                    <a:off x="7905" y="3293"/>
+                    <a:ext cx="397" cy="397"/>
+                  </a:xfrm>
+                  <a:prstGeom prst="rect">
+                    <a:avLst/>
+                  </a:prstGeom>
+                  <a:solidFill>
+                    <a:schemeClr val="bg1">
+                      <a:lumMod val="50000"/>
+                    </a:schemeClr>
+                  </a:solidFill>
+                  <a:ln>
+                    <a:solidFill>
+                      <a:schemeClr val="bg2"/>
+                    </a:solidFill>
+                  </a:ln>
+                </p:spPr>
+                <p:txBody>
+                  <a:bodyPr wrap="square">
+                    <a:spAutoFit/>
+                  </a:bodyPr>
+                  <a:p>
+                    <a:endParaRPr lang="zh-CN" altLang="en-US" sz="2400" dirty="0"/>
+                  </a:p>
+                </p:txBody>
+              </p:sp>
+              <p:sp>
+                <p:nvSpPr>
+                  <p:cNvPr id="118" name="矩形 117"/>
+                  <p:cNvSpPr/>
+                  <p:nvPr/>
+                </p:nvSpPr>
+                <p:spPr>
+                  <a:xfrm>
+                    <a:off x="7917" y="1705"/>
+                    <a:ext cx="397" cy="397"/>
+                  </a:xfrm>
+                  <a:prstGeom prst="rect">
+                    <a:avLst/>
+                  </a:prstGeom>
+                  <a:solidFill>
+                    <a:schemeClr val="bg2">
+                      <a:lumMod val="90000"/>
+                    </a:schemeClr>
+                  </a:solidFill>
+                  <a:ln>
+                    <a:solidFill>
+                      <a:schemeClr val="bg1"/>
+                    </a:solidFill>
+                  </a:ln>
+                </p:spPr>
+                <p:txBody>
+                  <a:bodyPr wrap="square">
+                    <a:spAutoFit/>
+                  </a:bodyPr>
+                  <a:p>
+                    <a:endParaRPr lang="zh-CN" altLang="en-US" sz="2400" dirty="0"/>
+                  </a:p>
+                </p:txBody>
+              </p:sp>
+              <p:sp>
+                <p:nvSpPr>
+                  <p:cNvPr id="119" name="矩形 118"/>
+                  <p:cNvSpPr/>
+                  <p:nvPr/>
+                </p:nvSpPr>
+                <p:spPr>
+                  <a:xfrm>
+                    <a:off x="7907" y="3690"/>
+                    <a:ext cx="397" cy="397"/>
+                  </a:xfrm>
+                  <a:prstGeom prst="rect">
+                    <a:avLst/>
+                  </a:prstGeom>
+                  <a:solidFill>
+                    <a:schemeClr val="bg2">
+                      <a:lumMod val="90000"/>
+                    </a:schemeClr>
+                  </a:solidFill>
+                  <a:ln>
+                    <a:solidFill>
+                      <a:schemeClr val="bg2"/>
+                    </a:solidFill>
+                  </a:ln>
+                </p:spPr>
+                <p:txBody>
+                  <a:bodyPr wrap="square">
+                    <a:spAutoFit/>
+                  </a:bodyPr>
+                  <a:p>
+                    <a:endParaRPr lang="zh-CN" altLang="en-US" sz="2400" dirty="0"/>
+                  </a:p>
+                </p:txBody>
+              </p:sp>
+            </p:grpSp>
+          </p:grpSp>
+          <p:pic>
+            <p:nvPicPr>
+              <p:cNvPr id="206" name="图片 205" descr="cat"/>
+              <p:cNvPicPr>
+                <a:picLocks noChangeAspect="1"/>
+              </p:cNvPicPr>
+              <p:nvPr/>
+            </p:nvPicPr>
+            <p:blipFill>
+              <a:blip r:embed="rId1"/>
+              <a:stretch>
+                <a:fillRect/>
+              </a:stretch>
+            </p:blipFill>
+            <p:spPr>
+              <a:xfrm>
+                <a:off x="4213" y="2576"/>
+                <a:ext cx="1920" cy="1920"/>
+              </a:xfrm>
+              <a:prstGeom prst="rect">
+                <a:avLst/>
+              </a:prstGeom>
+            </p:spPr>
+          </p:pic>
+        </p:grpSp>
+        <p:sp>
+          <p:nvSpPr>
+            <p:cNvPr id="2" name="文本框 1"/>
+            <p:cNvSpPr txBox="1"/>
+            <p:nvPr/>
+          </p:nvSpPr>
+          <p:spPr>
+            <a:xfrm>
+              <a:off x="6758" y="2893"/>
+              <a:ext cx="1568" cy="1016"/>
+            </a:xfrm>
+            <a:prstGeom prst="rect">
+              <a:avLst/>
+            </a:prstGeom>
+            <a:noFill/>
+          </p:spPr>
+          <p:txBody>
+            <a:bodyPr wrap="none" rtlCol="0">
+              <a:spAutoFit/>
+            </a:bodyPr>
+            <a:p>
+              <a:pPr algn="ctr"/>
+              <a:r>
+                <a:rPr lang="en-US" altLang="zh-CN"/>
+                <a:t>feature</a:t>
+              </a:r>
+              <a:endParaRPr lang="en-US" altLang="zh-CN"/>
+            </a:p>
+            <a:p>
+              <a:pPr algn="ctr"/>
+              <a:r>
+                <a:rPr lang="en-US" altLang="zh-CN"/>
+                <a:t>extractor</a:t>
+              </a:r>
+              <a:endParaRPr lang="en-US" altLang="zh-CN"/>
+            </a:p>
+          </p:txBody>
+        </p:sp>
+        <p:sp>
+          <p:nvSpPr>
+            <p:cNvPr id="3" name="文本框 2"/>
+            <p:cNvSpPr txBox="1"/>
+            <p:nvPr/>
+          </p:nvSpPr>
+          <p:spPr>
+            <a:xfrm>
+              <a:off x="4929" y="4485"/>
+              <a:ext cx="468" cy="580"/>
+            </a:xfrm>
+            <a:prstGeom prst="rect">
+              <a:avLst/>
+            </a:prstGeom>
+            <a:noFill/>
+          </p:spPr>
+          <p:txBody>
+            <a:bodyPr wrap="none" rtlCol="0">
+              <a:spAutoFit/>
+            </a:bodyPr>
+            <a:p>
+              <a:r>
+                <a:rPr lang="en-US" altLang="zh-CN" i="1"/>
+                <a:t>x</a:t>
+              </a:r>
+              <a:endParaRPr lang="en-US" altLang="zh-CN" i="1"/>
+            </a:p>
+          </p:txBody>
+        </p:sp>
+        <mc:AlternateContent xmlns:mc="http://schemas.openxmlformats.org/markup-compatibility/2006">
+          <mc:Choice xmlns:a14="http://schemas.microsoft.com/office/drawing/2010/main" Requires="a14">
+            <p:sp>
+              <p:nvSpPr>
+                <p:cNvPr id="7" name="文本框 6"/>
+                <p:cNvSpPr txBox="1"/>
+                <p:nvPr/>
+              </p:nvSpPr>
+              <p:spPr>
+                <a:xfrm>
+                  <a:off x="7141" y="4485"/>
+                  <a:ext cx="543" cy="580"/>
+                </a:xfrm>
+                <a:prstGeom prst="rect">
+                  <a:avLst/>
+                </a:prstGeom>
+                <a:noFill/>
+              </p:spPr>
+              <p:txBody>
+                <a:bodyPr wrap="square" rtlCol="0">
+                  <a:spAutoFit/>
+                </a:bodyPr>
+                <a:p>
+                  <a14:m>
+                    <m:oMathPara xmlns:m="http://schemas.openxmlformats.org/officeDocument/2006/math">
+                      <m:oMathParaPr>
+                        <m:jc m:val="centerGroup"/>
+                      </m:oMathParaPr>
+                      <m:oMath xmlns:m="http://schemas.openxmlformats.org/officeDocument/2006/math">
+                        <m:sSub>
+                          <m:sSubPr>
+                            <m:ctrlPr>
+                              <a:rPr lang="en-US" altLang="zh-CN" i="1">
+                                <a:latin typeface="DejaVu Math TeX Gyre" panose="02000503000000000000" charset="0"/>
+                                <a:cs typeface="DejaVu Math TeX Gyre" panose="02000503000000000000" charset="0"/>
+                              </a:rPr>
+                            </m:ctrlPr>
+                          </m:sSubPr>
+                          <m:e>
+                            <m:r>
+                              <a:rPr lang="en-US" altLang="zh-CN" i="1">
+                                <a:latin typeface="DejaVu Math TeX Gyre" panose="02000503000000000000" charset="0"/>
+                                <a:cs typeface="DejaVu Math TeX Gyre" panose="02000503000000000000" charset="0"/>
+                              </a:rPr>
+                              <m:t>𝑓</m:t>
+                            </m:r>
+                          </m:e>
+                          <m:sub>
+                            <m:r>
+                              <a:rPr lang="en-US" altLang="zh-CN" i="1">
+                                <a:latin typeface="DejaVu Math TeX Gyre" panose="02000503000000000000" charset="0"/>
+                                <a:cs typeface="DejaVu Math TeX Gyre" panose="02000503000000000000" charset="0"/>
+                              </a:rPr>
+                              <m:t>𝜃</m:t>
+                            </m:r>
+                          </m:sub>
+                        </m:sSub>
+                      </m:oMath>
+                    </m:oMathPara>
+                  </a14:m>
+                  <a:endParaRPr lang="en-US" altLang="zh-CN"/>
+                </a:p>
+              </p:txBody>
+            </p:sp>
+          </mc:Choice>
+          <mc:Fallback>
+            <p:sp>
+              <p:nvSpPr>
+                <p:cNvPr id="7" name="文本框 6"/>
+                <p:cNvSpPr txBox="1">
+                  <a:spLocks noRot="1" noChangeAspect="1" noMove="1" noResize="1" noEditPoints="1" noAdjustHandles="1" noChangeArrowheads="1" noChangeShapeType="1" noTextEdit="1"/>
+                </p:cNvSpPr>
+                <p:nvPr/>
+              </p:nvSpPr>
+              <p:spPr>
+                <a:xfrm>
+                  <a:off x="7141" y="4485"/>
+                  <a:ext cx="543" cy="580"/>
+                </a:xfrm>
+                <a:prstGeom prst="rect">
+                  <a:avLst/>
+                </a:prstGeom>
+                <a:blipFill rotWithShape="1">
+                  <a:blip r:embed="rId2"/>
+                </a:blipFill>
+              </p:spPr>
+              <p:txBody>
+                <a:bodyPr/>
+                <a:lstStyle/>
+                <a:p>
+                  <a:r>
+                    <a:rPr lang="zh-CN" altLang="en-US">
+                      <a:noFill/>
+                    </a:rPr>
+                    <a:t> </a:t>
+                  </a:r>
+                </a:p>
+              </p:txBody>
+            </p:sp>
+          </mc:Fallback>
+        </mc:AlternateContent>
+        <mc:AlternateContent xmlns:mc="http://schemas.openxmlformats.org/markup-compatibility/2006">
+          <mc:Choice xmlns:a14="http://schemas.microsoft.com/office/drawing/2010/main" Requires="a14">
+            <p:sp>
+              <p:nvSpPr>
+                <p:cNvPr id="8" name="文本框 7"/>
+                <p:cNvSpPr txBox="1"/>
+                <p:nvPr/>
+              </p:nvSpPr>
+              <p:spPr>
+                <a:xfrm>
+                  <a:off x="9159" y="4670"/>
+                  <a:ext cx="641" cy="1016"/>
+                </a:xfrm>
+                <a:prstGeom prst="rect">
+                  <a:avLst/>
+                </a:prstGeom>
+                <a:noFill/>
+              </p:spPr>
+              <p:txBody>
+                <a:bodyPr wrap="square" rtlCol="0">
+                  <a:spAutoFit/>
+                </a:bodyPr>
+                <a:p>
+                  <a:pPr algn="l">
+                    <a:buClrTx/>
+                    <a:buSzTx/>
+                    <a:buFontTx/>
+                  </a:pPr>
+                  <a14:m>
+                    <m:oMathPara xmlns:m="http://schemas.openxmlformats.org/officeDocument/2006/math">
+                      <m:oMathParaPr>
+                        <m:jc m:val="centerGroup"/>
+                      </m:oMathParaPr>
+                      <m:oMath xmlns:m="http://schemas.openxmlformats.org/officeDocument/2006/math">
+                        <m:r>
+                          <a:rPr lang="en-US" altLang="zh-CN" sz="1800" i="1">
+                            <a:latin typeface="DejaVu Math TeX Gyre" panose="02000503000000000000" charset="0"/>
+                          </a:rPr>
+                          <m:t>𝑧</m:t>
+                        </m:r>
+                      </m:oMath>
+                    </m:oMathPara>
+                  </a14:m>
+                  <a:endParaRPr lang="zh-CN" altLang="en-US" sz="1800"/>
+                </a:p>
+                <a:p>
+                  <a:pPr algn="l">
+                    <a:buClrTx/>
+                    <a:buSzTx/>
+                    <a:buFontTx/>
+                  </a:pPr>
+                  <a:endParaRPr lang="en-US" altLang="zh-CN" sz="1800" i="1"/>
+                </a:p>
+              </p:txBody>
+            </p:sp>
+          </mc:Choice>
+          <mc:Fallback>
+            <p:sp>
+              <p:nvSpPr>
+                <p:cNvPr id="8" name="文本框 7"/>
+                <p:cNvSpPr txBox="1">
+                  <a:spLocks noRot="1" noChangeAspect="1" noMove="1" noResize="1" noEditPoints="1" noAdjustHandles="1" noChangeArrowheads="1" noChangeShapeType="1" noTextEdit="1"/>
+                </p:cNvSpPr>
+                <p:nvPr/>
+              </p:nvSpPr>
+              <p:spPr>
+                <a:xfrm>
+                  <a:off x="9159" y="4670"/>
+                  <a:ext cx="641" cy="1016"/>
+                </a:xfrm>
+                <a:prstGeom prst="rect">
+                  <a:avLst/>
+                </a:prstGeom>
+                <a:blipFill rotWithShape="1">
+                  <a:blip r:embed="rId3"/>
+                </a:blipFill>
+              </p:spPr>
+              <p:txBody>
+                <a:bodyPr/>
+                <a:lstStyle/>
+                <a:p>
+                  <a:r>
+                    <a:rPr lang="zh-CN" altLang="en-US">
+                      <a:noFill/>
+                    </a:rPr>
+                    <a:t> </a:t>
+                  </a:r>
+                </a:p>
+              </p:txBody>
+            </p:sp>
+          </mc:Fallback>
+        </mc:AlternateContent>
+      </p:grpSp>
+    </p:spTree>
+  </p:cSld>
+  <p:clrMapOvr>
+    <a:masterClrMapping/>
+  </p:clrMapOvr>
+  <mc:AlternateContent xmlns:mc="http://schemas.openxmlformats.org/markup-compatibility/2006" xmlns:p159="http://schemas.microsoft.com/office/powerpoint/2015/09/main">
+    <mc:Choice Requires="p159">
+      <p:transition xmlns:p14="http://schemas.microsoft.com/office/powerpoint/2010/main" spd="med">
+        <p159:morph option="byObject"/>
+      </p:transition>
+    </mc:Choice>
+    <mc:Fallback>
+      <p:transition spd="med">
+        <p:fade/>
+      </p:transition>
+    </mc:Fallback>
+  </mc:AlternateContent>
+</p:sld>
+</file>
+
+<file path=ppt/slides/slide47.xml><?xml version="1.0" encoding="utf-8"?>
+<p:sld xmlns:a="http://schemas.openxmlformats.org/drawingml/2006/main" xmlns:r="http://schemas.openxmlformats.org/officeDocument/2006/relationships" xmlns:p="http://schemas.openxmlformats.org/presentationml/2006/main">
+  <p:cSld>
+    <p:spTree>
+      <p:nvGrpSpPr>
+        <p:cNvPr id="1" name=""/>
+        <p:cNvGrpSpPr/>
+        <p:nvPr/>
+      </p:nvGrpSpPr>
+      <p:grpSpPr>
+        <a:xfrm>
+          <a:off x="0" y="0"/>
+          <a:ext cx="0" cy="0"/>
+          <a:chOff x="0" y="0"/>
+          <a:chExt cx="0" cy="0"/>
+        </a:xfrm>
+      </p:grpSpPr>
+      <p:sp>
+        <p:nvSpPr>
+          <p:cNvPr id="6" name="矩形 5"/>
+          <p:cNvSpPr/>
+          <p:nvPr/>
+        </p:nvSpPr>
+        <p:spPr>
+          <a:xfrm>
+            <a:off x="304543" y="486560"/>
+            <a:ext cx="897890" cy="521970"/>
+          </a:xfrm>
+          <a:prstGeom prst="rect">
+            <a:avLst/>
+          </a:prstGeom>
+        </p:spPr>
+        <p:txBody>
+          <a:bodyPr wrap="none">
+            <a:spAutoFit/>
+          </a:bodyPr>
+          <a:lstStyle/>
+          <a:p>
+            <a:pPr marL="0" indent="0" algn="l">
+              <a:buFont typeface="Wingdings" panose="05000000000000000000" charset="0"/>
+              <a:buNone/>
+            </a:pPr>
+            <a:r>
+              <a:rPr lang="zh-CN" altLang="en-US" sz="2800" b="1" dirty="0">
+                <a:solidFill>
+                  <a:schemeClr val="tx1"/>
+                </a:solidFill>
+                <a:latin typeface="微软雅黑" charset="-122"/>
+                <a:ea typeface="微软雅黑" charset="-122"/>
+                <a:cs typeface="微软雅黑" charset="-122"/>
+                <a:sym typeface="+mn-ea"/>
+              </a:rPr>
+              <a:t>展望</a:t>
+            </a:r>
+            <a:endParaRPr lang="zh-CN" altLang="en-US" sz="2800" b="1" dirty="0">
+              <a:solidFill>
+                <a:schemeClr val="tx1"/>
+              </a:solidFill>
+              <a:latin typeface="微软雅黑" charset="-122"/>
+              <a:ea typeface="微软雅黑" charset="-122"/>
+              <a:cs typeface="微软雅黑" charset="-122"/>
+              <a:sym typeface="+mn-ea"/>
+            </a:endParaRPr>
+          </a:p>
+        </p:txBody>
+      </p:sp>
+      <p:grpSp>
+        <p:nvGrpSpPr>
+          <p:cNvPr id="40" name="组合 39"/>
+          <p:cNvGrpSpPr/>
+          <p:nvPr/>
+        </p:nvGrpSpPr>
+        <p:grpSpPr>
+          <a:xfrm>
+            <a:off x="1550035" y="1438910"/>
+            <a:ext cx="8818245" cy="4995545"/>
+            <a:chOff x="2461" y="2283"/>
+            <a:chExt cx="13887" cy="7867"/>
+          </a:xfrm>
+        </p:grpSpPr>
+        <p:grpSp>
+          <p:nvGrpSpPr>
+            <p:cNvPr id="15" name="组合 14"/>
+            <p:cNvGrpSpPr/>
+            <p:nvPr/>
+          </p:nvGrpSpPr>
+          <p:grpSpPr>
+            <a:xfrm>
+              <a:off x="2461" y="2283"/>
+              <a:ext cx="13887" cy="7415"/>
+              <a:chOff x="1649" y="2127"/>
+              <a:chExt cx="13887" cy="7415"/>
+            </a:xfrm>
+          </p:grpSpPr>
+          <p:grpSp>
+            <p:nvGrpSpPr>
+              <p:cNvPr id="208" name="组合 207"/>
+              <p:cNvGrpSpPr/>
+              <p:nvPr/>
+            </p:nvGrpSpPr>
+            <p:grpSpPr>
+              <a:xfrm>
+                <a:off x="1649" y="2127"/>
+                <a:ext cx="13887" cy="7415"/>
+                <a:chOff x="1442" y="2128"/>
+                <a:chExt cx="13667" cy="7281"/>
+              </a:xfrm>
+            </p:grpSpPr>
+            <p:sp>
+              <p:nvSpPr>
+                <p:cNvPr id="105" name="矩形 104"/>
+                <p:cNvSpPr/>
+                <p:nvPr/>
+              </p:nvSpPr>
+              <p:spPr>
+                <a:xfrm>
+                  <a:off x="3170" y="2128"/>
+                  <a:ext cx="11923" cy="2920"/>
+                </a:xfrm>
+                <a:prstGeom prst="rect">
+                  <a:avLst/>
+                </a:prstGeom>
+                <a:ln w="12700" cmpd="sng">
+                  <a:solidFill>
+                    <a:schemeClr val="accent5">
+                      <a:lumMod val="40000"/>
+                      <a:lumOff val="60000"/>
+                    </a:schemeClr>
+                  </a:solidFill>
+                  <a:prstDash val="lgDash"/>
+                </a:ln>
+              </p:spPr>
+              <p:txBody>
+                <a:bodyPr wrap="square">
+                  <a:spAutoFit/>
+                </a:bodyPr>
+                <a:p>
+                  <a:endParaRPr lang="zh-CN" altLang="en-US" sz="2400" dirty="0"/>
+                </a:p>
+              </p:txBody>
+            </p:sp>
+            <p:grpSp>
+              <p:nvGrpSpPr>
+                <p:cNvPr id="204" name="组合 203"/>
+                <p:cNvGrpSpPr/>
+                <p:nvPr/>
+              </p:nvGrpSpPr>
+              <p:grpSpPr>
+                <a:xfrm>
+                  <a:off x="1442" y="2243"/>
+                  <a:ext cx="13667" cy="7166"/>
+                  <a:chOff x="342" y="1718"/>
+                  <a:chExt cx="13667" cy="7166"/>
+                </a:xfrm>
+              </p:grpSpPr>
+              <p:sp>
+                <p:nvSpPr>
+                  <p:cNvPr id="67" name="立方体 66"/>
+                  <p:cNvSpPr/>
+                  <p:nvPr/>
+                </p:nvSpPr>
+                <p:spPr>
+                  <a:xfrm>
+                    <a:off x="1221" y="3428"/>
+                    <a:ext cx="119" cy="589"/>
+                  </a:xfrm>
+                  <a:prstGeom prst="cube">
+                    <a:avLst/>
+                  </a:prstGeom>
+                </p:spPr>
+                <p:txBody>
+                  <a:bodyPr wrap="square">
+                    <a:spAutoFit/>
+                  </a:bodyPr>
+                  <a:p>
+                    <a:endParaRPr lang="zh-CN" altLang="en-US" sz="2400" dirty="0"/>
+                  </a:p>
+                </p:txBody>
+              </p:sp>
+              <p:sp>
+                <p:nvSpPr>
+                  <p:cNvPr id="102" name="文本框 101"/>
+                  <p:cNvSpPr txBox="1"/>
+                  <p:nvPr/>
+                </p:nvSpPr>
+                <p:spPr>
+                  <a:xfrm>
+                    <a:off x="358" y="2869"/>
+                    <a:ext cx="1728" cy="570"/>
+                  </a:xfrm>
+                  <a:prstGeom prst="rect">
+                    <a:avLst/>
+                  </a:prstGeom>
+                  <a:noFill/>
+                </p:spPr>
+                <p:txBody>
+                  <a:bodyPr wrap="square" rtlCol="0">
+                    <a:spAutoFit/>
+                  </a:bodyPr>
+                  <a:p>
+                    <a:r>
+                      <a:rPr lang="zh-CN" altLang="en-US"/>
+                      <a:t>训练阶段</a:t>
+                    </a:r>
+                    <a:endParaRPr lang="zh-CN" altLang="en-US"/>
+                  </a:p>
+                </p:txBody>
+              </p:sp>
+              <p:sp>
+                <p:nvSpPr>
+                  <p:cNvPr id="103" name="文本框 102"/>
+                  <p:cNvSpPr txBox="1"/>
+                  <p:nvPr/>
+                </p:nvSpPr>
+                <p:spPr>
+                  <a:xfrm>
+                    <a:off x="342" y="6985"/>
+                    <a:ext cx="1728" cy="570"/>
+                  </a:xfrm>
+                  <a:prstGeom prst="rect">
+                    <a:avLst/>
+                  </a:prstGeom>
+                  <a:noFill/>
+                </p:spPr>
+                <p:txBody>
+                  <a:bodyPr wrap="square" rtlCol="0">
+                    <a:spAutoFit/>
+                  </a:bodyPr>
+                  <a:p>
+                    <a:r>
+                      <a:rPr lang="zh-CN" altLang="en-US"/>
+                      <a:t>测试阶段</a:t>
+                    </a:r>
+                    <a:endParaRPr lang="zh-CN" altLang="en-US"/>
+                  </a:p>
+                </p:txBody>
+              </p:sp>
+              <p:sp>
+                <p:nvSpPr>
+                  <p:cNvPr id="104" name="圆角矩形 103"/>
+                  <p:cNvSpPr/>
+                  <p:nvPr/>
+                </p:nvSpPr>
+                <p:spPr>
+                  <a:xfrm>
+                    <a:off x="7190" y="4720"/>
+                    <a:ext cx="1790" cy="795"/>
+                  </a:xfrm>
+                  <a:prstGeom prst="roundRect">
+                    <a:avLst/>
+                  </a:prstGeom>
+                  <a:solidFill>
+                    <a:schemeClr val="accent5">
+                      <a:lumMod val="20000"/>
+                      <a:lumOff val="80000"/>
+                    </a:schemeClr>
+                  </a:solidFill>
+                </p:spPr>
+                <p:txBody>
+                  <a:bodyPr wrap="square">
+                    <a:spAutoFit/>
+                  </a:bodyPr>
+                  <a:p>
+                    <a:pPr algn="ctr"/>
+                    <a:r>
+                      <a:rPr lang="en-US" altLang="zh-CN" sz="2400" dirty="0"/>
+                      <a:t>PCA</a:t>
+                    </a:r>
+                    <a:endParaRPr lang="en-US" altLang="zh-CN" sz="2400" dirty="0"/>
+                  </a:p>
+                </p:txBody>
+              </p:sp>
+              <p:sp>
+                <p:nvSpPr>
+                  <p:cNvPr id="106" name="矩形 105"/>
+                  <p:cNvSpPr/>
+                  <p:nvPr/>
+                </p:nvSpPr>
+                <p:spPr>
+                  <a:xfrm>
+                    <a:off x="2086" y="5964"/>
+                    <a:ext cx="11923" cy="2920"/>
+                  </a:xfrm>
+                  <a:prstGeom prst="rect">
+                    <a:avLst/>
+                  </a:prstGeom>
+                  <a:ln w="12700" cmpd="sng">
+                    <a:solidFill>
+                      <a:schemeClr val="accent5">
+                        <a:lumMod val="60000"/>
+                        <a:lumOff val="40000"/>
+                      </a:schemeClr>
+                    </a:solidFill>
+                    <a:prstDash val="dash"/>
+                  </a:ln>
+                </p:spPr>
+                <p:txBody>
+                  <a:bodyPr wrap="square">
+                    <a:spAutoFit/>
+                  </a:bodyPr>
+                  <a:p>
+                    <a:endParaRPr lang="zh-CN" altLang="en-US" sz="2400" dirty="0"/>
+                  </a:p>
+                </p:txBody>
+              </p:sp>
+              <p:cxnSp>
+                <p:nvCxnSpPr>
+                  <p:cNvPr id="112" name="直接箭头连接符 111"/>
+                  <p:cNvCxnSpPr/>
+                  <p:nvPr/>
+                </p:nvCxnSpPr>
+                <p:spPr>
+                  <a:xfrm flipH="1" flipV="1">
+                    <a:off x="8032" y="3771"/>
+                    <a:ext cx="7" cy="949"/>
+                  </a:xfrm>
+                  <a:prstGeom prst="straightConnector1">
+                    <a:avLst/>
+                  </a:prstGeom>
+                  <a:ln w="25400">
+                    <a:solidFill>
+                      <a:srgbClr val="EB641B"/>
+                    </a:solidFill>
+                    <a:headEnd type="triangle" w="lg" len="med"/>
+                    <a:tailEnd type="none" w="lg" len="med"/>
+                  </a:ln>
+                </p:spPr>
+                <p:style>
+                  <a:lnRef idx="1">
+                    <a:schemeClr val="accent2"/>
+                  </a:lnRef>
+                  <a:fillRef idx="0">
+                    <a:schemeClr val="accent2"/>
+                  </a:fillRef>
+                  <a:effectRef idx="0">
+                    <a:schemeClr val="accent2"/>
+                  </a:effectRef>
+                  <a:fontRef idx="minor">
+                    <a:schemeClr val="tx1"/>
+                  </a:fontRef>
+                </p:style>
+              </p:cxnSp>
+              <p:cxnSp>
+                <p:nvCxnSpPr>
+                  <p:cNvPr id="114" name="直接箭头连接符 113"/>
+                  <p:cNvCxnSpPr/>
+                  <p:nvPr/>
+                </p:nvCxnSpPr>
+                <p:spPr>
+                  <a:xfrm flipH="1" flipV="1">
+                    <a:off x="8041" y="5515"/>
+                    <a:ext cx="7" cy="679"/>
+                  </a:xfrm>
+                  <a:prstGeom prst="straightConnector1">
+                    <a:avLst/>
+                  </a:prstGeom>
+                  <a:ln w="25400">
+                    <a:solidFill>
+                      <a:srgbClr val="EB641B"/>
+                    </a:solidFill>
+                    <a:headEnd type="triangle" w="lg" len="med"/>
+                    <a:tailEnd type="none" w="lg" len="med"/>
+                  </a:ln>
+                </p:spPr>
+                <p:style>
+                  <a:lnRef idx="1">
+                    <a:schemeClr val="accent2"/>
+                  </a:lnRef>
+                  <a:fillRef idx="0">
+                    <a:schemeClr val="accent2"/>
+                  </a:fillRef>
+                  <a:effectRef idx="0">
+                    <a:schemeClr val="accent2"/>
+                  </a:effectRef>
+                  <a:fontRef idx="minor">
+                    <a:schemeClr val="tx1"/>
+                  </a:fontRef>
+                </p:style>
+              </p:cxnSp>
+              <p:grpSp>
+                <p:nvGrpSpPr>
+                  <p:cNvPr id="120" name="组合 119"/>
+                  <p:cNvGrpSpPr/>
+                  <p:nvPr/>
+                </p:nvGrpSpPr>
+                <p:grpSpPr>
+                  <a:xfrm>
+                    <a:off x="5033" y="1718"/>
+                    <a:ext cx="7894" cy="2382"/>
+                    <a:chOff x="5101" y="1705"/>
+                    <a:chExt cx="7894" cy="2382"/>
+                  </a:xfrm>
+                </p:grpSpPr>
+                <p:grpSp>
+                  <p:nvGrpSpPr>
+                    <p:cNvPr id="74" name="组合 73"/>
+                    <p:cNvGrpSpPr/>
+                    <p:nvPr/>
+                  </p:nvGrpSpPr>
+                  <p:grpSpPr>
+                    <a:xfrm>
+                      <a:off x="5101" y="1741"/>
+                      <a:ext cx="6014" cy="2207"/>
+                      <a:chOff x="4647" y="2326"/>
+                      <a:chExt cx="7892" cy="3936"/>
+                    </a:xfrm>
+                  </p:grpSpPr>
+                  <p:sp>
+                    <p:nvSpPr>
+                      <p:cNvPr id="4" name="流程图: 手动操作 3"/>
+                      <p:cNvSpPr/>
+                      <p:nvPr/>
+                    </p:nvSpPr>
+                    <p:spPr>
+                      <a:xfrm rot="16200000">
+                        <a:off x="4528" y="3074"/>
+                        <a:ext cx="3936" cy="2440"/>
+                      </a:xfrm>
+                      <a:prstGeom prst="flowChartManualOperation">
+                        <a:avLst/>
+                      </a:prstGeom>
+                      <a:solidFill>
+                        <a:schemeClr val="accent1"/>
+                      </a:solidFill>
+                      <a:ln>
+                        <a:solidFill>
+                          <a:schemeClr val="accent1">
+                            <a:lumMod val="60000"/>
+                            <a:lumOff val="40000"/>
+                          </a:schemeClr>
+                        </a:solidFill>
+                      </a:ln>
+                    </p:spPr>
+                    <p:style>
+                      <a:lnRef idx="2">
+                        <a:schemeClr val="dk1"/>
+                      </a:lnRef>
+                      <a:fillRef idx="1">
+                        <a:schemeClr val="lt1"/>
+                      </a:fillRef>
+                      <a:effectRef idx="0">
+                        <a:schemeClr val="dk1"/>
+                      </a:effectRef>
+                      <a:fontRef idx="minor">
+                        <a:schemeClr val="dk1"/>
+                      </a:fontRef>
+                    </p:style>
+                    <p:txBody>
+                      <a:bodyPr wrap="square">
+                        <a:spAutoFit/>
+                      </a:bodyPr>
+                      <a:p>
+                        <a:endParaRPr lang="en-US" altLang="zh-CN" sz="2400" dirty="0"/>
+                      </a:p>
+                    </p:txBody>
+                  </p:sp>
+                  <p:grpSp>
+                    <p:nvGrpSpPr>
+                      <p:cNvPr id="12" name="组合 11"/>
+                      <p:cNvGrpSpPr/>
+                      <p:nvPr/>
+                    </p:nvGrpSpPr>
+                    <p:grpSpPr>
+                      <a:xfrm>
+                        <a:off x="4647" y="3059"/>
+                        <a:ext cx="7892" cy="2641"/>
+                        <a:chOff x="4647" y="3059"/>
+                        <a:chExt cx="7892" cy="2641"/>
+                      </a:xfrm>
+                    </p:grpSpPr>
+                    <p:grpSp>
+                      <p:nvGrpSpPr>
+                        <p:cNvPr id="30" name="组合 29"/>
+                        <p:cNvGrpSpPr/>
+                        <p:nvPr/>
+                      </p:nvGrpSpPr>
+                      <p:grpSpPr>
+                        <a:xfrm rot="0">
+                          <a:off x="4647" y="3059"/>
+                          <a:ext cx="7892" cy="2641"/>
+                          <a:chOff x="4026" y="3550"/>
+                          <a:chExt cx="7892" cy="2641"/>
+                        </a:xfrm>
+                      </p:grpSpPr>
+                      <p:grpSp>
+                        <p:nvGrpSpPr>
+                          <p:cNvPr id="31" name="组合 30"/>
+                          <p:cNvGrpSpPr/>
+                          <p:nvPr/>
+                        </p:nvGrpSpPr>
+                        <p:grpSpPr>
+                          <a:xfrm>
+                            <a:off x="4026" y="3550"/>
+                            <a:ext cx="7892" cy="2641"/>
+                            <a:chOff x="3982" y="3200"/>
+                            <a:chExt cx="7892" cy="2641"/>
+                          </a:xfrm>
+                        </p:grpSpPr>
+                        <p:grpSp>
+                          <p:nvGrpSpPr>
+                            <p:cNvPr id="32" name="组合 31"/>
+                            <p:cNvGrpSpPr/>
+                            <p:nvPr/>
+                          </p:nvGrpSpPr>
+                          <p:grpSpPr>
+                            <a:xfrm>
+                              <a:off x="8032" y="3200"/>
+                              <a:ext cx="3842" cy="2641"/>
+                              <a:chOff x="7549" y="5498"/>
+                              <a:chExt cx="3801" cy="2552"/>
+                            </a:xfrm>
+                          </p:grpSpPr>
+                          <p:grpSp>
+                            <p:nvGrpSpPr>
+                              <p:cNvPr id="33" name="组合 32"/>
+                              <p:cNvGrpSpPr/>
+                              <p:nvPr/>
+                            </p:nvGrpSpPr>
+                            <p:grpSpPr>
+                              <a:xfrm>
+                                <a:off x="7549" y="6674"/>
+                                <a:ext cx="3764" cy="1376"/>
+                                <a:chOff x="7487" y="6596"/>
+                                <a:chExt cx="3764" cy="1376"/>
+                              </a:xfrm>
+                            </p:grpSpPr>
+                            <p:sp>
+                              <p:nvSpPr>
+                                <p:cNvPr id="47" name="矩形 46"/>
+                                <p:cNvSpPr/>
+                                <p:nvPr/>
+                              </p:nvSpPr>
+                              <p:spPr>
+                                <a:xfrm>
+                                  <a:off x="9339" y="7155"/>
+                                  <a:ext cx="1912" cy="817"/>
+                                </a:xfrm>
+                                <a:prstGeom prst="rect">
+                                  <a:avLst/>
+                                </a:prstGeom>
+                                <a:solidFill>
+                                  <a:schemeClr val="accent1"/>
+                                </a:solidFill>
+                              </p:spPr>
+                              <p:txBody>
+                                <a:bodyPr wrap="square">
+                                  <a:spAutoFit/>
+                                </a:bodyPr>
+                                <a:lstStyle/>
+                                <a:p>
+                                  <a:pPr algn="ctr"/>
+                                  <a:r>
+                                    <a:rPr lang="en-US" altLang="zh-CN" sz="1400" dirty="0"/>
+                                    <a:t>    FC</a:t>
+                                  </a:r>
+                                  <a:endParaRPr lang="en-US" altLang="zh-CN" sz="1400" dirty="0"/>
+                                </a:p>
+                              </p:txBody>
+                            </p:sp>
+                            <p:cxnSp>
+                              <p:nvCxnSpPr>
+                                <p:cNvPr id="50" name="直接连接符 49"/>
+                                <p:cNvCxnSpPr/>
+                                <p:nvPr/>
+                              </p:nvCxnSpPr>
+                              <p:spPr>
+                                <a:xfrm rot="60000" flipH="1" flipV="1">
+                                  <a:off x="7487" y="6596"/>
+                                  <a:ext cx="1827" cy="903"/>
+                                </a:xfrm>
+                                <a:prstGeom prst="line">
+                                  <a:avLst/>
+                                </a:prstGeom>
+                                <a:ln w="25400">
+                                  <a:solidFill>
+                                    <a:schemeClr val="tx1"/>
+                                  </a:solidFill>
+                                  <a:headEnd type="stealth" w="lg" len="med"/>
+                                  <a:tailEnd type="none" w="lg" len="med"/>
+                                </a:ln>
+                              </p:spPr>
+                              <p:style>
+                                <a:lnRef idx="1">
+                                  <a:schemeClr val="accent2"/>
+                                </a:lnRef>
+                                <a:fillRef idx="0">
+                                  <a:schemeClr val="accent2"/>
+                                </a:fillRef>
+                                <a:effectRef idx="0">
+                                  <a:schemeClr val="accent2"/>
+                                </a:effectRef>
+                                <a:fontRef idx="minor">
+                                  <a:schemeClr val="tx1"/>
+                                </a:fontRef>
+                              </p:style>
+                            </p:cxnSp>
+                          </p:grpSp>
+                          <p:sp>
+                            <p:nvSpPr>
+                              <p:cNvPr id="51" name="文本框 50"/>
+                              <p:cNvSpPr txBox="1"/>
+                              <p:nvPr/>
+                            </p:nvSpPr>
+                            <p:spPr>
+                              <a:xfrm>
+                                <a:off x="9387" y="5498"/>
+                                <a:ext cx="1963" cy="872"/>
+                              </a:xfrm>
+                              <a:prstGeom prst="rect">
+                                <a:avLst/>
+                              </a:prstGeom>
+                              <a:solidFill>
+                                <a:schemeClr val="accent2"/>
+                              </a:solidFill>
+                            </p:spPr>
+                            <p:txBody>
+                              <a:bodyPr wrap="square" rtlCol="0">
+                                <a:spAutoFit/>
+                              </a:bodyPr>
+                              <a:lstStyle/>
+                              <a:p>
+                                <a:pPr algn="ctr">
+                                  <a:lnSpc>
+                                    <a:spcPct val="110000"/>
+                                  </a:lnSpc>
+                                </a:pPr>
+                                <a:r>
+                                  <a:rPr lang="en-US" altLang="zh-CN" sz="1400"/>
+                                  <a:t>AuxLoss</a:t>
+                                </a:r>
+                                <a:endParaRPr lang="en-US" altLang="zh-CN" sz="1400"/>
+                              </a:p>
+                            </p:txBody>
+                          </p:sp>
+                        </p:grpSp>
+                        <p:cxnSp>
+                          <p:nvCxnSpPr>
+                            <p:cNvPr id="75" name="直接连接符 74"/>
+                            <p:cNvCxnSpPr/>
+                            <p:nvPr/>
+                          </p:nvCxnSpPr>
+                          <p:spPr>
+                            <a:xfrm flipH="1" flipV="1">
+                              <a:off x="3982" y="4353"/>
+                              <a:ext cx="552" cy="14"/>
+                            </a:xfrm>
+                            <a:prstGeom prst="line">
+                              <a:avLst/>
+                            </a:prstGeom>
+                            <a:ln w="25400">
+                              <a:solidFill>
+                                <a:schemeClr val="tx1"/>
+                              </a:solidFill>
+                              <a:headEnd type="stealth" w="lg" len="med"/>
+                              <a:tailEnd type="none" w="lg" len="med"/>
+                            </a:ln>
+                          </p:spPr>
+                          <p:style>
+                            <a:lnRef idx="1">
+                              <a:schemeClr val="accent2"/>
+                            </a:lnRef>
+                            <a:fillRef idx="0">
+                              <a:schemeClr val="accent2"/>
+                            </a:fillRef>
+                            <a:effectRef idx="0">
+                              <a:schemeClr val="accent2"/>
+                            </a:effectRef>
+                            <a:fontRef idx="minor">
+                              <a:schemeClr val="tx1"/>
+                            </a:fontRef>
+                          </p:style>
+                        </p:cxnSp>
+                      </p:grpSp>
+                      <p:cxnSp>
+                        <p:nvCxnSpPr>
+                          <p:cNvPr id="58" name="直接连接符 57"/>
+                          <p:cNvCxnSpPr/>
+                          <p:nvPr/>
+                        </p:nvCxnSpPr>
+                        <p:spPr>
+                          <a:xfrm rot="21420000" flipH="1">
+                            <a:off x="8091" y="3988"/>
+                            <a:ext cx="1831" cy="815"/>
+                          </a:xfrm>
+                          <a:prstGeom prst="line">
+                            <a:avLst/>
+                          </a:prstGeom>
+                          <a:ln w="25400">
+                            <a:solidFill>
+                              <a:schemeClr val="tx1"/>
+                            </a:solidFill>
+                            <a:headEnd type="stealth" w="lg" len="med"/>
+                            <a:tailEnd type="none" w="lg" len="med"/>
+                          </a:ln>
+                        </p:spPr>
+                        <p:style>
+                          <a:lnRef idx="1">
+                            <a:schemeClr val="accent2"/>
+                          </a:lnRef>
+                          <a:fillRef idx="0">
+                            <a:schemeClr val="accent2"/>
+                          </a:fillRef>
+                          <a:effectRef idx="0">
+                            <a:schemeClr val="accent2"/>
+                          </a:effectRef>
+                          <a:fontRef idx="minor">
+                            <a:schemeClr val="tx1"/>
+                          </a:fontRef>
+                        </p:style>
+                      </p:cxnSp>
+                    </p:grpSp>
+                    <p:cxnSp>
+                      <p:nvCxnSpPr>
+                        <p:cNvPr id="11" name="直接连接符 10"/>
+                        <p:cNvCxnSpPr/>
+                        <p:nvPr/>
+                      </p:nvCxnSpPr>
+                      <p:spPr>
+                        <a:xfrm flipH="1">
+                          <a:off x="7753" y="4276"/>
+                          <a:ext cx="484" cy="37"/>
+                        </a:xfrm>
+                        <a:prstGeom prst="line">
+                          <a:avLst/>
+                        </a:prstGeom>
+                        <a:ln w="25400">
+                          <a:solidFill>
+                            <a:srgbClr val="303030"/>
+                          </a:solidFill>
+                          <a:headEnd type="stealth" w="lg" len="med"/>
+                          <a:tailEnd type="none" w="lg" len="med"/>
+                        </a:ln>
+                      </p:spPr>
+                      <p:style>
+                        <a:lnRef idx="1">
+                          <a:schemeClr val="accent2"/>
+                        </a:lnRef>
+                        <a:fillRef idx="0">
+                          <a:schemeClr val="accent2"/>
+                        </a:fillRef>
+                        <a:effectRef idx="0">
+                          <a:schemeClr val="accent2"/>
+                        </a:effectRef>
+                        <a:fontRef idx="minor">
+                          <a:schemeClr val="tx1"/>
+                        </a:fontRef>
+                      </p:style>
+                    </p:cxnSp>
+                  </p:grpSp>
+                  <p:sp>
+                    <p:nvSpPr>
+                      <p:cNvPr id="68" name="矩形 67"/>
+                      <p:cNvSpPr/>
+                      <p:nvPr/>
+                    </p:nvSpPr>
+                    <p:spPr>
+                      <a:xfrm>
+                        <a:off x="8339" y="2970"/>
+                        <a:ext cx="521" cy="708"/>
+                      </a:xfrm>
+                      <a:prstGeom prst="rect">
+                        <a:avLst/>
+                      </a:prstGeom>
+                      <a:solidFill>
+                        <a:schemeClr val="tx1">
+                          <a:lumMod val="85000"/>
+                          <a:lumOff val="15000"/>
+                        </a:schemeClr>
+                      </a:solidFill>
+                      <a:ln>
+                        <a:solidFill>
+                          <a:schemeClr val="bg1"/>
+                        </a:solidFill>
+                      </a:ln>
+                    </p:spPr>
+                    <p:txBody>
+                      <a:bodyPr wrap="square">
+                        <a:spAutoFit/>
+                      </a:bodyPr>
+                      <a:p>
+                        <a:endParaRPr lang="zh-CN" altLang="en-US" sz="2400" dirty="0"/>
+                      </a:p>
+                    </p:txBody>
+                  </p:sp>
+                </p:grpSp>
+                <p:cxnSp>
+                  <p:nvCxnSpPr>
+                    <p:cNvPr id="109" name="直接连接符 108"/>
+                    <p:cNvCxnSpPr/>
+                    <p:nvPr/>
+                  </p:nvCxnSpPr>
+                  <p:spPr>
+                    <a:xfrm flipH="1">
+                      <a:off x="11115" y="3436"/>
+                      <a:ext cx="383" cy="1"/>
+                    </a:xfrm>
+                    <a:prstGeom prst="line">
+                      <a:avLst/>
+                    </a:prstGeom>
+                    <a:ln w="25400">
+                      <a:solidFill>
+                        <a:srgbClr val="303030"/>
+                      </a:solidFill>
+                      <a:headEnd type="stealth" w="lg" len="med"/>
+                      <a:tailEnd type="none" w="lg" len="med"/>
+                    </a:ln>
+                  </p:spPr>
+                  <p:style>
+                    <a:lnRef idx="1">
+                      <a:schemeClr val="accent2"/>
+                    </a:lnRef>
+                    <a:fillRef idx="0">
+                      <a:schemeClr val="accent2"/>
+                    </a:fillRef>
+                    <a:effectRef idx="0">
+                      <a:schemeClr val="accent2"/>
+                    </a:effectRef>
+                    <a:fontRef idx="minor">
+                      <a:schemeClr val="tx1"/>
+                    </a:fontRef>
+                  </p:style>
+                </p:cxnSp>
+                <p:sp>
+                  <p:nvSpPr>
+                    <p:cNvPr id="111" name="矩形 110"/>
+                    <p:cNvSpPr/>
+                    <p:nvPr/>
+                  </p:nvSpPr>
+                  <p:spPr>
+                    <a:xfrm>
+                      <a:off x="11522" y="3160"/>
+                      <a:ext cx="1473" cy="474"/>
+                    </a:xfrm>
+                    <a:prstGeom prst="rect">
+                      <a:avLst/>
+                    </a:prstGeom>
+                    <a:solidFill>
+                      <a:schemeClr val="accent2"/>
+                    </a:solidFill>
+                  </p:spPr>
+                  <p:txBody>
+                    <a:bodyPr wrap="square">
+                      <a:spAutoFit/>
+                    </a:bodyPr>
+                    <a:p>
+                      <a:pPr algn="ctr"/>
+                      <a:r>
+                        <a:rPr lang="en-US" altLang="zh-CN" sz="1400" dirty="0"/>
+                        <a:t>CELoss</a:t>
+                      </a:r>
+                      <a:endParaRPr lang="en-US" altLang="zh-CN" sz="1400" dirty="0"/>
+                    </a:p>
+                  </p:txBody>
+                </p:sp>
+                <p:sp>
+                  <p:nvSpPr>
+                    <p:cNvPr id="115" name="矩形 114"/>
+                    <p:cNvSpPr/>
+                    <p:nvPr/>
+                  </p:nvSpPr>
+                  <p:spPr>
+                    <a:xfrm>
+                      <a:off x="7907" y="2499"/>
+                      <a:ext cx="397" cy="397"/>
+                    </a:xfrm>
+                    <a:prstGeom prst="rect">
+                      <a:avLst/>
+                    </a:prstGeom>
+                    <a:solidFill>
+                      <a:schemeClr val="bg2">
+                        <a:lumMod val="90000"/>
+                      </a:schemeClr>
+                    </a:solidFill>
+                    <a:ln w="12700" cmpd="sng">
+                      <a:solidFill>
+                        <a:schemeClr val="bg1"/>
+                      </a:solidFill>
+                      <a:prstDash val="solid"/>
+                    </a:ln>
+                  </p:spPr>
+                  <p:txBody>
+                    <a:bodyPr wrap="square">
+                      <a:spAutoFit/>
+                    </a:bodyPr>
+                    <a:p>
+                      <a:endParaRPr lang="zh-CN" altLang="en-US" sz="2400" dirty="0"/>
+                    </a:p>
+                  </p:txBody>
+                </p:sp>
+                <p:sp>
+                  <p:nvSpPr>
+                    <p:cNvPr id="116" name="矩形 115"/>
+                    <p:cNvSpPr/>
+                    <p:nvPr/>
+                  </p:nvSpPr>
+                  <p:spPr>
+                    <a:xfrm>
+                      <a:off x="7907" y="2896"/>
+                      <a:ext cx="397" cy="397"/>
+                    </a:xfrm>
+                    <a:prstGeom prst="rect">
+                      <a:avLst/>
+                    </a:prstGeom>
+                    <a:solidFill>
+                      <a:schemeClr val="bg1">
+                        <a:lumMod val="95000"/>
+                      </a:schemeClr>
+                    </a:solidFill>
+                    <a:ln>
+                      <a:solidFill>
+                        <a:schemeClr val="bg1"/>
+                      </a:solidFill>
+                    </a:ln>
+                  </p:spPr>
+                  <p:txBody>
+                    <a:bodyPr wrap="square">
+                      <a:spAutoFit/>
+                    </a:bodyPr>
+                    <a:p>
+                      <a:endParaRPr lang="zh-CN" altLang="en-US" sz="2400" dirty="0"/>
+                    </a:p>
+                  </p:txBody>
+                </p:sp>
+                <p:sp>
+                  <p:nvSpPr>
+                    <p:cNvPr id="117" name="矩形 116"/>
+                    <p:cNvSpPr/>
+                    <p:nvPr/>
+                  </p:nvSpPr>
+                  <p:spPr>
+                    <a:xfrm>
+                      <a:off x="7905" y="3293"/>
+                      <a:ext cx="397" cy="397"/>
+                    </a:xfrm>
+                    <a:prstGeom prst="rect">
+                      <a:avLst/>
+                    </a:prstGeom>
+                    <a:solidFill>
+                      <a:schemeClr val="bg1">
+                        <a:lumMod val="50000"/>
+                      </a:schemeClr>
+                    </a:solidFill>
+                    <a:ln>
+                      <a:solidFill>
+                        <a:schemeClr val="bg2"/>
+                      </a:solidFill>
+                    </a:ln>
+                  </p:spPr>
+                  <p:txBody>
+                    <a:bodyPr wrap="square">
+                      <a:spAutoFit/>
+                    </a:bodyPr>
+                    <a:p>
+                      <a:endParaRPr lang="zh-CN" altLang="en-US" sz="2400" dirty="0"/>
+                    </a:p>
+                  </p:txBody>
+                </p:sp>
+                <p:sp>
+                  <p:nvSpPr>
+                    <p:cNvPr id="118" name="矩形 117"/>
+                    <p:cNvSpPr/>
+                    <p:nvPr/>
+                  </p:nvSpPr>
+                  <p:spPr>
+                    <a:xfrm>
+                      <a:off x="7917" y="1705"/>
+                      <a:ext cx="397" cy="397"/>
+                    </a:xfrm>
+                    <a:prstGeom prst="rect">
+                      <a:avLst/>
+                    </a:prstGeom>
+                    <a:solidFill>
+                      <a:schemeClr val="bg2">
+                        <a:lumMod val="90000"/>
+                      </a:schemeClr>
+                    </a:solidFill>
+                    <a:ln>
+                      <a:solidFill>
+                        <a:schemeClr val="bg1"/>
+                      </a:solidFill>
+                    </a:ln>
+                  </p:spPr>
+                  <p:txBody>
+                    <a:bodyPr wrap="square">
+                      <a:spAutoFit/>
+                    </a:bodyPr>
+                    <a:p>
+                      <a:endParaRPr lang="zh-CN" altLang="en-US" sz="2400" dirty="0"/>
+                    </a:p>
+                  </p:txBody>
+                </p:sp>
+                <p:sp>
+                  <p:nvSpPr>
+                    <p:cNvPr id="119" name="矩形 118"/>
+                    <p:cNvSpPr/>
+                    <p:nvPr/>
+                  </p:nvSpPr>
+                  <p:spPr>
+                    <a:xfrm>
+                      <a:off x="7907" y="3690"/>
+                      <a:ext cx="397" cy="397"/>
+                    </a:xfrm>
+                    <a:prstGeom prst="rect">
+                      <a:avLst/>
+                    </a:prstGeom>
+                    <a:solidFill>
+                      <a:schemeClr val="bg2">
+                        <a:lumMod val="90000"/>
+                      </a:schemeClr>
+                    </a:solidFill>
+                    <a:ln>
+                      <a:solidFill>
+                        <a:schemeClr val="bg2"/>
+                      </a:solidFill>
+                    </a:ln>
+                  </p:spPr>
+                  <p:txBody>
+                    <a:bodyPr wrap="square">
+                      <a:spAutoFit/>
+                    </a:bodyPr>
+                    <a:p>
+                      <a:endParaRPr lang="zh-CN" altLang="en-US" sz="2400" dirty="0"/>
+                    </a:p>
+                  </p:txBody>
+                </p:sp>
+              </p:grpSp>
+              <p:grpSp>
+                <p:nvGrpSpPr>
+                  <p:cNvPr id="123" name="组合 122"/>
+                  <p:cNvGrpSpPr/>
+                  <p:nvPr/>
+                </p:nvGrpSpPr>
+                <p:grpSpPr>
+                  <a:xfrm>
+                    <a:off x="5043" y="6170"/>
+                    <a:ext cx="8700" cy="2343"/>
+                    <a:chOff x="5101" y="1697"/>
+                    <a:chExt cx="8700" cy="2343"/>
+                  </a:xfrm>
+                </p:grpSpPr>
+                <p:grpSp>
+                  <p:nvGrpSpPr>
+                    <p:cNvPr id="124" name="组合 123"/>
+                    <p:cNvGrpSpPr/>
+                    <p:nvPr/>
+                  </p:nvGrpSpPr>
+                  <p:grpSpPr>
+                    <a:xfrm>
+                      <a:off x="5101" y="1833"/>
+                      <a:ext cx="6317" cy="2024"/>
+                      <a:chOff x="4647" y="2490"/>
+                      <a:chExt cx="8289" cy="3610"/>
+                    </a:xfrm>
+                  </p:grpSpPr>
+                  <p:sp>
+                    <p:nvSpPr>
+                      <p:cNvPr id="125" name="流程图: 手动操作 124"/>
+                      <p:cNvSpPr/>
+                      <p:nvPr/>
+                    </p:nvSpPr>
+                    <p:spPr>
+                      <a:xfrm rot="16200000">
+                        <a:off x="4677" y="3075"/>
+                        <a:ext cx="3610" cy="2440"/>
+                      </a:xfrm>
+                      <a:prstGeom prst="flowChartManualOperation">
+                        <a:avLst/>
+                      </a:prstGeom>
+                      <a:solidFill>
+                        <a:schemeClr val="accent1"/>
+                      </a:solidFill>
+                      <a:ln>
+                        <a:solidFill>
+                          <a:schemeClr val="accent1">
+                            <a:lumMod val="60000"/>
+                            <a:lumOff val="40000"/>
+                          </a:schemeClr>
+                        </a:solidFill>
+                      </a:ln>
+                    </p:spPr>
+                    <p:style>
+                      <a:lnRef idx="2">
+                        <a:schemeClr val="dk1"/>
+                      </a:lnRef>
+                      <a:fillRef idx="1">
+                        <a:schemeClr val="lt1"/>
+                      </a:fillRef>
+                      <a:effectRef idx="0">
+                        <a:schemeClr val="dk1"/>
+                      </a:effectRef>
+                      <a:fontRef idx="minor">
+                        <a:schemeClr val="dk1"/>
+                      </a:fontRef>
+                    </p:style>
+                    <p:txBody>
+                      <a:bodyPr wrap="square">
+                        <a:spAutoFit/>
+                      </a:bodyPr>
+                      <a:p>
+                        <a:endParaRPr lang="en-US" altLang="zh-CN" sz="2400" dirty="0"/>
+                      </a:p>
+                    </p:txBody>
+                  </p:sp>
+                  <p:grpSp>
+                    <p:nvGrpSpPr>
+                      <p:cNvPr id="126" name="组合 125"/>
+                      <p:cNvGrpSpPr/>
+                      <p:nvPr/>
+                    </p:nvGrpSpPr>
+                    <p:grpSpPr>
+                      <a:xfrm>
+                        <a:off x="4647" y="3115"/>
+                        <a:ext cx="8289" cy="2686"/>
+                        <a:chOff x="4647" y="3115"/>
+                        <a:chExt cx="8289" cy="2686"/>
+                      </a:xfrm>
+                    </p:grpSpPr>
+                    <p:grpSp>
+                      <p:nvGrpSpPr>
+                        <p:cNvPr id="127" name="组合 126"/>
+                        <p:cNvGrpSpPr/>
+                        <p:nvPr/>
+                      </p:nvGrpSpPr>
+                      <p:grpSpPr>
+                        <a:xfrm rot="0">
+                          <a:off x="4647" y="3115"/>
+                          <a:ext cx="8289" cy="2686"/>
+                          <a:chOff x="4026" y="3606"/>
+                          <a:chExt cx="8289" cy="2686"/>
+                        </a:xfrm>
+                      </p:grpSpPr>
+                      <p:grpSp>
+                        <p:nvGrpSpPr>
+                          <p:cNvPr id="128" name="组合 127"/>
+                          <p:cNvGrpSpPr/>
+                          <p:nvPr/>
+                        </p:nvGrpSpPr>
+                        <p:grpSpPr>
+                          <a:xfrm>
+                            <a:off x="4026" y="3606"/>
+                            <a:ext cx="8289" cy="2686"/>
+                            <a:chOff x="3982" y="3256"/>
+                            <a:chExt cx="8289" cy="2686"/>
+                          </a:xfrm>
+                        </p:grpSpPr>
+                        <p:grpSp>
+                          <p:nvGrpSpPr>
+                            <p:cNvPr id="129" name="组合 128"/>
+                            <p:cNvGrpSpPr/>
+                            <p:nvPr/>
+                          </p:nvGrpSpPr>
+                          <p:grpSpPr>
+                            <a:xfrm>
+                              <a:off x="10980" y="3256"/>
+                              <a:ext cx="1291" cy="2686"/>
+                              <a:chOff x="10465" y="5552"/>
+                              <a:chExt cx="1277" cy="2595"/>
+                            </a:xfrm>
+                          </p:grpSpPr>
+                          <p:sp>
+                            <p:nvSpPr>
+                              <p:cNvPr id="131" name="矩形 130"/>
+                              <p:cNvSpPr/>
+                              <p:nvPr/>
+                            </p:nvSpPr>
+                            <p:spPr>
+                              <a:xfrm>
+                                <a:off x="10465" y="7330"/>
+                                <a:ext cx="1276" cy="817"/>
+                              </a:xfrm>
+                              <a:prstGeom prst="rect">
+                                <a:avLst/>
+                              </a:prstGeom>
+                              <a:solidFill>
+                                <a:schemeClr val="accent1"/>
+                              </a:solidFill>
+                            </p:spPr>
+                            <p:txBody>
+                              <a:bodyPr wrap="square">
+                                <a:spAutoFit/>
+                              </a:bodyPr>
+                              <a:p>
+                                <a:pPr algn="ctr"/>
+                                <a:r>
+                                  <a:rPr lang="en-US" altLang="zh-CN" sz="1400" dirty="0"/>
+                                  <a:t>  FC</a:t>
+                                </a:r>
+                                <a:endParaRPr lang="en-US" altLang="zh-CN" sz="1400" dirty="0"/>
+                              </a:p>
+                            </p:txBody>
+                          </p:sp>
+                          <p:sp>
+                            <p:nvSpPr>
+                              <p:cNvPr id="133" name="文本框 132"/>
+                              <p:cNvSpPr txBox="1"/>
+                              <p:nvPr/>
+                            </p:nvSpPr>
+                            <p:spPr>
+                              <a:xfrm>
+                                <a:off x="10466" y="5552"/>
+                                <a:ext cx="1276" cy="873"/>
+                              </a:xfrm>
+                              <a:prstGeom prst="rect">
+                                <a:avLst/>
+                              </a:prstGeom>
+                              <a:solidFill>
+                                <a:schemeClr val="accent1"/>
+                              </a:solidFill>
+                            </p:spPr>
+                            <p:txBody>
+                              <a:bodyPr wrap="square" rtlCol="0">
+                                <a:spAutoFit/>
+                              </a:bodyPr>
+                              <a:p>
+                                <a:pPr algn="ctr">
+                                  <a:lnSpc>
+                                    <a:spcPct val="110000"/>
+                                  </a:lnSpc>
+                                </a:pPr>
+                                <a:r>
+                                  <a:rPr lang="en-US" altLang="zh-CN" sz="1400"/>
+                                  <a:t>GMM</a:t>
+                                </a:r>
+                                <a:endParaRPr lang="en-US" altLang="zh-CN" sz="1400"/>
+                              </a:p>
+                            </p:txBody>
+                          </p:sp>
+                        </p:grpSp>
+                        <p:cxnSp>
+                          <p:nvCxnSpPr>
+                            <p:cNvPr id="135" name="直接连接符 134"/>
+                            <p:cNvCxnSpPr/>
+                            <p:nvPr/>
+                          </p:nvCxnSpPr>
+                          <p:spPr>
+                            <a:xfrm flipH="1" flipV="1">
+                              <a:off x="3982" y="4353"/>
+                              <a:ext cx="552" cy="14"/>
+                            </a:xfrm>
+                            <a:prstGeom prst="line">
+                              <a:avLst/>
+                            </a:prstGeom>
+                            <a:ln w="25400">
+                              <a:solidFill>
+                                <a:schemeClr val="tx1"/>
+                              </a:solidFill>
+                              <a:headEnd type="stealth" w="lg" len="med"/>
+                              <a:tailEnd type="none" w="lg" len="med"/>
+                            </a:ln>
+                          </p:spPr>
+                          <p:style>
+                            <a:lnRef idx="1">
+                              <a:schemeClr val="accent2"/>
+                            </a:lnRef>
+                            <a:fillRef idx="0">
+                              <a:schemeClr val="accent2"/>
+                            </a:fillRef>
+                            <a:effectRef idx="0">
+                              <a:schemeClr val="accent2"/>
+                            </a:effectRef>
+                            <a:fontRef idx="minor">
+                              <a:schemeClr val="tx1"/>
+                            </a:fontRef>
+                          </p:style>
+                        </p:cxnSp>
+                      </p:grpSp>
+                      <p:cxnSp>
+                        <p:nvCxnSpPr>
+                          <p:cNvPr id="136" name="直接连接符 135"/>
+                          <p:cNvCxnSpPr/>
+                          <p:nvPr/>
+                        </p:nvCxnSpPr>
+                        <p:spPr>
+                          <a:xfrm flipH="1">
+                            <a:off x="9584" y="4061"/>
+                            <a:ext cx="1464" cy="815"/>
+                          </a:xfrm>
+                          <a:prstGeom prst="line">
+                            <a:avLst/>
+                          </a:prstGeom>
+                          <a:ln w="25400">
+                            <a:solidFill>
+                              <a:schemeClr val="tx1"/>
+                            </a:solidFill>
+                            <a:headEnd type="stealth" w="lg" len="med"/>
+                            <a:tailEnd type="none" w="lg" len="med"/>
+                          </a:ln>
+                        </p:spPr>
+                        <p:style>
+                          <a:lnRef idx="1">
+                            <a:schemeClr val="accent2"/>
+                          </a:lnRef>
+                          <a:fillRef idx="0">
+                            <a:schemeClr val="accent2"/>
+                          </a:fillRef>
+                          <a:effectRef idx="0">
+                            <a:schemeClr val="accent2"/>
+                          </a:effectRef>
+                          <a:fontRef idx="minor">
+                            <a:schemeClr val="tx1"/>
+                          </a:fontRef>
+                        </p:style>
+                      </p:cxnSp>
+                    </p:grpSp>
+                    <p:cxnSp>
+                      <p:nvCxnSpPr>
+                        <p:cNvPr id="137" name="直接连接符 136"/>
+                        <p:cNvCxnSpPr/>
+                        <p:nvPr/>
+                      </p:nvCxnSpPr>
+                      <p:spPr>
+                        <a:xfrm rot="20880000" flipH="1" flipV="1">
+                          <a:off x="7701" y="4234"/>
+                          <a:ext cx="600" cy="179"/>
+                        </a:xfrm>
+                        <a:prstGeom prst="line">
+                          <a:avLst/>
+                        </a:prstGeom>
+                        <a:ln w="25400">
+                          <a:solidFill>
+                            <a:srgbClr val="303030"/>
+                          </a:solidFill>
+                          <a:headEnd type="stealth" w="lg" len="med"/>
+                          <a:tailEnd type="none" w="lg" len="med"/>
+                        </a:ln>
+                      </p:spPr>
+                      <p:style>
+                        <a:lnRef idx="1">
+                          <a:schemeClr val="accent2"/>
+                        </a:lnRef>
+                        <a:fillRef idx="0">
+                          <a:schemeClr val="accent2"/>
+                        </a:fillRef>
+                        <a:effectRef idx="0">
+                          <a:schemeClr val="accent2"/>
+                        </a:effectRef>
+                        <a:fontRef idx="minor">
+                          <a:schemeClr val="tx1"/>
+                        </a:fontRef>
+                      </p:style>
+                    </p:cxnSp>
+                  </p:grpSp>
+                  <p:sp>
+                    <p:nvSpPr>
+                      <p:cNvPr id="138" name="矩形 137"/>
+                      <p:cNvSpPr/>
+                      <p:nvPr/>
+                    </p:nvSpPr>
+                    <p:spPr>
+                      <a:xfrm>
+                        <a:off x="8329" y="2954"/>
+                        <a:ext cx="521" cy="708"/>
+                      </a:xfrm>
+                      <a:prstGeom prst="rect">
+                        <a:avLst/>
+                      </a:prstGeom>
+                      <a:solidFill>
+                        <a:schemeClr val="tx1">
+                          <a:lumMod val="85000"/>
+                          <a:lumOff val="15000"/>
+                        </a:schemeClr>
+                      </a:solidFill>
+                      <a:ln>
+                        <a:solidFill>
+                          <a:schemeClr val="bg1"/>
+                        </a:solidFill>
+                      </a:ln>
+                    </p:spPr>
+                    <p:txBody>
+                      <a:bodyPr wrap="square">
+                        <a:spAutoFit/>
+                      </a:bodyPr>
+                      <a:p>
+                        <a:endParaRPr lang="zh-CN" altLang="en-US" sz="2400" dirty="0"/>
+                      </a:p>
+                    </p:txBody>
+                  </p:sp>
+                </p:grpSp>
+                <p:cxnSp>
+                  <p:nvCxnSpPr>
+                    <p:cNvPr id="139" name="直接连接符 138"/>
+                    <p:cNvCxnSpPr/>
+                    <p:nvPr/>
+                  </p:nvCxnSpPr>
+                  <p:spPr>
+                    <a:xfrm rot="21420000" flipH="1" flipV="1">
+                      <a:off x="11418" y="3474"/>
+                      <a:ext cx="627" cy="33"/>
+                    </a:xfrm>
+                    <a:prstGeom prst="line">
+                      <a:avLst/>
+                    </a:prstGeom>
+                    <a:ln w="25400">
+                      <a:solidFill>
+                        <a:srgbClr val="303030"/>
+                      </a:solidFill>
+                      <a:headEnd type="stealth" w="lg" len="med"/>
+                      <a:tailEnd type="none" w="lg" len="med"/>
+                    </a:ln>
+                  </p:spPr>
+                  <p:style>
+                    <a:lnRef idx="1">
+                      <a:schemeClr val="accent2"/>
+                    </a:lnRef>
+                    <a:fillRef idx="0">
+                      <a:schemeClr val="accent2"/>
+                    </a:fillRef>
+                    <a:effectRef idx="0">
+                      <a:schemeClr val="accent2"/>
+                    </a:effectRef>
+                    <a:fontRef idx="minor">
+                      <a:schemeClr val="tx1"/>
+                    </a:fontRef>
+                  </p:style>
+                </p:cxnSp>
+                <p:sp>
+                  <p:nvSpPr>
+                    <p:cNvPr id="140" name="矩形 139"/>
+                    <p:cNvSpPr/>
+                    <p:nvPr/>
+                  </p:nvSpPr>
+                  <p:spPr>
+                    <a:xfrm>
+                      <a:off x="12047" y="3216"/>
+                      <a:ext cx="1754" cy="474"/>
+                    </a:xfrm>
+                    <a:prstGeom prst="rect">
+                      <a:avLst/>
+                    </a:prstGeom>
+                    <a:solidFill>
+                      <a:schemeClr val="accent2"/>
+                    </a:solidFill>
+                  </p:spPr>
+                  <p:txBody>
+                    <a:bodyPr wrap="square">
+                      <a:spAutoFit/>
+                    </a:bodyPr>
+                    <a:p>
+                      <a:pPr algn="ctr"/>
+                      <a:r>
+                        <a:rPr lang="en-US" altLang="zh-CN" sz="1400" dirty="0"/>
+                        <a:t>Probability</a:t>
+                      </a:r>
+                      <a:endParaRPr lang="en-US" altLang="zh-CN" sz="1400" dirty="0"/>
+                    </a:p>
+                  </p:txBody>
+                </p:sp>
+                <p:sp>
+                  <p:nvSpPr>
+                    <p:cNvPr id="141" name="矩形 140"/>
+                    <p:cNvSpPr/>
+                    <p:nvPr/>
+                  </p:nvSpPr>
+                  <p:spPr>
+                    <a:xfrm>
+                      <a:off x="7907" y="2499"/>
+                      <a:ext cx="397" cy="397"/>
+                    </a:xfrm>
+                    <a:prstGeom prst="rect">
+                      <a:avLst/>
+                    </a:prstGeom>
+                    <a:solidFill>
+                      <a:schemeClr val="bg2">
+                        <a:lumMod val="90000"/>
+                      </a:schemeClr>
+                    </a:solidFill>
+                    <a:ln w="12700" cmpd="sng">
+                      <a:solidFill>
+                        <a:schemeClr val="bg1"/>
+                      </a:solidFill>
+                      <a:prstDash val="solid"/>
+                    </a:ln>
+                  </p:spPr>
+                  <p:txBody>
+                    <a:bodyPr wrap="square">
+                      <a:spAutoFit/>
+                    </a:bodyPr>
+                    <a:p>
+                      <a:endParaRPr lang="zh-CN" altLang="en-US" sz="2400" dirty="0"/>
+                    </a:p>
+                  </p:txBody>
+                </p:sp>
+                <p:sp>
+                  <p:nvSpPr>
+                    <p:cNvPr id="142" name="矩形 141"/>
+                    <p:cNvSpPr/>
+                    <p:nvPr/>
+                  </p:nvSpPr>
+                  <p:spPr>
+                    <a:xfrm>
+                      <a:off x="7907" y="2896"/>
+                      <a:ext cx="397" cy="397"/>
+                    </a:xfrm>
+                    <a:prstGeom prst="rect">
+                      <a:avLst/>
+                    </a:prstGeom>
+                    <a:solidFill>
+                      <a:schemeClr val="bg1">
+                        <a:lumMod val="95000"/>
+                      </a:schemeClr>
+                    </a:solidFill>
+                    <a:ln>
+                      <a:solidFill>
+                        <a:schemeClr val="bg1"/>
+                      </a:solidFill>
+                    </a:ln>
+                  </p:spPr>
+                  <p:txBody>
+                    <a:bodyPr wrap="square">
+                      <a:spAutoFit/>
+                    </a:bodyPr>
+                    <a:p>
+                      <a:endParaRPr lang="zh-CN" altLang="en-US" sz="2400" dirty="0"/>
+                    </a:p>
+                  </p:txBody>
+                </p:sp>
+                <p:sp>
+                  <p:nvSpPr>
+                    <p:cNvPr id="143" name="矩形 142"/>
+                    <p:cNvSpPr/>
+                    <p:nvPr/>
+                  </p:nvSpPr>
+                  <p:spPr>
+                    <a:xfrm>
+                      <a:off x="7905" y="3293"/>
+                      <a:ext cx="397" cy="397"/>
+                    </a:xfrm>
+                    <a:prstGeom prst="rect">
+                      <a:avLst/>
+                    </a:prstGeom>
+                    <a:solidFill>
+                      <a:schemeClr val="bg1">
+                        <a:lumMod val="50000"/>
+                      </a:schemeClr>
+                    </a:solidFill>
+                    <a:ln>
+                      <a:solidFill>
+                        <a:schemeClr val="bg1"/>
+                      </a:solidFill>
+                    </a:ln>
+                  </p:spPr>
+                  <p:txBody>
+                    <a:bodyPr wrap="square">
+                      <a:spAutoFit/>
+                    </a:bodyPr>
+                    <a:p>
+                      <a:endParaRPr lang="zh-CN" altLang="en-US" sz="2400" dirty="0"/>
+                    </a:p>
+                  </p:txBody>
+                </p:sp>
+                <p:sp>
+                  <p:nvSpPr>
+                    <p:cNvPr id="144" name="矩形 143"/>
+                    <p:cNvSpPr/>
+                    <p:nvPr/>
+                  </p:nvSpPr>
+                  <p:spPr>
+                    <a:xfrm>
+                      <a:off x="7907" y="1697"/>
+                      <a:ext cx="397" cy="397"/>
+                    </a:xfrm>
+                    <a:prstGeom prst="rect">
+                      <a:avLst/>
+                    </a:prstGeom>
+                    <a:solidFill>
+                      <a:schemeClr val="bg2">
+                        <a:lumMod val="90000"/>
+                      </a:schemeClr>
+                    </a:solidFill>
+                    <a:ln>
+                      <a:solidFill>
+                        <a:schemeClr val="bg1"/>
+                      </a:solidFill>
+                    </a:ln>
+                  </p:spPr>
+                  <p:txBody>
+                    <a:bodyPr wrap="square">
+                      <a:spAutoFit/>
+                    </a:bodyPr>
+                    <a:p>
+                      <a:endParaRPr lang="zh-CN" altLang="en-US" sz="2400" dirty="0"/>
+                    </a:p>
+                  </p:txBody>
+                </p:sp>
+                <p:sp>
+                  <p:nvSpPr>
+                    <p:cNvPr id="145" name="矩形 144"/>
+                    <p:cNvSpPr/>
+                    <p:nvPr/>
+                  </p:nvSpPr>
+                  <p:spPr>
+                    <a:xfrm>
+                      <a:off x="7907" y="3643"/>
+                      <a:ext cx="397" cy="397"/>
+                    </a:xfrm>
+                    <a:prstGeom prst="rect">
+                      <a:avLst/>
+                    </a:prstGeom>
+                    <a:solidFill>
+                      <a:schemeClr val="bg2">
+                        <a:lumMod val="90000"/>
+                      </a:schemeClr>
+                    </a:solidFill>
+                    <a:ln>
+                      <a:solidFill>
+                        <a:schemeClr val="bg1"/>
+                      </a:solidFill>
+                    </a:ln>
+                  </p:spPr>
+                  <p:txBody>
+                    <a:bodyPr wrap="square">
+                      <a:spAutoFit/>
+                    </a:bodyPr>
+                    <a:p>
+                      <a:endParaRPr lang="zh-CN" altLang="en-US" sz="2400" dirty="0"/>
+                    </a:p>
+                  </p:txBody>
+                </p:sp>
+              </p:grpSp>
+              <p:sp>
+                <p:nvSpPr>
+                  <p:cNvPr id="146" name="矩形 145"/>
+                  <p:cNvSpPr/>
+                  <p:nvPr/>
+                </p:nvSpPr>
+                <p:spPr>
+                  <a:xfrm>
+                    <a:off x="11988" y="6657"/>
+                    <a:ext cx="1754" cy="474"/>
+                  </a:xfrm>
+                  <a:prstGeom prst="rect">
+                    <a:avLst/>
+                  </a:prstGeom>
+                  <a:solidFill>
+                    <a:schemeClr val="accent2"/>
+                  </a:solidFill>
+                </p:spPr>
+                <p:txBody>
+                  <a:bodyPr wrap="square">
+                    <a:spAutoFit/>
+                  </a:bodyPr>
+                  <a:p>
+                    <a:pPr algn="ctr"/>
+                    <a:r>
+                      <a:rPr lang="en-US" altLang="zh-CN" sz="1400" dirty="0"/>
+                      <a:t>Uncertainty</a:t>
+                    </a:r>
+                    <a:endParaRPr lang="en-US" altLang="zh-CN" sz="1400" dirty="0"/>
+                  </a:p>
+                </p:txBody>
+              </p:sp>
+              <p:cxnSp>
+                <p:nvCxnSpPr>
+                  <p:cNvPr id="147" name="直接连接符 146"/>
+                  <p:cNvCxnSpPr/>
+                  <p:nvPr/>
+                </p:nvCxnSpPr>
+                <p:spPr>
+                  <a:xfrm flipH="1" flipV="1">
+                    <a:off x="11361" y="6941"/>
+                    <a:ext cx="614" cy="15"/>
+                  </a:xfrm>
+                  <a:prstGeom prst="line">
+                    <a:avLst/>
+                  </a:prstGeom>
+                  <a:ln w="25400">
+                    <a:solidFill>
+                      <a:srgbClr val="303030"/>
+                    </a:solidFill>
+                    <a:headEnd type="stealth" w="lg" len="med"/>
+                    <a:tailEnd type="none" w="lg" len="med"/>
+                  </a:ln>
+                </p:spPr>
+                <p:style>
+                  <a:lnRef idx="1">
+                    <a:schemeClr val="accent2"/>
+                  </a:lnRef>
+                  <a:fillRef idx="0">
+                    <a:schemeClr val="accent2"/>
+                  </a:fillRef>
+                  <a:effectRef idx="0">
+                    <a:schemeClr val="accent2"/>
+                  </a:effectRef>
+                  <a:fontRef idx="minor">
+                    <a:schemeClr val="tx1"/>
+                  </a:fontRef>
+                </p:style>
+              </p:cxnSp>
+            </p:grpSp>
+            <p:pic>
+              <p:nvPicPr>
+                <p:cNvPr id="206" name="图片 205" descr="cat"/>
+                <p:cNvPicPr>
+                  <a:picLocks noChangeAspect="1"/>
+                </p:cNvPicPr>
+                <p:nvPr/>
+              </p:nvPicPr>
+              <p:blipFill>
+                <a:blip r:embed="rId1"/>
+                <a:stretch>
+                  <a:fillRect/>
+                </a:stretch>
+              </p:blipFill>
+              <p:spPr>
+                <a:xfrm>
+                  <a:off x="4213" y="2576"/>
+                  <a:ext cx="1920" cy="1920"/>
+                </a:xfrm>
+                <a:prstGeom prst="rect">
+                  <a:avLst/>
+                </a:prstGeom>
+              </p:spPr>
+            </p:pic>
+            <p:pic>
+              <p:nvPicPr>
+                <p:cNvPr id="207" name="图片 206" descr="dog"/>
+                <p:cNvPicPr>
+                  <a:picLocks noChangeAspect="1"/>
+                </p:cNvPicPr>
+                <p:nvPr/>
+              </p:nvPicPr>
+              <p:blipFill>
+                <a:blip r:embed="rId2"/>
+                <a:stretch>
+                  <a:fillRect/>
+                </a:stretch>
+              </p:blipFill>
+              <p:spPr>
+                <a:xfrm>
+                  <a:off x="4213" y="6929"/>
+                  <a:ext cx="1920" cy="1920"/>
+                </a:xfrm>
+                <a:prstGeom prst="rect">
+                  <a:avLst/>
+                </a:prstGeom>
+              </p:spPr>
+            </p:pic>
+          </p:grpSp>
+          <p:sp>
+            <p:nvSpPr>
+              <p:cNvPr id="2" name="文本框 1"/>
+              <p:cNvSpPr txBox="1"/>
+              <p:nvPr/>
+            </p:nvSpPr>
+            <p:spPr>
+              <a:xfrm>
+                <a:off x="6758" y="2893"/>
+                <a:ext cx="1568" cy="1016"/>
+              </a:xfrm>
+              <a:prstGeom prst="rect">
+                <a:avLst/>
+              </a:prstGeom>
+              <a:noFill/>
+            </p:spPr>
+            <p:txBody>
+              <a:bodyPr wrap="none" rtlCol="0">
+                <a:spAutoFit/>
+              </a:bodyPr>
+              <a:p>
+                <a:pPr algn="ctr"/>
+                <a:r>
+                  <a:rPr lang="en-US" altLang="zh-CN"/>
+                  <a:t>feature</a:t>
+                </a:r>
+                <a:endParaRPr lang="en-US" altLang="zh-CN"/>
+              </a:p>
+              <a:p>
+                <a:pPr algn="ctr"/>
+                <a:r>
+                  <a:rPr lang="en-US" altLang="zh-CN"/>
+                  <a:t>extractor</a:t>
+                </a:r>
+                <a:endParaRPr lang="en-US" altLang="zh-CN"/>
+              </a:p>
+            </p:txBody>
+          </p:sp>
+          <p:sp>
+            <p:nvSpPr>
+              <p:cNvPr id="3" name="文本框 2"/>
+              <p:cNvSpPr txBox="1"/>
+              <p:nvPr/>
+            </p:nvSpPr>
+            <p:spPr>
+              <a:xfrm>
+                <a:off x="4929" y="4485"/>
+                <a:ext cx="468" cy="580"/>
+              </a:xfrm>
+              <a:prstGeom prst="rect">
+                <a:avLst/>
+              </a:prstGeom>
+              <a:noFill/>
+            </p:spPr>
+            <p:txBody>
+              <a:bodyPr wrap="none" rtlCol="0">
+                <a:spAutoFit/>
+              </a:bodyPr>
+              <a:p>
+                <a:r>
+                  <a:rPr lang="en-US" altLang="zh-CN" i="1"/>
+                  <a:t>x</a:t>
+                </a:r>
+                <a:endParaRPr lang="en-US" altLang="zh-CN" i="1"/>
+              </a:p>
+            </p:txBody>
+          </p:sp>
+          <p:sp>
+            <p:nvSpPr>
+              <p:cNvPr id="5" name="文本框 4"/>
+              <p:cNvSpPr txBox="1"/>
+              <p:nvPr/>
+            </p:nvSpPr>
+            <p:spPr>
+              <a:xfrm>
+                <a:off x="4939" y="8866"/>
+                <a:ext cx="468" cy="580"/>
+              </a:xfrm>
+              <a:prstGeom prst="rect">
+                <a:avLst/>
+              </a:prstGeom>
+              <a:noFill/>
+            </p:spPr>
+            <p:txBody>
+              <a:bodyPr wrap="none" rtlCol="0">
+                <a:spAutoFit/>
+              </a:bodyPr>
+              <a:p>
+                <a:r>
+                  <a:rPr lang="en-US" altLang="zh-CN" i="1"/>
+                  <a:t>x</a:t>
+                </a:r>
+                <a:endParaRPr lang="en-US" altLang="zh-CN" i="1"/>
+              </a:p>
+            </p:txBody>
+          </p:sp>
+          <mc:AlternateContent xmlns:mc="http://schemas.openxmlformats.org/markup-compatibility/2006">
+            <mc:Choice xmlns:a14="http://schemas.microsoft.com/office/drawing/2010/main" Requires="a14">
+              <p:sp>
+                <p:nvSpPr>
+                  <p:cNvPr id="7" name="文本框 6"/>
+                  <p:cNvSpPr txBox="1"/>
+                  <p:nvPr/>
+                </p:nvSpPr>
+                <p:spPr>
+                  <a:xfrm>
+                    <a:off x="7141" y="4485"/>
+                    <a:ext cx="543" cy="580"/>
+                  </a:xfrm>
+                  <a:prstGeom prst="rect">
+                    <a:avLst/>
+                  </a:prstGeom>
+                  <a:noFill/>
+                </p:spPr>
+                <p:txBody>
+                  <a:bodyPr wrap="square" rtlCol="0">
+                    <a:spAutoFit/>
+                  </a:bodyPr>
+                  <a:p>
+                    <a14:m>
+                      <m:oMathPara xmlns:m="http://schemas.openxmlformats.org/officeDocument/2006/math">
+                        <m:oMathParaPr>
+                          <m:jc m:val="centerGroup"/>
+                        </m:oMathParaPr>
+                        <m:oMath xmlns:m="http://schemas.openxmlformats.org/officeDocument/2006/math">
+                          <m:sSub>
+                            <m:sSubPr>
+                              <m:ctrlPr>
+                                <a:rPr lang="en-US" altLang="zh-CN" i="1">
+                                  <a:latin typeface="DejaVu Math TeX Gyre" panose="02000503000000000000" charset="0"/>
+                                  <a:cs typeface="DejaVu Math TeX Gyre" panose="02000503000000000000" charset="0"/>
+                                </a:rPr>
+                              </m:ctrlPr>
+                            </m:sSubPr>
+                            <m:e>
+                              <m:r>
+                                <a:rPr lang="en-US" altLang="zh-CN" i="1">
+                                  <a:latin typeface="DejaVu Math TeX Gyre" panose="02000503000000000000" charset="0"/>
+                                  <a:cs typeface="DejaVu Math TeX Gyre" panose="02000503000000000000" charset="0"/>
+                                </a:rPr>
+                                <m:t>𝑓</m:t>
+                              </m:r>
+                            </m:e>
+                            <m:sub>
+                              <m:r>
+                                <a:rPr lang="en-US" altLang="zh-CN" i="1">
+                                  <a:latin typeface="DejaVu Math TeX Gyre" panose="02000503000000000000" charset="0"/>
+                                  <a:cs typeface="DejaVu Math TeX Gyre" panose="02000503000000000000" charset="0"/>
+                                </a:rPr>
+                                <m:t>𝜃</m:t>
+                              </m:r>
+                            </m:sub>
+                          </m:sSub>
+                        </m:oMath>
+                      </m:oMathPara>
+                    </a14:m>
+                    <a:endParaRPr lang="en-US" altLang="zh-CN"/>
+                  </a:p>
+                </p:txBody>
+              </p:sp>
+            </mc:Choice>
+            <mc:Fallback>
+              <p:sp>
+                <p:nvSpPr>
+                  <p:cNvPr id="7" name="文本框 6"/>
+                  <p:cNvSpPr txBox="1">
+                    <a:spLocks noRot="1" noChangeAspect="1" noMove="1" noResize="1" noEditPoints="1" noAdjustHandles="1" noChangeArrowheads="1" noChangeShapeType="1" noTextEdit="1"/>
+                  </p:cNvSpPr>
+                  <p:nvPr/>
+                </p:nvSpPr>
+                <p:spPr>
+                  <a:xfrm>
+                    <a:off x="7141" y="4485"/>
+                    <a:ext cx="543" cy="580"/>
+                  </a:xfrm>
+                  <a:prstGeom prst="rect">
+                    <a:avLst/>
+                  </a:prstGeom>
+                  <a:blipFill rotWithShape="1">
+                    <a:blip r:embed="rId3"/>
+                  </a:blipFill>
+                </p:spPr>
+                <p:txBody>
+                  <a:bodyPr/>
+                  <a:lstStyle/>
+                  <a:p>
+                    <a:r>
+                      <a:rPr lang="zh-CN" altLang="en-US">
+                        <a:noFill/>
+                      </a:rPr>
+                      <a:t> </a:t>
+                    </a:r>
+                  </a:p>
+                </p:txBody>
+              </p:sp>
+            </mc:Fallback>
+          </mc:AlternateContent>
+          <mc:AlternateContent xmlns:mc="http://schemas.openxmlformats.org/markup-compatibility/2006">
+            <mc:Choice xmlns:a14="http://schemas.microsoft.com/office/drawing/2010/main" Requires="a14">
+              <p:sp>
+                <p:nvSpPr>
+                  <p:cNvPr id="8" name="文本框 7"/>
+                  <p:cNvSpPr txBox="1"/>
+                  <p:nvPr/>
+                </p:nvSpPr>
+                <p:spPr>
+                  <a:xfrm>
+                    <a:off x="9265" y="4528"/>
+                    <a:ext cx="641" cy="1016"/>
+                  </a:xfrm>
+                  <a:prstGeom prst="rect">
+                    <a:avLst/>
+                  </a:prstGeom>
+                  <a:noFill/>
+                </p:spPr>
+                <p:txBody>
+                  <a:bodyPr wrap="square" rtlCol="0">
+                    <a:spAutoFit/>
+                  </a:bodyPr>
+                  <a:p>
+                    <a:pPr algn="l">
+                      <a:buClrTx/>
+                      <a:buSzTx/>
+                      <a:buFontTx/>
+                    </a:pPr>
+                    <a14:m>
+                      <m:oMathPara xmlns:m="http://schemas.openxmlformats.org/officeDocument/2006/math">
+                        <m:oMathParaPr>
+                          <m:jc m:val="centerGroup"/>
+                        </m:oMathParaPr>
+                        <m:oMath xmlns:m="http://schemas.openxmlformats.org/officeDocument/2006/math">
+                          <m:r>
+                            <a:rPr lang="en-US" altLang="zh-CN" sz="1800" i="1">
+                              <a:latin typeface="DejaVu Math TeX Gyre" panose="02000503000000000000" charset="0"/>
+                            </a:rPr>
+                            <m:t>𝑧</m:t>
+                          </m:r>
+                        </m:oMath>
+                      </m:oMathPara>
+                    </a14:m>
+                    <a:endParaRPr lang="zh-CN" altLang="en-US" sz="1800"/>
+                  </a:p>
+                  <a:p>
+                    <a:pPr algn="l">
+                      <a:buClrTx/>
+                      <a:buSzTx/>
+                      <a:buFontTx/>
+                    </a:pPr>
+                    <a:endParaRPr lang="en-US" altLang="zh-CN" sz="1800" i="1"/>
+                  </a:p>
+                </p:txBody>
+              </p:sp>
+            </mc:Choice>
+            <mc:Fallback>
+              <p:sp>
+                <p:nvSpPr>
+                  <p:cNvPr id="8" name="文本框 7"/>
+                  <p:cNvSpPr txBox="1">
+                    <a:spLocks noRot="1" noChangeAspect="1" noMove="1" noResize="1" noEditPoints="1" noAdjustHandles="1" noChangeArrowheads="1" noChangeShapeType="1" noTextEdit="1"/>
+                  </p:cNvSpPr>
+                  <p:nvPr/>
+                </p:nvSpPr>
+                <p:spPr>
+                  <a:xfrm>
+                    <a:off x="9265" y="4528"/>
+                    <a:ext cx="641" cy="1016"/>
+                  </a:xfrm>
+                  <a:prstGeom prst="rect">
+                    <a:avLst/>
+                  </a:prstGeom>
+                  <a:blipFill rotWithShape="1">
+                    <a:blip r:embed="rId4"/>
+                  </a:blipFill>
+                </p:spPr>
+                <p:txBody>
+                  <a:bodyPr/>
+                  <a:lstStyle/>
+                  <a:p>
+                    <a:r>
+                      <a:rPr lang="zh-CN" altLang="en-US">
+                        <a:noFill/>
+                      </a:rPr>
+                      <a:t> </a:t>
+                    </a:r>
+                  </a:p>
+                </p:txBody>
+              </p:sp>
+            </mc:Fallback>
+          </mc:AlternateContent>
+          <mc:AlternateContent xmlns:mc="http://schemas.openxmlformats.org/markup-compatibility/2006">
+            <mc:Choice xmlns:a14="http://schemas.microsoft.com/office/drawing/2010/main" Requires="a14">
+              <p:sp>
+                <p:nvSpPr>
+                  <p:cNvPr id="9" name="文本框 8"/>
+                  <p:cNvSpPr txBox="1"/>
+                  <p:nvPr/>
+                </p:nvSpPr>
+                <p:spPr>
+                  <a:xfrm>
+                    <a:off x="7285" y="8846"/>
+                    <a:ext cx="543" cy="580"/>
+                  </a:xfrm>
+                  <a:prstGeom prst="rect">
+                    <a:avLst/>
+                  </a:prstGeom>
+                  <a:noFill/>
+                </p:spPr>
+                <p:txBody>
+                  <a:bodyPr wrap="square" rtlCol="0">
+                    <a:spAutoFit/>
+                  </a:bodyPr>
+                  <a:p>
+                    <a14:m>
+                      <m:oMathPara xmlns:m="http://schemas.openxmlformats.org/officeDocument/2006/math">
+                        <m:oMathParaPr>
+                          <m:jc m:val="centerGroup"/>
+                        </m:oMathParaPr>
+                        <m:oMath xmlns:m="http://schemas.openxmlformats.org/officeDocument/2006/math">
+                          <m:sSub>
+                            <m:sSubPr>
+                              <m:ctrlPr>
+                                <a:rPr lang="en-US" altLang="zh-CN" i="1">
+                                  <a:latin typeface="DejaVu Math TeX Gyre" panose="02000503000000000000" charset="0"/>
+                                  <a:cs typeface="DejaVu Math TeX Gyre" panose="02000503000000000000" charset="0"/>
+                                </a:rPr>
+                              </m:ctrlPr>
+                            </m:sSubPr>
+                            <m:e>
+                              <m:r>
+                                <a:rPr lang="en-US" altLang="zh-CN" i="1">
+                                  <a:latin typeface="DejaVu Math TeX Gyre" panose="02000503000000000000" charset="0"/>
+                                  <a:cs typeface="DejaVu Math TeX Gyre" panose="02000503000000000000" charset="0"/>
+                                </a:rPr>
+                                <m:t>𝑓</m:t>
+                              </m:r>
+                            </m:e>
+                            <m:sub>
+                              <m:r>
+                                <a:rPr lang="en-US" altLang="zh-CN" i="1">
+                                  <a:latin typeface="DejaVu Math TeX Gyre" panose="02000503000000000000" charset="0"/>
+                                  <a:ea typeface="MS Mincho" charset="0"/>
+                                  <a:cs typeface="DejaVu Math TeX Gyre" panose="02000503000000000000" charset="0"/>
+                                </a:rPr>
+                                <m:t>𝜃</m:t>
+                              </m:r>
+                            </m:sub>
+                          </m:sSub>
+                        </m:oMath>
+                      </m:oMathPara>
+                    </a14:m>
+                    <a:endParaRPr lang="en-US" altLang="zh-CN">
+                      <a:latin typeface="+mn-lt"/>
+                      <a:cs typeface="+mn-lt"/>
+                    </a:endParaRPr>
+                  </a:p>
+                </p:txBody>
+              </p:sp>
+            </mc:Choice>
+            <mc:Fallback>
+              <p:sp>
+                <p:nvSpPr>
+                  <p:cNvPr id="9" name="文本框 8"/>
+                  <p:cNvSpPr txBox="1">
+                    <a:spLocks noRot="1" noChangeAspect="1" noMove="1" noResize="1" noEditPoints="1" noAdjustHandles="1" noChangeArrowheads="1" noChangeShapeType="1" noTextEdit="1"/>
+                  </p:cNvSpPr>
+                  <p:nvPr/>
+                </p:nvSpPr>
+                <p:spPr>
+                  <a:xfrm>
+                    <a:off x="7285" y="8846"/>
+                    <a:ext cx="543" cy="580"/>
+                  </a:xfrm>
+                  <a:prstGeom prst="rect">
+                    <a:avLst/>
+                  </a:prstGeom>
+                  <a:blipFill rotWithShape="1">
+                    <a:blip r:embed="rId3"/>
+                  </a:blipFill>
+                </p:spPr>
+                <p:txBody>
+                  <a:bodyPr/>
+                  <a:lstStyle/>
+                  <a:p>
+                    <a:r>
+                      <a:rPr lang="zh-CN" altLang="en-US">
+                        <a:noFill/>
+                      </a:rPr>
+                      <a:t> </a:t>
+                    </a:r>
+                  </a:p>
+                </p:txBody>
+              </p:sp>
+            </mc:Fallback>
+          </mc:AlternateContent>
+          <p:sp>
+            <p:nvSpPr>
+              <p:cNvPr id="10" name="文本框 9"/>
+              <p:cNvSpPr txBox="1"/>
+              <p:nvPr/>
+            </p:nvSpPr>
+            <p:spPr>
+              <a:xfrm>
+                <a:off x="6757" y="7352"/>
+                <a:ext cx="1568" cy="1016"/>
+              </a:xfrm>
+              <a:prstGeom prst="rect">
+                <a:avLst/>
+              </a:prstGeom>
+              <a:noFill/>
+            </p:spPr>
+            <p:txBody>
+              <a:bodyPr wrap="none" rtlCol="0">
+                <a:spAutoFit/>
+              </a:bodyPr>
+              <a:p>
+                <a:pPr algn="ctr"/>
+                <a:r>
+                  <a:rPr lang="en-US" altLang="zh-CN"/>
+                  <a:t>feature</a:t>
+                </a:r>
+                <a:endParaRPr lang="en-US" altLang="zh-CN"/>
+              </a:p>
+              <a:p>
+                <a:pPr algn="ctr"/>
+                <a:r>
+                  <a:rPr lang="en-US" altLang="zh-CN"/>
+                  <a:t>extractor</a:t>
+                </a:r>
+                <a:endParaRPr lang="en-US" altLang="zh-CN"/>
+              </a:p>
+            </p:txBody>
+          </p:sp>
+        </p:grpSp>
+        <mc:AlternateContent xmlns:mc="http://schemas.openxmlformats.org/markup-compatibility/2006">
+          <mc:Choice xmlns:a14="http://schemas.microsoft.com/office/drawing/2010/main" Requires="a14">
+            <p:sp>
+              <p:nvSpPr>
+                <p:cNvPr id="26" name="文本框 25"/>
+                <p:cNvSpPr txBox="1"/>
+                <p:nvPr/>
+              </p:nvSpPr>
+              <p:spPr>
+                <a:xfrm>
+                  <a:off x="11108" y="5569"/>
+                  <a:ext cx="1387" cy="586"/>
+                </a:xfrm>
+                <a:prstGeom prst="rect">
+                  <a:avLst/>
+                </a:prstGeom>
+                <a:noFill/>
+              </p:spPr>
+              <p:txBody>
+                <a:bodyPr wrap="none" rtlCol="0">
+                  <a:spAutoFit/>
+                </a:bodyPr>
+                <a:p>
+                  <a14:m>
+                    <m:oMathPara xmlns:m="http://schemas.openxmlformats.org/officeDocument/2006/math">
+                      <m:oMathParaPr>
+                        <m:jc m:val="centerGroup"/>
+                      </m:oMathParaPr>
+                      <m:oMath xmlns:m="http://schemas.openxmlformats.org/officeDocument/2006/math">
+                        <m:sSub>
+                          <m:sSubPr>
+                            <m:ctrlPr>
+                              <a:rPr lang="en-US" altLang="zh-CN" i="1">
+                                <a:latin typeface="DejaVu Math TeX Gyre" panose="02000503000000000000" charset="0"/>
+                                <a:cs typeface="DejaVu Math TeX Gyre" panose="02000503000000000000" charset="0"/>
+                              </a:rPr>
+                            </m:ctrlPr>
+                          </m:sSubPr>
+                          <m:e>
+                            <m:r>
+                              <a:rPr lang="en-US" altLang="zh-CN" i="1">
+                                <a:latin typeface="DejaVu Math TeX Gyre" panose="02000503000000000000" charset="0"/>
+                                <a:cs typeface="DejaVu Math TeX Gyre" panose="02000503000000000000" charset="0"/>
+                              </a:rPr>
+                              <m:t>𝐹</m:t>
+                            </m:r>
+                          </m:e>
+                          <m:sub>
+                            <m:r>
+                              <a:rPr lang="en-US" altLang="zh-CN" i="1">
+                                <a:latin typeface="DejaVu Math TeX Gyre" panose="02000503000000000000" charset="0"/>
+                                <a:cs typeface="DejaVu Math TeX Gyre" panose="02000503000000000000" charset="0"/>
+                              </a:rPr>
+                              <m:t>𝑝𝑟𝑜𝑗</m:t>
+                            </m:r>
+                          </m:sub>
+                        </m:sSub>
+                      </m:oMath>
+                    </m:oMathPara>
+                  </a14:m>
+                  <a:endParaRPr lang="en-US" altLang="zh-CN"/>
+                </a:p>
+              </p:txBody>
+            </p:sp>
+          </mc:Choice>
+          <mc:Fallback>
+            <p:sp>
+              <p:nvSpPr>
+                <p:cNvPr id="26" name="文本框 25"/>
+                <p:cNvSpPr txBox="1">
+                  <a:spLocks noRot="1" noChangeAspect="1" noMove="1" noResize="1" noEditPoints="1" noAdjustHandles="1" noChangeArrowheads="1" noChangeShapeType="1" noTextEdit="1"/>
+                </p:cNvSpPr>
+                <p:nvPr/>
+              </p:nvSpPr>
+              <p:spPr>
+                <a:xfrm>
+                  <a:off x="11108" y="5569"/>
+                  <a:ext cx="1387" cy="586"/>
+                </a:xfrm>
+                <a:prstGeom prst="rect">
+                  <a:avLst/>
+                </a:prstGeom>
+                <a:blipFill rotWithShape="1">
+                  <a:blip r:embed="rId5"/>
+                </a:blipFill>
+              </p:spPr>
+              <p:txBody>
+                <a:bodyPr/>
+                <a:lstStyle/>
+                <a:p>
+                  <a:r>
+                    <a:rPr lang="zh-CN" altLang="en-US">
+                      <a:noFill/>
+                    </a:rPr>
+                    <a:t> </a:t>
+                  </a:r>
+                </a:p>
+              </p:txBody>
+            </p:sp>
+          </mc:Fallback>
+        </mc:AlternateContent>
+        <p:grpSp>
+          <p:nvGrpSpPr>
+            <p:cNvPr id="38" name="组合 37"/>
+            <p:cNvGrpSpPr/>
+            <p:nvPr/>
+          </p:nvGrpSpPr>
+          <p:grpSpPr>
+            <a:xfrm>
+              <a:off x="10537" y="7231"/>
+              <a:ext cx="2102" cy="2281"/>
+              <a:chOff x="10537" y="7231"/>
+              <a:chExt cx="2102" cy="2281"/>
+            </a:xfrm>
+          </p:grpSpPr>
+          <p:grpSp>
+            <p:nvGrpSpPr>
+              <p:cNvPr id="36" name="组合 35"/>
+              <p:cNvGrpSpPr/>
+              <p:nvPr/>
+            </p:nvGrpSpPr>
+            <p:grpSpPr>
+              <a:xfrm>
+                <a:off x="10537" y="7231"/>
+                <a:ext cx="2102" cy="1612"/>
+                <a:chOff x="10537" y="7231"/>
+                <a:chExt cx="2102" cy="1612"/>
+              </a:xfrm>
+            </p:grpSpPr>
+            <p:grpSp>
+              <p:nvGrpSpPr>
+                <p:cNvPr id="21" name="组合 20"/>
+                <p:cNvGrpSpPr/>
+                <p:nvPr/>
+              </p:nvGrpSpPr>
+              <p:grpSpPr>
+                <a:xfrm>
+                  <a:off x="11108" y="7231"/>
+                  <a:ext cx="402" cy="1612"/>
+                  <a:chOff x="10748" y="7325"/>
+                  <a:chExt cx="402" cy="1612"/>
+                </a:xfrm>
+              </p:grpSpPr>
+              <p:sp>
+                <p:nvSpPr>
+                  <p:cNvPr id="16" name="矩形 15"/>
+                  <p:cNvSpPr/>
+                  <p:nvPr/>
+                </p:nvSpPr>
+                <p:spPr>
+                  <a:xfrm>
+                    <a:off x="10748" y="7325"/>
+                    <a:ext cx="403" cy="404"/>
+                  </a:xfrm>
+                  <a:prstGeom prst="rect">
+                    <a:avLst/>
+                  </a:prstGeom>
+                  <a:solidFill>
+                    <a:schemeClr val="tx1">
+                      <a:lumMod val="85000"/>
+                      <a:lumOff val="15000"/>
+                    </a:schemeClr>
+                  </a:solidFill>
+                  <a:ln>
+                    <a:solidFill>
+                      <a:schemeClr val="bg1"/>
+                    </a:solidFill>
+                  </a:ln>
+                </p:spPr>
+                <p:txBody>
+                  <a:bodyPr wrap="square">
+                    <a:spAutoFit/>
+                  </a:bodyPr>
+                  <a:p>
+                    <a:endParaRPr lang="zh-CN" altLang="en-US" sz="2400" dirty="0"/>
+                  </a:p>
+                </p:txBody>
+              </p:sp>
+              <p:sp>
+                <p:nvSpPr>
+                  <p:cNvPr id="17" name="矩形 16"/>
+                  <p:cNvSpPr/>
+                  <p:nvPr/>
+                </p:nvSpPr>
+                <p:spPr>
+                  <a:xfrm>
+                    <a:off x="10748" y="7732"/>
+                    <a:ext cx="403" cy="404"/>
+                  </a:xfrm>
+                  <a:prstGeom prst="rect">
+                    <a:avLst/>
+                  </a:prstGeom>
+                  <a:solidFill>
+                    <a:schemeClr val="bg2">
+                      <a:lumMod val="90000"/>
+                    </a:schemeClr>
+                  </a:solidFill>
+                  <a:ln w="12700" cmpd="sng">
+                    <a:solidFill>
+                      <a:schemeClr val="bg1"/>
+                    </a:solidFill>
+                    <a:prstDash val="solid"/>
+                  </a:ln>
+                </p:spPr>
+                <p:txBody>
+                  <a:bodyPr wrap="square">
+                    <a:spAutoFit/>
+                  </a:bodyPr>
+                  <a:p>
+                    <a:endParaRPr lang="zh-CN" altLang="en-US" sz="2400" dirty="0"/>
+                  </a:p>
+                </p:txBody>
+              </p:sp>
+              <p:sp>
+                <p:nvSpPr>
+                  <p:cNvPr id="19" name="矩形 18"/>
+                  <p:cNvSpPr/>
+                  <p:nvPr/>
+                </p:nvSpPr>
+                <p:spPr>
+                  <a:xfrm>
+                    <a:off x="10748" y="8129"/>
+                    <a:ext cx="403" cy="404"/>
+                  </a:xfrm>
+                  <a:prstGeom prst="rect">
+                    <a:avLst/>
+                  </a:prstGeom>
+                  <a:solidFill>
+                    <a:schemeClr val="bg1">
+                      <a:lumMod val="95000"/>
+                    </a:schemeClr>
+                  </a:solidFill>
+                  <a:ln>
+                    <a:solidFill>
+                      <a:schemeClr val="bg1"/>
+                    </a:solidFill>
+                  </a:ln>
+                </p:spPr>
+                <p:txBody>
+                  <a:bodyPr wrap="square">
+                    <a:spAutoFit/>
+                  </a:bodyPr>
+                  <a:p>
+                    <a:endParaRPr lang="zh-CN" altLang="en-US" sz="2400" dirty="0"/>
+                  </a:p>
+                </p:txBody>
+              </p:sp>
+              <p:sp>
+                <p:nvSpPr>
+                  <p:cNvPr id="20" name="矩形 19"/>
+                  <p:cNvSpPr/>
+                  <p:nvPr/>
+                </p:nvSpPr>
+                <p:spPr>
+                  <a:xfrm>
+                    <a:off x="10748" y="8533"/>
+                    <a:ext cx="403" cy="404"/>
+                  </a:xfrm>
+                  <a:prstGeom prst="rect">
+                    <a:avLst/>
+                  </a:prstGeom>
+                  <a:solidFill>
+                    <a:schemeClr val="bg1">
+                      <a:lumMod val="50000"/>
+                    </a:schemeClr>
+                  </a:solidFill>
+                  <a:ln>
+                    <a:solidFill>
+                      <a:schemeClr val="bg1"/>
+                    </a:solidFill>
+                  </a:ln>
+                </p:spPr>
+                <p:txBody>
+                  <a:bodyPr wrap="square">
+                    <a:spAutoFit/>
+                  </a:bodyPr>
+                  <a:p>
+                    <a:endParaRPr lang="zh-CN" altLang="en-US" sz="2400" dirty="0"/>
+                  </a:p>
+                </p:txBody>
+              </p:sp>
+            </p:grpSp>
+            <p:cxnSp>
+              <p:nvCxnSpPr>
+                <p:cNvPr id="22" name="直接连接符 21"/>
+                <p:cNvCxnSpPr/>
+                <p:nvPr/>
+              </p:nvCxnSpPr>
+              <p:spPr>
+                <a:xfrm flipH="1" flipV="1">
+                  <a:off x="10537" y="8107"/>
+                  <a:ext cx="575" cy="3"/>
+                </a:xfrm>
+                <a:prstGeom prst="line">
+                  <a:avLst/>
+                </a:prstGeom>
+                <a:ln w="25400">
+                  <a:solidFill>
+                    <a:srgbClr val="303030"/>
+                  </a:solidFill>
+                  <a:headEnd type="stealth" w="lg" len="med"/>
+                  <a:tailEnd type="none" w="lg" len="med"/>
+                </a:ln>
+              </p:spPr>
+              <p:style>
+                <a:lnRef idx="1">
+                  <a:schemeClr val="accent2"/>
+                </a:lnRef>
+                <a:fillRef idx="0">
+                  <a:schemeClr val="accent2"/>
+                </a:fillRef>
+                <a:effectRef idx="0">
+                  <a:schemeClr val="accent2"/>
+                </a:effectRef>
+                <a:fontRef idx="minor">
+                  <a:schemeClr val="tx1"/>
+                </a:fontRef>
+              </p:style>
+            </p:cxnSp>
+            <p:cxnSp>
+              <p:nvCxnSpPr>
+                <p:cNvPr id="24" name="直接连接符 23"/>
+                <p:cNvCxnSpPr/>
+                <p:nvPr/>
+              </p:nvCxnSpPr>
+              <p:spPr>
+                <a:xfrm flipH="1" flipV="1">
+                  <a:off x="11542" y="8139"/>
+                  <a:ext cx="1097" cy="588"/>
+                </a:xfrm>
+                <a:prstGeom prst="line">
+                  <a:avLst/>
+                </a:prstGeom>
+                <a:ln w="25400">
+                  <a:solidFill>
+                    <a:schemeClr val="tx1"/>
+                  </a:solidFill>
+                  <a:headEnd type="stealth" w="lg" len="med"/>
+                  <a:tailEnd type="none" w="lg" len="med"/>
+                </a:ln>
+              </p:spPr>
+              <p:style>
+                <a:lnRef idx="1">
+                  <a:schemeClr val="accent2"/>
+                </a:lnRef>
+                <a:fillRef idx="0">
+                  <a:schemeClr val="accent2"/>
+                </a:fillRef>
+                <a:effectRef idx="0">
+                  <a:schemeClr val="accent2"/>
+                </a:effectRef>
+                <a:fontRef idx="minor">
+                  <a:schemeClr val="tx1"/>
+                </a:fontRef>
+              </p:style>
+            </p:cxnSp>
+          </p:grpSp>
+          <mc:AlternateContent xmlns:mc="http://schemas.openxmlformats.org/markup-compatibility/2006">
+            <mc:Choice xmlns:a14="http://schemas.microsoft.com/office/drawing/2010/main" Requires="a14">
+              <p:sp>
+                <p:nvSpPr>
+                  <p:cNvPr id="34" name="文本框 33"/>
+                  <p:cNvSpPr txBox="1"/>
+                  <p:nvPr/>
+                </p:nvSpPr>
+                <p:spPr>
+                  <a:xfrm>
+                    <a:off x="10984" y="8844"/>
+                    <a:ext cx="814" cy="668"/>
+                  </a:xfrm>
+                  <a:prstGeom prst="rect">
+                    <a:avLst/>
+                  </a:prstGeom>
+                  <a:noFill/>
+                </p:spPr>
+                <p:txBody>
+                  <a:bodyPr wrap="none" rtlCol="0">
+                    <a:spAutoFit/>
+                  </a:bodyPr>
+                  <a:p>
+                    <a:pPr algn="l">
+                      <a:buClrTx/>
+                      <a:buSzTx/>
+                      <a:buFontTx/>
+                    </a:pPr>
+                    <a14:m>
+                      <m:oMathPara xmlns:m="http://schemas.openxmlformats.org/officeDocument/2006/math">
+                        <m:oMathParaPr>
+                          <m:jc m:val="centerGroup"/>
+                        </m:oMathParaPr>
+                        <m:oMath xmlns:m="http://schemas.openxmlformats.org/officeDocument/2006/math">
+                          <m:sSup>
+                            <m:sSupPr>
+                              <m:ctrlPr>
+                                <a:rPr lang="en-US" altLang="zh-CN" sz="1800" i="1"/>
+                              </m:ctrlPr>
+                            </m:sSupPr>
+                            <m:e>
+                              <m:r>
+                                <a:rPr lang="en-US" altLang="zh-CN" sz="1800" i="1">
+                                  <a:latin typeface="DejaVu Math TeX Gyre" panose="02000503000000000000" charset="0"/>
+                                </a:rPr>
+                                <m:t>𝑧</m:t>
+                              </m:r>
+                            </m:e>
+                            <m:sup>
+                              <m:r>
+                                <a:rPr lang="zh-CN" altLang="en-US" sz="1800">
+                                  <a:latin typeface="文鼎ＰＬ简中楷" panose="02010600030101010101" charset="-122"/>
+                                  <a:ea typeface="文鼎ＰＬ简中楷" panose="02010600030101010101" charset="-122"/>
+                                  <a:sym typeface="+mn-ea"/>
+                                </a:rPr>
+                                <m:t>′</m:t>
+                              </m:r>
+                            </m:sup>
+                          </m:sSup>
+                        </m:oMath>
+                      </m:oMathPara>
+                    </a14:m>
+                    <a:endParaRPr lang="en-US" altLang="zh-CN" sz="1800" i="1"/>
+                  </a:p>
+                </p:txBody>
+              </p:sp>
+            </mc:Choice>
+            <mc:Fallback>
+              <p:sp>
+                <p:nvSpPr>
+                  <p:cNvPr id="34" name="文本框 33"/>
+                  <p:cNvSpPr txBox="1">
+                    <a:spLocks noRot="1" noChangeAspect="1" noMove="1" noResize="1" noEditPoints="1" noAdjustHandles="1" noChangeArrowheads="1" noChangeShapeType="1" noTextEdit="1"/>
+                  </p:cNvSpPr>
+                  <p:nvPr/>
+                </p:nvSpPr>
+                <p:spPr>
+                  <a:xfrm>
+                    <a:off x="10984" y="8844"/>
+                    <a:ext cx="814" cy="668"/>
+                  </a:xfrm>
+                  <a:prstGeom prst="rect">
+                    <a:avLst/>
+                  </a:prstGeom>
+                  <a:blipFill rotWithShape="1">
+                    <a:blip r:embed="rId6"/>
+                  </a:blipFill>
+                </p:spPr>
+                <p:txBody>
+                  <a:bodyPr/>
+                  <a:lstStyle/>
+                  <a:p>
+                    <a:r>
+                      <a:rPr lang="zh-CN" altLang="en-US">
+                        <a:noFill/>
+                      </a:rPr>
+                      <a:t> </a:t>
+                    </a:r>
+                  </a:p>
+                </p:txBody>
+              </p:sp>
+            </mc:Fallback>
+          </mc:AlternateContent>
+        </p:grpSp>
+        <mc:AlternateContent xmlns:mc="http://schemas.openxmlformats.org/markup-compatibility/2006">
+          <mc:Choice xmlns:a14="http://schemas.microsoft.com/office/drawing/2010/main" Requires="a14">
+            <p:sp>
+              <p:nvSpPr>
+                <p:cNvPr id="35" name="文本框 34"/>
+                <p:cNvSpPr txBox="1"/>
+                <p:nvPr/>
+              </p:nvSpPr>
+              <p:spPr>
+                <a:xfrm>
+                  <a:off x="10007" y="9134"/>
+                  <a:ext cx="724" cy="1016"/>
+                </a:xfrm>
+                <a:prstGeom prst="rect">
+                  <a:avLst/>
+                </a:prstGeom>
+                <a:noFill/>
+              </p:spPr>
+              <p:txBody>
+                <a:bodyPr wrap="square" rtlCol="0">
+                  <a:spAutoFit/>
+                </a:bodyPr>
+                <a:p>
+                  <a:pPr algn="l">
+                    <a:buClrTx/>
+                    <a:buSzTx/>
+                    <a:buFontTx/>
+                  </a:pPr>
+                  <a14:m>
+                    <m:oMathPara xmlns:m="http://schemas.openxmlformats.org/officeDocument/2006/math">
+                      <m:oMathParaPr>
+                        <m:jc m:val="centerGroup"/>
+                      </m:oMathParaPr>
+                      <m:oMath xmlns:m="http://schemas.openxmlformats.org/officeDocument/2006/math">
+                        <m:r>
+                          <a:rPr lang="en-US" altLang="zh-CN" sz="1800" i="1">
+                            <a:latin typeface="DejaVu Math TeX Gyre" panose="02000503000000000000" charset="0"/>
+                          </a:rPr>
+                          <m:t>𝑧</m:t>
+                        </m:r>
+                      </m:oMath>
+                    </m:oMathPara>
+                  </a14:m>
+                  <a:endParaRPr lang="zh-CN" altLang="en-US" sz="1800"/>
+                </a:p>
+                <a:p>
+                  <a:pPr algn="l">
+                    <a:buClrTx/>
+                    <a:buSzTx/>
+                    <a:buFontTx/>
+                  </a:pPr>
+                  <a:endParaRPr lang="en-US" altLang="zh-CN" sz="1800" i="1"/>
+                </a:p>
+              </p:txBody>
+            </p:sp>
+          </mc:Choice>
+          <mc:Fallback>
+            <p:sp>
+              <p:nvSpPr>
+                <p:cNvPr id="35" name="文本框 34"/>
+                <p:cNvSpPr txBox="1">
+                  <a:spLocks noRot="1" noChangeAspect="1" noMove="1" noResize="1" noEditPoints="1" noAdjustHandles="1" noChangeArrowheads="1" noChangeShapeType="1" noTextEdit="1"/>
+                </p:cNvSpPr>
+                <p:nvPr/>
+              </p:nvSpPr>
+              <p:spPr>
+                <a:xfrm>
+                  <a:off x="10007" y="9134"/>
+                  <a:ext cx="724" cy="1016"/>
+                </a:xfrm>
+                <a:prstGeom prst="rect">
+                  <a:avLst/>
+                </a:prstGeom>
+                <a:blipFill rotWithShape="1">
+                  <a:blip r:embed="rId7"/>
+                </a:blipFill>
+              </p:spPr>
+              <p:txBody>
+                <a:bodyPr/>
+                <a:lstStyle/>
+                <a:p>
+                  <a:r>
+                    <a:rPr lang="zh-CN" altLang="en-US">
+                      <a:noFill/>
+                    </a:rPr>
+                    <a:t> </a:t>
+                  </a:r>
+                </a:p>
+              </p:txBody>
+            </p:sp>
+          </mc:Fallback>
+        </mc:AlternateContent>
+      </p:grpSp>
+    </p:spTree>
+  </p:cSld>
+  <p:clrMapOvr>
+    <a:masterClrMapping/>
+  </p:clrMapOvr>
+  <mc:AlternateContent xmlns:mc="http://schemas.openxmlformats.org/markup-compatibility/2006" xmlns:p159="http://schemas.microsoft.com/office/powerpoint/2015/09/main">
+    <mc:Choice Requires="p159">
+      <p:transition xmlns:p14="http://schemas.microsoft.com/office/powerpoint/2010/main" spd="med">
+        <p159:morph option="byObject"/>
+      </p:transition>
+    </mc:Choice>
+    <mc:Fallback>
+      <p:transition spd="med">
+        <p:fade/>
+      </p:transition>
+    </mc:Fallback>
+  </mc:AlternateContent>
+</p:sld>
+</file>
+
+<file path=ppt/slides/slide48.xml><?xml version="1.0" encoding="utf-8"?>
 <p:sld xmlns:a="http://schemas.openxmlformats.org/drawingml/2006/main" xmlns:r="http://schemas.openxmlformats.org/officeDocument/2006/relationships" xmlns:p="http://schemas.openxmlformats.org/presentationml/2006/main">
   <p:cSld>
     <p:spTree>
